--- a/doc/LabMeeting120123.pptx
+++ b/doc/LabMeeting120123.pptx
@@ -5,7 +5,7 @@
     <p:sldMasterId id="2147483648" r:id="rId1"/>
   </p:sldMasterIdLst>
   <p:notesMasterIdLst>
-    <p:notesMasterId r:id="rId10"/>
+    <p:notesMasterId r:id="rId12"/>
   </p:notesMasterIdLst>
   <p:sldIdLst>
     <p:sldId id="256" r:id="rId2"/>
@@ -13,9 +13,11 @@
     <p:sldId id="263" r:id="rId4"/>
     <p:sldId id="259" r:id="rId5"/>
     <p:sldId id="261" r:id="rId6"/>
-    <p:sldId id="257" r:id="rId7"/>
-    <p:sldId id="262" r:id="rId8"/>
-    <p:sldId id="258" r:id="rId9"/>
+    <p:sldId id="264" r:id="rId7"/>
+    <p:sldId id="257" r:id="rId8"/>
+    <p:sldId id="262" r:id="rId9"/>
+    <p:sldId id="265" r:id="rId10"/>
+    <p:sldId id="258" r:id="rId11"/>
   </p:sldIdLst>
   <p:sldSz cx="12192000" cy="6858000"/>
   <p:notesSz cx="6858000" cy="9144000"/>
@@ -114,6 +116,11 @@
       </a:defRPr>
     </a:lvl9pPr>
   </p:defaultTextStyle>
+  <p:extLst>
+    <p:ext uri="{EFAFB233-063F-42B5-8137-9DF3F51BA10A}">
+      <p15:sldGuideLst xmlns:p15="http://schemas.microsoft.com/office/powerpoint/2012/main"/>
+    </p:ext>
+  </p:extLst>
 </p:presentation>
 </file>
 
@@ -199,7 +206,7 @@
           <a:p>
             <a:fld id="{C22E34D2-C1D4-2C46-B56D-11F190C8C041}" type="datetimeFigureOut">
               <a:rPr lang="en-US" smtClean="0"/>
-              <a:t>11/29/23</a:t>
+              <a:t>11/30/23</a:t>
             </a:fld>
             <a:endParaRPr lang="en-US"/>
           </a:p>
@@ -697,7 +704,7 @@
           <a:p>
             <a:fld id="{D9CC8253-21D9-F941-8CE5-39B2D0EEE144}" type="datetimeFigureOut">
               <a:rPr lang="en-US" smtClean="0"/>
-              <a:t>11/27/23</a:t>
+              <a:t>11/30/23</a:t>
             </a:fld>
             <a:endParaRPr lang="en-US"/>
           </a:p>
@@ -895,7 +902,7 @@
           <a:p>
             <a:fld id="{D9CC8253-21D9-F941-8CE5-39B2D0EEE144}" type="datetimeFigureOut">
               <a:rPr lang="en-US" smtClean="0"/>
-              <a:t>11/27/23</a:t>
+              <a:t>11/30/23</a:t>
             </a:fld>
             <a:endParaRPr lang="en-US"/>
           </a:p>
@@ -1103,7 +1110,7 @@
           <a:p>
             <a:fld id="{D9CC8253-21D9-F941-8CE5-39B2D0EEE144}" type="datetimeFigureOut">
               <a:rPr lang="en-US" smtClean="0"/>
-              <a:t>11/27/23</a:t>
+              <a:t>11/30/23</a:t>
             </a:fld>
             <a:endParaRPr lang="en-US"/>
           </a:p>
@@ -1301,7 +1308,7 @@
           <a:p>
             <a:fld id="{D9CC8253-21D9-F941-8CE5-39B2D0EEE144}" type="datetimeFigureOut">
               <a:rPr lang="en-US" smtClean="0"/>
-              <a:t>11/27/23</a:t>
+              <a:t>11/30/23</a:t>
             </a:fld>
             <a:endParaRPr lang="en-US"/>
           </a:p>
@@ -1576,7 +1583,7 @@
           <a:p>
             <a:fld id="{D9CC8253-21D9-F941-8CE5-39B2D0EEE144}" type="datetimeFigureOut">
               <a:rPr lang="en-US" smtClean="0"/>
-              <a:t>11/27/23</a:t>
+              <a:t>11/30/23</a:t>
             </a:fld>
             <a:endParaRPr lang="en-US"/>
           </a:p>
@@ -1841,7 +1848,7 @@
           <a:p>
             <a:fld id="{D9CC8253-21D9-F941-8CE5-39B2D0EEE144}" type="datetimeFigureOut">
               <a:rPr lang="en-US" smtClean="0"/>
-              <a:t>11/27/23</a:t>
+              <a:t>11/30/23</a:t>
             </a:fld>
             <a:endParaRPr lang="en-US"/>
           </a:p>
@@ -2253,7 +2260,7 @@
           <a:p>
             <a:fld id="{D9CC8253-21D9-F941-8CE5-39B2D0EEE144}" type="datetimeFigureOut">
               <a:rPr lang="en-US" smtClean="0"/>
-              <a:t>11/27/23</a:t>
+              <a:t>11/30/23</a:t>
             </a:fld>
             <a:endParaRPr lang="en-US"/>
           </a:p>
@@ -2394,7 +2401,7 @@
           <a:p>
             <a:fld id="{D9CC8253-21D9-F941-8CE5-39B2D0EEE144}" type="datetimeFigureOut">
               <a:rPr lang="en-US" smtClean="0"/>
-              <a:t>11/27/23</a:t>
+              <a:t>11/30/23</a:t>
             </a:fld>
             <a:endParaRPr lang="en-US"/>
           </a:p>
@@ -2507,7 +2514,7 @@
           <a:p>
             <a:fld id="{D9CC8253-21D9-F941-8CE5-39B2D0EEE144}" type="datetimeFigureOut">
               <a:rPr lang="en-US" smtClean="0"/>
-              <a:t>11/27/23</a:t>
+              <a:t>11/30/23</a:t>
             </a:fld>
             <a:endParaRPr lang="en-US"/>
           </a:p>
@@ -2818,7 +2825,7 @@
           <a:p>
             <a:fld id="{D9CC8253-21D9-F941-8CE5-39B2D0EEE144}" type="datetimeFigureOut">
               <a:rPr lang="en-US" smtClean="0"/>
-              <a:t>11/27/23</a:t>
+              <a:t>11/30/23</a:t>
             </a:fld>
             <a:endParaRPr lang="en-US"/>
           </a:p>
@@ -3106,7 +3113,7 @@
           <a:p>
             <a:fld id="{D9CC8253-21D9-F941-8CE5-39B2D0EEE144}" type="datetimeFigureOut">
               <a:rPr lang="en-US" smtClean="0"/>
-              <a:t>11/27/23</a:t>
+              <a:t>11/30/23</a:t>
             </a:fld>
             <a:endParaRPr lang="en-US"/>
           </a:p>
@@ -3347,7 +3354,7 @@
           <a:p>
             <a:fld id="{D9CC8253-21D9-F941-8CE5-39B2D0EEE144}" type="datetimeFigureOut">
               <a:rPr lang="en-US" smtClean="0"/>
-              <a:t>11/27/23</a:t>
+              <a:t>11/30/23</a:t>
             </a:fld>
             <a:endParaRPr lang="en-US"/>
           </a:p>
@@ -3836,6 +3843,145 @@
 </p:sld>
 </file>
 
+<file path=ppt/slides/slide10.xml><?xml version="1.0" encoding="utf-8"?>
+<p:sld xmlns:a="http://schemas.openxmlformats.org/drawingml/2006/main" xmlns:r="http://schemas.openxmlformats.org/officeDocument/2006/relationships" xmlns:p="http://schemas.openxmlformats.org/presentationml/2006/main">
+  <p:cSld>
+    <p:spTree>
+      <p:nvGrpSpPr>
+        <p:cNvPr id="1" name=""/>
+        <p:cNvGrpSpPr/>
+        <p:nvPr/>
+      </p:nvGrpSpPr>
+      <p:grpSpPr>
+        <a:xfrm>
+          <a:off x="0" y="0"/>
+          <a:ext cx="0" cy="0"/>
+          <a:chOff x="0" y="0"/>
+          <a:chExt cx="0" cy="0"/>
+        </a:xfrm>
+      </p:grpSpPr>
+      <p:sp>
+        <p:nvSpPr>
+          <p:cNvPr id="2" name="Title 1">
+            <a:extLst>
+              <a:ext uri="{FF2B5EF4-FFF2-40B4-BE49-F238E27FC236}">
+                <a16:creationId xmlns:a16="http://schemas.microsoft.com/office/drawing/2014/main" id="{21A270D5-6CC1-716C-627F-5215B212B3C1}"/>
+              </a:ext>
+            </a:extLst>
+          </p:cNvPr>
+          <p:cNvSpPr>
+            <a:spLocks noGrp="1"/>
+          </p:cNvSpPr>
+          <p:nvPr>
+            <p:ph type="title"/>
+          </p:nvPr>
+        </p:nvSpPr>
+        <p:spPr>
+          <a:xfrm>
+            <a:off x="838200" y="81524"/>
+            <a:ext cx="10515600" cy="1325563"/>
+          </a:xfrm>
+        </p:spPr>
+        <p:txBody>
+          <a:bodyPr/>
+          <a:lstStyle/>
+          <a:p>
+            <a:r>
+              <a:rPr lang="en-US" dirty="0"/>
+              <a:t>Breed specific variants from WGS-CDS only</a:t>
+            </a:r>
+          </a:p>
+        </p:txBody>
+      </p:sp>
+      <p:pic>
+        <p:nvPicPr>
+          <p:cNvPr id="5" name="Content Placeholder 4" descr="A chart of different colored squares&#10;&#10;Description automatically generated with medium confidence">
+            <a:extLst>
+              <a:ext uri="{FF2B5EF4-FFF2-40B4-BE49-F238E27FC236}">
+                <a16:creationId xmlns:a16="http://schemas.microsoft.com/office/drawing/2014/main" id="{BEFF4870-94BC-6122-31EF-EB349238F647}"/>
+              </a:ext>
+            </a:extLst>
+          </p:cNvPr>
+          <p:cNvPicPr>
+            <a:picLocks noGrp="1" noChangeAspect="1"/>
+          </p:cNvPicPr>
+          <p:nvPr>
+            <p:ph idx="1"/>
+          </p:nvPr>
+        </p:nvPicPr>
+        <p:blipFill>
+          <a:blip r:embed="rId2"/>
+          <a:stretch>
+            <a:fillRect/>
+          </a:stretch>
+        </p:blipFill>
+        <p:spPr>
+          <a:xfrm>
+            <a:off x="503927" y="1177159"/>
+            <a:ext cx="7575546" cy="5599317"/>
+          </a:xfrm>
+        </p:spPr>
+      </p:pic>
+      <p:sp>
+        <p:nvSpPr>
+          <p:cNvPr id="6" name="TextBox 5">
+            <a:extLst>
+              <a:ext uri="{FF2B5EF4-FFF2-40B4-BE49-F238E27FC236}">
+                <a16:creationId xmlns:a16="http://schemas.microsoft.com/office/drawing/2014/main" id="{2226F461-98B4-E2EC-21F0-ED6771AE786F}"/>
+              </a:ext>
+            </a:extLst>
+          </p:cNvPr>
+          <p:cNvSpPr txBox="1"/>
+          <p:nvPr/>
+        </p:nvSpPr>
+        <p:spPr>
+          <a:xfrm>
+            <a:off x="8489092" y="2866768"/>
+            <a:ext cx="3052119" cy="923330"/>
+          </a:xfrm>
+          <a:prstGeom prst="rect">
+            <a:avLst/>
+          </a:prstGeom>
+          <a:noFill/>
+        </p:spPr>
+        <p:txBody>
+          <a:bodyPr wrap="square" rtlCol="0">
+            <a:spAutoFit/>
+          </a:bodyPr>
+          <a:lstStyle/>
+          <a:p>
+            <a:r>
+              <a:rPr lang="en-US" dirty="0"/>
+              <a:t>Dogs n=272</a:t>
+            </a:r>
+          </a:p>
+          <a:p>
+            <a:r>
+              <a:rPr lang="en-US" dirty="0"/>
+              <a:t>Variants n=6,364</a:t>
+            </a:r>
+          </a:p>
+          <a:p>
+            <a:r>
+              <a:rPr lang="en-US" dirty="0"/>
+              <a:t>Breeds n=23</a:t>
+            </a:r>
+          </a:p>
+        </p:txBody>
+      </p:sp>
+    </p:spTree>
+    <p:extLst>
+      <p:ext uri="{BB962C8B-B14F-4D97-AF65-F5344CB8AC3E}">
+        <p14:creationId xmlns:p14="http://schemas.microsoft.com/office/powerpoint/2010/main" val="3404486992"/>
+      </p:ext>
+    </p:extLst>
+  </p:cSld>
+  <p:clrMapOvr>
+    <a:masterClrMapping/>
+  </p:clrMapOvr>
+</p:sld>
+</file>
+
 <file path=ppt/slides/slide2.xml><?xml version="1.0" encoding="utf-8"?>
 <p:sld xmlns:a="http://schemas.openxmlformats.org/drawingml/2006/main" xmlns:r="http://schemas.openxmlformats.org/officeDocument/2006/relationships" xmlns:p="http://schemas.openxmlformats.org/presentationml/2006/main">
   <p:cSld>
@@ -3902,8 +4048,8 @@
         </p:blipFill>
         <p:spPr>
           <a:xfrm>
-            <a:off x="668000" y="1901953"/>
-            <a:ext cx="6371761" cy="4552946"/>
+            <a:off x="222422" y="1827734"/>
+            <a:ext cx="7039761" cy="5030266"/>
           </a:xfrm>
         </p:spPr>
       </p:pic>
@@ -3929,7 +4075,7 @@
         </p:blipFill>
         <p:spPr>
           <a:xfrm>
-            <a:off x="7039761" y="3847585"/>
+            <a:off x="7262183" y="4039930"/>
             <a:ext cx="4773299" cy="2452945"/>
           </a:xfrm>
           <a:prstGeom prst="rect">
@@ -3951,7 +4097,7 @@
         </p:nvSpPr>
         <p:spPr>
           <a:xfrm>
-            <a:off x="7389341" y="2545492"/>
+            <a:off x="7574693" y="2505670"/>
             <a:ext cx="3435178" cy="923330"/>
           </a:xfrm>
           <a:prstGeom prst="rect">
@@ -4036,7 +4182,7 @@
         </p:blipFill>
         <p:spPr>
           <a:xfrm>
-            <a:off x="574074" y="493240"/>
+            <a:off x="5263284" y="493240"/>
             <a:ext cx="6375203" cy="5871519"/>
           </a:xfrm>
           <a:prstGeom prst="rect">
@@ -4066,7 +4212,7 @@
         </p:blipFill>
         <p:spPr>
           <a:xfrm>
-            <a:off x="7039761" y="3847585"/>
+            <a:off x="386713" y="3798332"/>
             <a:ext cx="4773299" cy="2452945"/>
           </a:xfrm>
           <a:prstGeom prst="rect">
@@ -4088,7 +4234,7 @@
         </p:nvSpPr>
         <p:spPr>
           <a:xfrm>
-            <a:off x="7220729" y="3478253"/>
+            <a:off x="567681" y="3429000"/>
             <a:ext cx="4411362" cy="369332"/>
           </a:xfrm>
           <a:prstGeom prst="rect">
@@ -4203,19 +4349,19 @@
           <a:p>
             <a:r>
               <a:rPr lang="en-US" dirty="0"/>
-              <a:t>Expand WES datasets to previous breed prediction pipeline.</a:t>
+              <a:t>Expand WES datasets for breed prediction pipeline.</a:t>
             </a:r>
           </a:p>
           <a:p>
             <a:r>
               <a:rPr lang="en-US" dirty="0"/>
-              <a:t>Reconstruct neighbor-joining trees using germline variants from WES data.</a:t>
+              <a:t>Apply phylogenetic methods using germline variants from WES data.</a:t>
             </a:r>
           </a:p>
           <a:p>
             <a:r>
               <a:rPr lang="en-US" dirty="0"/>
-              <a:t>Identify breed specific variants from WGS SNPs (conducted on Dog10K results).</a:t>
+              <a:t>Identify breed specific variants from WGS SNPs (Dog10K data).</a:t>
             </a:r>
           </a:p>
         </p:txBody>
@@ -4266,7 +4412,12 @@
             <p:ph type="title"/>
           </p:nvPr>
         </p:nvSpPr>
-        <p:spPr/>
+        <p:spPr>
+          <a:xfrm>
+            <a:off x="867707" y="-13378"/>
+            <a:ext cx="11234351" cy="1325563"/>
+          </a:xfrm>
+        </p:spPr>
         <p:txBody>
           <a:bodyPr>
             <a:normAutofit/>
@@ -4274,49 +4425,335 @@
           <a:lstStyle/>
           <a:p>
             <a:r>
+              <a:rPr lang="en-US" sz="4000" dirty="0"/>
+              <a:t>Expand WES datasets for breed prediction pipeline</a:t>
+            </a:r>
+          </a:p>
+        </p:txBody>
+      </p:sp>
+      <p:sp>
+        <p:nvSpPr>
+          <p:cNvPr id="3" name="Content Placeholder 2">
+            <a:extLst>
+              <a:ext uri="{FF2B5EF4-FFF2-40B4-BE49-F238E27FC236}">
+                <a16:creationId xmlns:a16="http://schemas.microsoft.com/office/drawing/2014/main" id="{772018ED-C12B-16CC-B14B-A2174CEAA4E0}"/>
+              </a:ext>
+            </a:extLst>
+          </p:cNvPr>
+          <p:cNvSpPr>
+            <a:spLocks noGrp="1"/>
+          </p:cNvSpPr>
+          <p:nvPr>
+            <p:ph idx="1"/>
+          </p:nvPr>
+        </p:nvSpPr>
+        <p:spPr>
+          <a:xfrm>
+            <a:off x="313718" y="1606744"/>
+            <a:ext cx="5656159" cy="4351338"/>
+          </a:xfrm>
+        </p:spPr>
+        <p:txBody>
+          <a:bodyPr/>
+          <a:lstStyle/>
+          <a:p>
+            <a:r>
               <a:rPr lang="en-US" dirty="0"/>
-              <a:t>Expand WES datasets to previous breed prediction pipeline.</a:t>
-            </a:r>
-          </a:p>
-        </p:txBody>
-      </p:sp>
-      <p:sp>
-        <p:nvSpPr>
-          <p:cNvPr id="3" name="Content Placeholder 2">
-            <a:extLst>
-              <a:ext uri="{FF2B5EF4-FFF2-40B4-BE49-F238E27FC236}">
-                <a16:creationId xmlns:a16="http://schemas.microsoft.com/office/drawing/2014/main" id="{772018ED-C12B-16CC-B14B-A2174CEAA4E0}"/>
-              </a:ext>
-            </a:extLst>
-          </p:cNvPr>
-          <p:cNvSpPr>
-            <a:spLocks noGrp="1"/>
-          </p:cNvSpPr>
-          <p:nvPr>
-            <p:ph idx="1"/>
-          </p:nvPr>
-        </p:nvSpPr>
-        <p:spPr/>
-        <p:txBody>
-          <a:bodyPr/>
-          <a:lstStyle/>
-          <a:p>
+              <a:t>Re-engineer computation-intensive parts with </a:t>
+            </a:r>
+            <a:r>
+              <a:rPr lang="en-US" dirty="0" err="1"/>
+              <a:t>Snakemake</a:t>
+            </a:r>
+            <a:r>
+              <a:rPr lang="en-US" dirty="0"/>
+              <a:t>. </a:t>
+            </a:r>
+          </a:p>
+          <a:p>
+            <a:endParaRPr lang="en-US" dirty="0"/>
+          </a:p>
+          <a:p>
+            <a:r>
+              <a:rPr lang="en-US" dirty="0"/>
+              <a:t>Add dogs:</a:t>
+            </a:r>
+          </a:p>
+          <a:p>
+            <a:pPr lvl="1"/>
             <a:r>
               <a:rPr lang="en-US" dirty="0"/>
               <a:t>Newly published datasets (after 2021).</a:t>
             </a:r>
           </a:p>
           <a:p>
+            <a:pPr lvl="1"/>
             <a:r>
               <a:rPr lang="en-US" dirty="0"/>
               <a:t>Expand number of dogs by including unpaired samples.</a:t>
             </a:r>
           </a:p>
           <a:p>
+            <a:pPr lvl="1"/>
             <a:r>
               <a:rPr lang="en-US" dirty="0"/>
               <a:t>Expand number of dogs by including non-Tumor study.</a:t>
             </a:r>
+          </a:p>
+        </p:txBody>
+      </p:sp>
+      <p:pic>
+        <p:nvPicPr>
+          <p:cNvPr id="4" name="Picture 3">
+            <a:extLst>
+              <a:ext uri="{FF2B5EF4-FFF2-40B4-BE49-F238E27FC236}">
+                <a16:creationId xmlns:a16="http://schemas.microsoft.com/office/drawing/2014/main" id="{3B4B1F71-68CF-AB06-188A-743533F3AB20}"/>
+              </a:ext>
+            </a:extLst>
+          </p:cNvPr>
+          <p:cNvPicPr>
+            <a:picLocks noChangeAspect="1"/>
+          </p:cNvPicPr>
+          <p:nvPr/>
+        </p:nvPicPr>
+        <p:blipFill>
+          <a:blip r:embed="rId2"/>
+          <a:stretch>
+            <a:fillRect/>
+          </a:stretch>
+        </p:blipFill>
+        <p:spPr>
+          <a:xfrm>
+            <a:off x="6484883" y="1488153"/>
+            <a:ext cx="5498849" cy="5064403"/>
+          </a:xfrm>
+          <a:prstGeom prst="rect">
+            <a:avLst/>
+          </a:prstGeom>
+        </p:spPr>
+      </p:pic>
+      <p:sp>
+        <p:nvSpPr>
+          <p:cNvPr id="6" name="Right Arrow 5">
+            <a:extLst>
+              <a:ext uri="{FF2B5EF4-FFF2-40B4-BE49-F238E27FC236}">
+                <a16:creationId xmlns:a16="http://schemas.microsoft.com/office/drawing/2014/main" id="{33FBB19D-EF4B-2891-E02A-3021BD86047F}"/>
+              </a:ext>
+            </a:extLst>
+          </p:cNvPr>
+          <p:cNvSpPr/>
+          <p:nvPr/>
+        </p:nvSpPr>
+        <p:spPr>
+          <a:xfrm>
+            <a:off x="5906469" y="1488153"/>
+            <a:ext cx="484166" cy="489430"/>
+          </a:xfrm>
+          <a:prstGeom prst="rightArrow">
+            <a:avLst/>
+          </a:prstGeom>
+          <a:solidFill>
+            <a:srgbClr val="C00000"/>
+          </a:solidFill>
+        </p:spPr>
+        <p:style>
+          <a:lnRef idx="2">
+            <a:schemeClr val="accent1">
+              <a:shade val="15000"/>
+            </a:schemeClr>
+          </a:lnRef>
+          <a:fillRef idx="1">
+            <a:schemeClr val="accent1"/>
+          </a:fillRef>
+          <a:effectRef idx="0">
+            <a:schemeClr val="accent1"/>
+          </a:effectRef>
+          <a:fontRef idx="minor">
+            <a:schemeClr val="lt1"/>
+          </a:fontRef>
+        </p:style>
+        <p:txBody>
+          <a:bodyPr rtlCol="0" anchor="ctr"/>
+          <a:lstStyle/>
+          <a:p>
+            <a:pPr algn="ctr"/>
+            <a:endParaRPr lang="en-US"/>
+          </a:p>
+        </p:txBody>
+      </p:sp>
+      <p:sp>
+        <p:nvSpPr>
+          <p:cNvPr id="7" name="Right Arrow 6">
+            <a:extLst>
+              <a:ext uri="{FF2B5EF4-FFF2-40B4-BE49-F238E27FC236}">
+                <a16:creationId xmlns:a16="http://schemas.microsoft.com/office/drawing/2014/main" id="{E4E44B91-D475-9A18-D9C8-251AA5EED74B}"/>
+              </a:ext>
+            </a:extLst>
+          </p:cNvPr>
+          <p:cNvSpPr/>
+          <p:nvPr/>
+        </p:nvSpPr>
+        <p:spPr>
+          <a:xfrm>
+            <a:off x="9842593" y="1488153"/>
+            <a:ext cx="484166" cy="489430"/>
+          </a:xfrm>
+          <a:prstGeom prst="rightArrow">
+            <a:avLst/>
+          </a:prstGeom>
+          <a:solidFill>
+            <a:srgbClr val="C00000"/>
+          </a:solidFill>
+        </p:spPr>
+        <p:style>
+          <a:lnRef idx="2">
+            <a:schemeClr val="accent1">
+              <a:shade val="15000"/>
+            </a:schemeClr>
+          </a:lnRef>
+          <a:fillRef idx="1">
+            <a:schemeClr val="accent1"/>
+          </a:fillRef>
+          <a:effectRef idx="0">
+            <a:schemeClr val="accent1"/>
+          </a:effectRef>
+          <a:fontRef idx="minor">
+            <a:schemeClr val="lt1"/>
+          </a:fontRef>
+        </p:style>
+        <p:txBody>
+          <a:bodyPr rtlCol="0" anchor="ctr"/>
+          <a:lstStyle/>
+          <a:p>
+            <a:pPr algn="ctr"/>
+            <a:endParaRPr lang="en-US"/>
+          </a:p>
+        </p:txBody>
+      </p:sp>
+      <p:sp>
+        <p:nvSpPr>
+          <p:cNvPr id="8" name="TextBox 7">
+            <a:extLst>
+              <a:ext uri="{FF2B5EF4-FFF2-40B4-BE49-F238E27FC236}">
+                <a16:creationId xmlns:a16="http://schemas.microsoft.com/office/drawing/2014/main" id="{0FBA2A6F-FD4B-E96B-088D-63E4F2FEF6D7}"/>
+              </a:ext>
+            </a:extLst>
+          </p:cNvPr>
+          <p:cNvSpPr txBox="1"/>
+          <p:nvPr/>
+        </p:nvSpPr>
+        <p:spPr>
+          <a:xfrm>
+            <a:off x="6249003" y="3016448"/>
+            <a:ext cx="1261586" cy="369332"/>
+          </a:xfrm>
+          <a:prstGeom prst="rect">
+            <a:avLst/>
+          </a:prstGeom>
+          <a:noFill/>
+        </p:spPr>
+        <p:txBody>
+          <a:bodyPr wrap="square" rtlCol="0">
+            <a:spAutoFit/>
+          </a:bodyPr>
+          <a:lstStyle/>
+          <a:p>
+            <a:r>
+              <a:rPr lang="en-US" dirty="0">
+                <a:solidFill>
+                  <a:srgbClr val="C00000"/>
+                </a:solidFill>
+              </a:rPr>
+              <a:t>Paired only</a:t>
+            </a:r>
+          </a:p>
+        </p:txBody>
+      </p:sp>
+      <p:sp>
+        <p:nvSpPr>
+          <p:cNvPr id="9" name="TextBox 8">
+            <a:extLst>
+              <a:ext uri="{FF2B5EF4-FFF2-40B4-BE49-F238E27FC236}">
+                <a16:creationId xmlns:a16="http://schemas.microsoft.com/office/drawing/2014/main" id="{8ADD2672-2DF3-F8BD-8864-36401F2C63B3}"/>
+              </a:ext>
+            </a:extLst>
+          </p:cNvPr>
+          <p:cNvSpPr txBox="1"/>
+          <p:nvPr/>
+        </p:nvSpPr>
+        <p:spPr>
+          <a:xfrm>
+            <a:off x="6222124" y="4887311"/>
+            <a:ext cx="1261586" cy="646331"/>
+          </a:xfrm>
+          <a:prstGeom prst="rect">
+            <a:avLst/>
+          </a:prstGeom>
+          <a:noFill/>
+        </p:spPr>
+        <p:txBody>
+          <a:bodyPr wrap="square" rtlCol="0">
+            <a:spAutoFit/>
+          </a:bodyPr>
+          <a:lstStyle/>
+          <a:p>
+            <a:r>
+              <a:rPr lang="en-US" dirty="0">
+                <a:solidFill>
+                  <a:srgbClr val="C00000"/>
+                </a:solidFill>
+              </a:rPr>
+              <a:t>Paired + unpaired</a:t>
+            </a:r>
+          </a:p>
+        </p:txBody>
+      </p:sp>
+      <p:sp>
+        <p:nvSpPr>
+          <p:cNvPr id="10" name="Left Brace 9">
+            <a:extLst>
+              <a:ext uri="{FF2B5EF4-FFF2-40B4-BE49-F238E27FC236}">
+                <a16:creationId xmlns:a16="http://schemas.microsoft.com/office/drawing/2014/main" id="{E9BAB85C-FB34-0E94-CE49-596CDBDC06C6}"/>
+              </a:ext>
+            </a:extLst>
+          </p:cNvPr>
+          <p:cNvSpPr/>
+          <p:nvPr/>
+        </p:nvSpPr>
+        <p:spPr>
+          <a:xfrm>
+            <a:off x="7210097" y="4120055"/>
+            <a:ext cx="273613" cy="2196662"/>
+          </a:xfrm>
+          <a:prstGeom prst="leftBrace">
+            <a:avLst/>
+          </a:prstGeom>
+          <a:ln>
+            <a:solidFill>
+              <a:srgbClr val="C00000"/>
+            </a:solidFill>
+          </a:ln>
+        </p:spPr>
+        <p:style>
+          <a:lnRef idx="3">
+            <a:schemeClr val="dk1"/>
+          </a:lnRef>
+          <a:fillRef idx="0">
+            <a:schemeClr val="dk1"/>
+          </a:fillRef>
+          <a:effectRef idx="2">
+            <a:schemeClr val="dk1"/>
+          </a:effectRef>
+          <a:fontRef idx="minor">
+            <a:schemeClr val="tx1"/>
+          </a:fontRef>
+        </p:style>
+        <p:txBody>
+          <a:bodyPr rtlCol="0" anchor="ctr"/>
+          <a:lstStyle/>
+          <a:p>
+            <a:pPr algn="ctr"/>
+            <a:endParaRPr lang="en-US"/>
           </a:p>
         </p:txBody>
       </p:sp>
@@ -4336,6 +4773,14 @@
 <file path=ppt/slides/slide6.xml><?xml version="1.0" encoding="utf-8"?>
 <p:sld xmlns:a="http://schemas.openxmlformats.org/drawingml/2006/main" xmlns:r="http://schemas.openxmlformats.org/officeDocument/2006/relationships" xmlns:p="http://schemas.openxmlformats.org/presentationml/2006/main">
   <p:cSld>
+    <p:bg>
+      <p:bgPr>
+        <a:solidFill>
+          <a:schemeClr val="bg1"/>
+        </a:solidFill>
+        <a:effectLst/>
+      </p:bgPr>
+    </p:bg>
     <p:spTree>
       <p:nvGrpSpPr>
         <p:cNvPr id="1" name=""/>
@@ -4350,12 +4795,423 @@
           <a:chExt cx="0" cy="0"/>
         </a:xfrm>
       </p:grpSpPr>
-      <p:sp>
-        <p:nvSpPr>
-          <p:cNvPr id="2" name="Title 1">
-            <a:extLst>
-              <a:ext uri="{FF2B5EF4-FFF2-40B4-BE49-F238E27FC236}">
-                <a16:creationId xmlns:a16="http://schemas.microsoft.com/office/drawing/2014/main" id="{6EF45683-387C-441C-6A0E-9A72F7E42FE8}"/>
+      <p:grpSp>
+        <p:nvGrpSpPr>
+          <p:cNvPr id="41" name="Group 40">
+            <a:extLst>
+              <a:ext uri="{FF2B5EF4-FFF2-40B4-BE49-F238E27FC236}">
+                <a16:creationId xmlns:a16="http://schemas.microsoft.com/office/drawing/2014/main" id="{C7702BCA-75CE-C90C-AE51-49E6B946C9EC}"/>
+              </a:ext>
+            </a:extLst>
+          </p:cNvPr>
+          <p:cNvGrpSpPr/>
+          <p:nvPr/>
+        </p:nvGrpSpPr>
+        <p:grpSpPr>
+          <a:xfrm>
+            <a:off x="1166648" y="780496"/>
+            <a:ext cx="9651371" cy="6206432"/>
+            <a:chOff x="635262" y="-2804"/>
+            <a:chExt cx="10918481" cy="7021263"/>
+          </a:xfrm>
+        </p:grpSpPr>
+        <p:pic>
+          <p:nvPicPr>
+            <p:cNvPr id="17" name="Picture 16">
+              <a:extLst>
+                <a:ext uri="{FF2B5EF4-FFF2-40B4-BE49-F238E27FC236}">
+                  <a16:creationId xmlns:a16="http://schemas.microsoft.com/office/drawing/2014/main" id="{5006424D-F304-1CC1-49D6-999849633469}"/>
+                </a:ext>
+              </a:extLst>
+            </p:cNvPr>
+            <p:cNvPicPr>
+              <a:picLocks noChangeAspect="1"/>
+            </p:cNvPicPr>
+            <p:nvPr/>
+          </p:nvPicPr>
+          <p:blipFill>
+            <a:blip r:embed="rId2"/>
+            <a:stretch>
+              <a:fillRect/>
+            </a:stretch>
+          </p:blipFill>
+          <p:spPr>
+            <a:xfrm>
+              <a:off x="4285290" y="-1"/>
+              <a:ext cx="3594944" cy="3594944"/>
+            </a:xfrm>
+            <a:prstGeom prst="rect">
+              <a:avLst/>
+            </a:prstGeom>
+          </p:spPr>
+        </p:pic>
+        <p:pic>
+          <p:nvPicPr>
+            <p:cNvPr id="19" name="Picture 18">
+              <a:extLst>
+                <a:ext uri="{FF2B5EF4-FFF2-40B4-BE49-F238E27FC236}">
+                  <a16:creationId xmlns:a16="http://schemas.microsoft.com/office/drawing/2014/main" id="{046ED0DE-2ABC-7255-43F0-402F1A4AEF36}"/>
+                </a:ext>
+              </a:extLst>
+            </p:cNvPr>
+            <p:cNvPicPr>
+              <a:picLocks noChangeAspect="1"/>
+            </p:cNvPicPr>
+            <p:nvPr/>
+          </p:nvPicPr>
+          <p:blipFill>
+            <a:blip r:embed="rId3"/>
+            <a:stretch>
+              <a:fillRect/>
+            </a:stretch>
+          </p:blipFill>
+          <p:spPr>
+            <a:xfrm>
+              <a:off x="7919515" y="-4"/>
+              <a:ext cx="3594947" cy="3594947"/>
+            </a:xfrm>
+            <a:prstGeom prst="rect">
+              <a:avLst/>
+            </a:prstGeom>
+          </p:spPr>
+        </p:pic>
+        <p:pic>
+          <p:nvPicPr>
+            <p:cNvPr id="13" name="Picture 12">
+              <a:extLst>
+                <a:ext uri="{FF2B5EF4-FFF2-40B4-BE49-F238E27FC236}">
+                  <a16:creationId xmlns:a16="http://schemas.microsoft.com/office/drawing/2014/main" id="{B869AC20-CD7F-634D-9BB3-1AB2C1E3E0EE}"/>
+                </a:ext>
+              </a:extLst>
+            </p:cNvPr>
+            <p:cNvPicPr>
+              <a:picLocks noChangeAspect="1"/>
+            </p:cNvPicPr>
+            <p:nvPr/>
+          </p:nvPicPr>
+          <p:blipFill>
+            <a:blip r:embed="rId4"/>
+            <a:stretch>
+              <a:fillRect/>
+            </a:stretch>
+          </p:blipFill>
+          <p:spPr>
+            <a:xfrm>
+              <a:off x="651752" y="0"/>
+              <a:ext cx="3621419" cy="3621419"/>
+            </a:xfrm>
+            <a:prstGeom prst="rect">
+              <a:avLst/>
+            </a:prstGeom>
+          </p:spPr>
+        </p:pic>
+        <p:pic>
+          <p:nvPicPr>
+            <p:cNvPr id="23" name="Picture 22">
+              <a:extLst>
+                <a:ext uri="{FF2B5EF4-FFF2-40B4-BE49-F238E27FC236}">
+                  <a16:creationId xmlns:a16="http://schemas.microsoft.com/office/drawing/2014/main" id="{7FB249A4-F429-48DB-35A7-8790183A0E96}"/>
+                </a:ext>
+              </a:extLst>
+            </p:cNvPr>
+            <p:cNvPicPr>
+              <a:picLocks noChangeAspect="1"/>
+            </p:cNvPicPr>
+            <p:nvPr/>
+          </p:nvPicPr>
+          <p:blipFill>
+            <a:blip r:embed="rId5"/>
+            <a:stretch>
+              <a:fillRect/>
+            </a:stretch>
+          </p:blipFill>
+          <p:spPr>
+            <a:xfrm>
+              <a:off x="7958800" y="3347140"/>
+              <a:ext cx="3594943" cy="3594943"/>
+            </a:xfrm>
+            <a:prstGeom prst="rect">
+              <a:avLst/>
+            </a:prstGeom>
+          </p:spPr>
+        </p:pic>
+        <p:pic>
+          <p:nvPicPr>
+            <p:cNvPr id="15" name="Picture 14">
+              <a:extLst>
+                <a:ext uri="{FF2B5EF4-FFF2-40B4-BE49-F238E27FC236}">
+                  <a16:creationId xmlns:a16="http://schemas.microsoft.com/office/drawing/2014/main" id="{8A644AC2-7E82-2FEA-EABD-868206DC94B3}"/>
+                </a:ext>
+              </a:extLst>
+            </p:cNvPr>
+            <p:cNvPicPr>
+              <a:picLocks noChangeAspect="1"/>
+            </p:cNvPicPr>
+            <p:nvPr/>
+          </p:nvPicPr>
+          <p:blipFill>
+            <a:blip r:embed="rId6"/>
+            <a:stretch>
+              <a:fillRect/>
+            </a:stretch>
+          </p:blipFill>
+          <p:spPr>
+            <a:xfrm>
+              <a:off x="4440263" y="3397039"/>
+              <a:ext cx="3594943" cy="3594943"/>
+            </a:xfrm>
+            <a:prstGeom prst="rect">
+              <a:avLst/>
+            </a:prstGeom>
+          </p:spPr>
+        </p:pic>
+        <p:pic>
+          <p:nvPicPr>
+            <p:cNvPr id="21" name="Picture 20">
+              <a:extLst>
+                <a:ext uri="{FF2B5EF4-FFF2-40B4-BE49-F238E27FC236}">
+                  <a16:creationId xmlns:a16="http://schemas.microsoft.com/office/drawing/2014/main" id="{F356C611-C8A2-FC3A-0217-03C5B6B6A847}"/>
+                </a:ext>
+              </a:extLst>
+            </p:cNvPr>
+            <p:cNvPicPr>
+              <a:picLocks noChangeAspect="1"/>
+            </p:cNvPicPr>
+            <p:nvPr/>
+          </p:nvPicPr>
+          <p:blipFill>
+            <a:blip r:embed="rId7"/>
+            <a:stretch>
+              <a:fillRect/>
+            </a:stretch>
+          </p:blipFill>
+          <p:spPr>
+            <a:xfrm>
+              <a:off x="850530" y="3397039"/>
+              <a:ext cx="3621420" cy="3621420"/>
+            </a:xfrm>
+            <a:prstGeom prst="rect">
+              <a:avLst/>
+            </a:prstGeom>
+          </p:spPr>
+        </p:pic>
+        <p:sp>
+          <p:nvSpPr>
+            <p:cNvPr id="24" name="TextBox 23">
+              <a:extLst>
+                <a:ext uri="{FF2B5EF4-FFF2-40B4-BE49-F238E27FC236}">
+                  <a16:creationId xmlns:a16="http://schemas.microsoft.com/office/drawing/2014/main" id="{99E35AD5-FAEA-3493-5FDA-C8C0B3FFD0A5}"/>
+                </a:ext>
+              </a:extLst>
+            </p:cNvPr>
+            <p:cNvSpPr txBox="1"/>
+            <p:nvPr/>
+          </p:nvSpPr>
+          <p:spPr>
+            <a:xfrm>
+              <a:off x="639633" y="26476"/>
+              <a:ext cx="536028" cy="369332"/>
+            </a:xfrm>
+            <a:prstGeom prst="rect">
+              <a:avLst/>
+            </a:prstGeom>
+            <a:noFill/>
+          </p:spPr>
+          <p:txBody>
+            <a:bodyPr wrap="square" rtlCol="0">
+              <a:spAutoFit/>
+            </a:bodyPr>
+            <a:lstStyle/>
+            <a:p>
+              <a:r>
+                <a:rPr lang="en-US" dirty="0"/>
+                <a:t>A</a:t>
+              </a:r>
+            </a:p>
+          </p:txBody>
+        </p:sp>
+        <p:sp>
+          <p:nvSpPr>
+            <p:cNvPr id="25" name="TextBox 24">
+              <a:extLst>
+                <a:ext uri="{FF2B5EF4-FFF2-40B4-BE49-F238E27FC236}">
+                  <a16:creationId xmlns:a16="http://schemas.microsoft.com/office/drawing/2014/main" id="{74EF10F6-A3C3-94BB-A1D9-042EA4E46F97}"/>
+                </a:ext>
+              </a:extLst>
+            </p:cNvPr>
+            <p:cNvSpPr txBox="1"/>
+            <p:nvPr/>
+          </p:nvSpPr>
+          <p:spPr>
+            <a:xfrm>
+              <a:off x="4273171" y="27411"/>
+              <a:ext cx="536028" cy="369332"/>
+            </a:xfrm>
+            <a:prstGeom prst="rect">
+              <a:avLst/>
+            </a:prstGeom>
+            <a:noFill/>
+          </p:spPr>
+          <p:txBody>
+            <a:bodyPr wrap="square" rtlCol="0">
+              <a:spAutoFit/>
+            </a:bodyPr>
+            <a:lstStyle/>
+            <a:p>
+              <a:r>
+                <a:rPr lang="en-US" dirty="0"/>
+                <a:t>B</a:t>
+              </a:r>
+            </a:p>
+          </p:txBody>
+        </p:sp>
+        <p:sp>
+          <p:nvSpPr>
+            <p:cNvPr id="26" name="TextBox 25">
+              <a:extLst>
+                <a:ext uri="{FF2B5EF4-FFF2-40B4-BE49-F238E27FC236}">
+                  <a16:creationId xmlns:a16="http://schemas.microsoft.com/office/drawing/2014/main" id="{9C0F646F-0670-2429-D08B-B4498D5DE262}"/>
+                </a:ext>
+              </a:extLst>
+            </p:cNvPr>
+            <p:cNvSpPr txBox="1"/>
+            <p:nvPr/>
+          </p:nvSpPr>
+          <p:spPr>
+            <a:xfrm>
+              <a:off x="7894590" y="-2804"/>
+              <a:ext cx="536028" cy="369332"/>
+            </a:xfrm>
+            <a:prstGeom prst="rect">
+              <a:avLst/>
+            </a:prstGeom>
+            <a:noFill/>
+          </p:spPr>
+          <p:txBody>
+            <a:bodyPr wrap="square" rtlCol="0">
+              <a:spAutoFit/>
+            </a:bodyPr>
+            <a:lstStyle/>
+            <a:p>
+              <a:r>
+                <a:rPr lang="en-US" dirty="0"/>
+                <a:t>C</a:t>
+              </a:r>
+            </a:p>
+          </p:txBody>
+        </p:sp>
+        <p:sp>
+          <p:nvSpPr>
+            <p:cNvPr id="27" name="TextBox 26">
+              <a:extLst>
+                <a:ext uri="{FF2B5EF4-FFF2-40B4-BE49-F238E27FC236}">
+                  <a16:creationId xmlns:a16="http://schemas.microsoft.com/office/drawing/2014/main" id="{E588D753-3332-DBF9-454A-03E9E0366F71}"/>
+                </a:ext>
+              </a:extLst>
+            </p:cNvPr>
+            <p:cNvSpPr txBox="1"/>
+            <p:nvPr/>
+          </p:nvSpPr>
+          <p:spPr>
+            <a:xfrm>
+              <a:off x="635262" y="3471948"/>
+              <a:ext cx="536028" cy="369332"/>
+            </a:xfrm>
+            <a:prstGeom prst="rect">
+              <a:avLst/>
+            </a:prstGeom>
+            <a:noFill/>
+          </p:spPr>
+          <p:txBody>
+            <a:bodyPr wrap="square" rtlCol="0">
+              <a:spAutoFit/>
+            </a:bodyPr>
+            <a:lstStyle/>
+            <a:p>
+              <a:r>
+                <a:rPr lang="en-US" dirty="0"/>
+                <a:t>D</a:t>
+              </a:r>
+            </a:p>
+          </p:txBody>
+        </p:sp>
+        <p:sp>
+          <p:nvSpPr>
+            <p:cNvPr id="29" name="TextBox 28">
+              <a:extLst>
+                <a:ext uri="{FF2B5EF4-FFF2-40B4-BE49-F238E27FC236}">
+                  <a16:creationId xmlns:a16="http://schemas.microsoft.com/office/drawing/2014/main" id="{4BA043D5-711E-8F35-E464-66E5E1B9A438}"/>
+                </a:ext>
+              </a:extLst>
+            </p:cNvPr>
+            <p:cNvSpPr txBox="1"/>
+            <p:nvPr/>
+          </p:nvSpPr>
+          <p:spPr>
+            <a:xfrm>
+              <a:off x="4281606" y="3379606"/>
+              <a:ext cx="536028" cy="369332"/>
+            </a:xfrm>
+            <a:prstGeom prst="rect">
+              <a:avLst/>
+            </a:prstGeom>
+            <a:noFill/>
+          </p:spPr>
+          <p:txBody>
+            <a:bodyPr wrap="square" rtlCol="0">
+              <a:spAutoFit/>
+            </a:bodyPr>
+            <a:lstStyle/>
+            <a:p>
+              <a:r>
+                <a:rPr lang="en-US" dirty="0"/>
+                <a:t>E</a:t>
+              </a:r>
+            </a:p>
+          </p:txBody>
+        </p:sp>
+        <p:sp>
+          <p:nvSpPr>
+            <p:cNvPr id="31" name="TextBox 30">
+              <a:extLst>
+                <a:ext uri="{FF2B5EF4-FFF2-40B4-BE49-F238E27FC236}">
+                  <a16:creationId xmlns:a16="http://schemas.microsoft.com/office/drawing/2014/main" id="{958AC799-82F3-A573-4E4B-969FDCD7AE53}"/>
+                </a:ext>
+              </a:extLst>
+            </p:cNvPr>
+            <p:cNvSpPr txBox="1"/>
+            <p:nvPr/>
+          </p:nvSpPr>
+          <p:spPr>
+            <a:xfrm>
+              <a:off x="7994476" y="3347140"/>
+              <a:ext cx="536028" cy="369332"/>
+            </a:xfrm>
+            <a:prstGeom prst="rect">
+              <a:avLst/>
+            </a:prstGeom>
+            <a:noFill/>
+          </p:spPr>
+          <p:txBody>
+            <a:bodyPr wrap="square" rtlCol="0">
+              <a:spAutoFit/>
+            </a:bodyPr>
+            <a:lstStyle/>
+            <a:p>
+              <a:r>
+                <a:rPr lang="en-US" dirty="0"/>
+                <a:t>F</a:t>
+              </a:r>
+            </a:p>
+          </p:txBody>
+        </p:sp>
+      </p:grpSp>
+      <p:sp>
+        <p:nvSpPr>
+          <p:cNvPr id="42" name="Title 1">
+            <a:extLst>
+              <a:ext uri="{FF2B5EF4-FFF2-40B4-BE49-F238E27FC236}">
+                <a16:creationId xmlns:a16="http://schemas.microsoft.com/office/drawing/2014/main" id="{C6DA445E-3CA3-28FD-C3D3-ABFBE4B72895}"/>
               </a:ext>
             </a:extLst>
           </p:cNvPr>
@@ -4368,94 +5224,19 @@
         </p:nvSpPr>
         <p:spPr>
           <a:xfrm>
-            <a:off x="838200" y="-41007"/>
-            <a:ext cx="10515600" cy="1325563"/>
+            <a:off x="857196" y="-218597"/>
+            <a:ext cx="11234351" cy="1325563"/>
           </a:xfrm>
         </p:spPr>
         <p:txBody>
-          <a:bodyPr/>
-          <a:lstStyle/>
-          <a:p>
-            <a:r>
-              <a:rPr lang="en-US" dirty="0"/>
-              <a:t>Breed prediction pipeline</a:t>
-            </a:r>
-          </a:p>
-        </p:txBody>
-      </p:sp>
-      <p:pic>
-        <p:nvPicPr>
-          <p:cNvPr id="5" name="Picture 4" descr="A close-up of a test&#10;&#10;Description automatically generated">
-            <a:extLst>
-              <a:ext uri="{FF2B5EF4-FFF2-40B4-BE49-F238E27FC236}">
-                <a16:creationId xmlns:a16="http://schemas.microsoft.com/office/drawing/2014/main" id="{96586FDF-DD10-5E09-8699-9AA5048111F1}"/>
-              </a:ext>
-            </a:extLst>
-          </p:cNvPr>
-          <p:cNvPicPr>
-            <a:picLocks noChangeAspect="1"/>
-          </p:cNvPicPr>
-          <p:nvPr/>
-        </p:nvPicPr>
-        <p:blipFill>
-          <a:blip r:embed="rId2"/>
-          <a:stretch>
-            <a:fillRect/>
-          </a:stretch>
-        </p:blipFill>
-        <p:spPr>
-          <a:xfrm>
-            <a:off x="838200" y="1027906"/>
-            <a:ext cx="7772400" cy="5744817"/>
-          </a:xfrm>
-          <a:prstGeom prst="rect">
-            <a:avLst/>
-          </a:prstGeom>
-        </p:spPr>
-      </p:pic>
-      <p:sp>
-        <p:nvSpPr>
-          <p:cNvPr id="6" name="TextBox 5">
-            <a:extLst>
-              <a:ext uri="{FF2B5EF4-FFF2-40B4-BE49-F238E27FC236}">
-                <a16:creationId xmlns:a16="http://schemas.microsoft.com/office/drawing/2014/main" id="{0CD83E81-C2D2-35F1-D092-78950931A447}"/>
-              </a:ext>
-            </a:extLst>
-          </p:cNvPr>
-          <p:cNvSpPr txBox="1"/>
-          <p:nvPr/>
-        </p:nvSpPr>
-        <p:spPr>
-          <a:xfrm>
-            <a:off x="8489092" y="2866768"/>
-            <a:ext cx="3052119" cy="923330"/>
-          </a:xfrm>
-          <a:prstGeom prst="rect">
-            <a:avLst/>
-          </a:prstGeom>
-          <a:noFill/>
-        </p:spPr>
-        <p:txBody>
-          <a:bodyPr wrap="square" rtlCol="0">
-            <a:spAutoFit/>
+          <a:bodyPr>
+            <a:normAutofit/>
           </a:bodyPr>
           <a:lstStyle/>
           <a:p>
             <a:r>
-              <a:rPr lang="en-US" dirty="0"/>
-              <a:t>Dogs n=680 (182 unknown)</a:t>
-            </a:r>
-          </a:p>
-          <a:p>
-            <a:r>
-              <a:rPr lang="en-US" dirty="0"/>
-              <a:t>Variants n=2,783</a:t>
-            </a:r>
-          </a:p>
-          <a:p>
-            <a:r>
-              <a:rPr lang="en-US" dirty="0"/>
-              <a:t>Breeds n=12</a:t>
+              <a:rPr lang="en-US" sz="4000" dirty="0"/>
+              <a:t>Quality control for WES datasets</a:t>
             </a:r>
           </a:p>
         </p:txBody>
@@ -4463,7 +5244,7 @@
     </p:spTree>
     <p:extLst>
       <p:ext uri="{BB962C8B-B14F-4D97-AF65-F5344CB8AC3E}">
-        <p14:creationId xmlns:p14="http://schemas.microsoft.com/office/powerpoint/2010/main" val="669995650"/>
+        <p14:creationId xmlns:p14="http://schemas.microsoft.com/office/powerpoint/2010/main" val="3135463394"/>
       </p:ext>
     </p:extLst>
   </p:cSld>
@@ -4495,7 +5276,7 @@
           <p:cNvPr id="2" name="Title 1">
             <a:extLst>
               <a:ext uri="{FF2B5EF4-FFF2-40B4-BE49-F238E27FC236}">
-                <a16:creationId xmlns:a16="http://schemas.microsoft.com/office/drawing/2014/main" id="{53FDAEA3-D74F-910A-2C3C-66C48276054E}"/>
+                <a16:creationId xmlns:a16="http://schemas.microsoft.com/office/drawing/2014/main" id="{6EF45683-387C-441C-6A0E-9A72F7E42FE8}"/>
               </a:ext>
             </a:extLst>
           </p:cNvPr>
@@ -4506,47 +5287,167 @@
             <p:ph type="title"/>
           </p:nvPr>
         </p:nvSpPr>
-        <p:spPr/>
+        <p:spPr>
+          <a:xfrm>
+            <a:off x="838200" y="-41007"/>
+            <a:ext cx="10515600" cy="1325563"/>
+          </a:xfrm>
+        </p:spPr>
         <p:txBody>
           <a:bodyPr/>
           <a:lstStyle/>
           <a:p>
             <a:r>
               <a:rPr lang="en-US" dirty="0"/>
-              <a:t>Neighbor-joining tree based on nucleotide sequences of breed specific variants</a:t>
-            </a:r>
-          </a:p>
-        </p:txBody>
-      </p:sp>
-      <p:sp>
-        <p:nvSpPr>
-          <p:cNvPr id="3" name="Content Placeholder 2">
-            <a:extLst>
-              <a:ext uri="{FF2B5EF4-FFF2-40B4-BE49-F238E27FC236}">
-                <a16:creationId xmlns:a16="http://schemas.microsoft.com/office/drawing/2014/main" id="{B80388C7-4EAC-BE21-B75F-7BB03B8BB26C}"/>
-              </a:ext>
-            </a:extLst>
-          </p:cNvPr>
-          <p:cNvSpPr>
-            <a:spLocks noGrp="1"/>
-          </p:cNvSpPr>
-          <p:nvPr>
-            <p:ph idx="1"/>
-          </p:nvPr>
-        </p:nvSpPr>
-        <p:spPr/>
-        <p:txBody>
-          <a:bodyPr/>
-          <a:lstStyle/>
-          <a:p>
-            <a:endParaRPr lang="en-US"/>
+              <a:t>Breed prediction pipeline</a:t>
+            </a:r>
+          </a:p>
+        </p:txBody>
+      </p:sp>
+      <p:pic>
+        <p:nvPicPr>
+          <p:cNvPr id="5" name="Picture 4" descr="A close-up of a test&#10;&#10;Description automatically generated">
+            <a:extLst>
+              <a:ext uri="{FF2B5EF4-FFF2-40B4-BE49-F238E27FC236}">
+                <a16:creationId xmlns:a16="http://schemas.microsoft.com/office/drawing/2014/main" id="{96586FDF-DD10-5E09-8699-9AA5048111F1}"/>
+              </a:ext>
+            </a:extLst>
+          </p:cNvPr>
+          <p:cNvPicPr>
+            <a:picLocks noChangeAspect="1"/>
+          </p:cNvPicPr>
+          <p:nvPr/>
+        </p:nvPicPr>
+        <p:blipFill>
+          <a:blip r:embed="rId2"/>
+          <a:stretch>
+            <a:fillRect/>
+          </a:stretch>
+        </p:blipFill>
+        <p:spPr>
+          <a:xfrm>
+            <a:off x="838200" y="1027906"/>
+            <a:ext cx="7772400" cy="5744817"/>
+          </a:xfrm>
+          <a:prstGeom prst="rect">
+            <a:avLst/>
+          </a:prstGeom>
+        </p:spPr>
+      </p:pic>
+      <p:sp>
+        <p:nvSpPr>
+          <p:cNvPr id="6" name="TextBox 5">
+            <a:extLst>
+              <a:ext uri="{FF2B5EF4-FFF2-40B4-BE49-F238E27FC236}">
+                <a16:creationId xmlns:a16="http://schemas.microsoft.com/office/drawing/2014/main" id="{0CD83E81-C2D2-35F1-D092-78950931A447}"/>
+              </a:ext>
+            </a:extLst>
+          </p:cNvPr>
+          <p:cNvSpPr txBox="1"/>
+          <p:nvPr/>
+        </p:nvSpPr>
+        <p:spPr>
+          <a:xfrm>
+            <a:off x="8489092" y="2866768"/>
+            <a:ext cx="3052119" cy="923330"/>
+          </a:xfrm>
+          <a:prstGeom prst="rect">
+            <a:avLst/>
+          </a:prstGeom>
+          <a:noFill/>
+        </p:spPr>
+        <p:txBody>
+          <a:bodyPr wrap="square" rtlCol="0">
+            <a:spAutoFit/>
+          </a:bodyPr>
+          <a:lstStyle/>
+          <a:p>
+            <a:r>
+              <a:rPr lang="en-US" dirty="0"/>
+              <a:t>Dogs n=680 (182 unknown)</a:t>
+            </a:r>
+          </a:p>
+          <a:p>
+            <a:r>
+              <a:rPr lang="en-US" dirty="0"/>
+              <a:t>Variants n=2,783</a:t>
+            </a:r>
+          </a:p>
+          <a:p>
+            <a:r>
+              <a:rPr lang="en-US" dirty="0"/>
+              <a:t>Breeds n=12</a:t>
+            </a:r>
+          </a:p>
+        </p:txBody>
+      </p:sp>
+      <p:sp>
+        <p:nvSpPr>
+          <p:cNvPr id="3" name="TextBox 2">
+            <a:extLst>
+              <a:ext uri="{FF2B5EF4-FFF2-40B4-BE49-F238E27FC236}">
+                <a16:creationId xmlns:a16="http://schemas.microsoft.com/office/drawing/2014/main" id="{5AC948A4-E9DC-50E3-A118-16E4290BB87D}"/>
+              </a:ext>
+            </a:extLst>
+          </p:cNvPr>
+          <p:cNvSpPr txBox="1"/>
+          <p:nvPr/>
+        </p:nvSpPr>
+        <p:spPr>
+          <a:xfrm>
+            <a:off x="7861738" y="4535845"/>
+            <a:ext cx="3773214" cy="646331"/>
+          </a:xfrm>
+          <a:prstGeom prst="rect">
+            <a:avLst/>
+          </a:prstGeom>
+          <a:noFill/>
+        </p:spPr>
+        <p:txBody>
+          <a:bodyPr wrap="square" rtlCol="0">
+            <a:spAutoFit/>
+          </a:bodyPr>
+          <a:lstStyle/>
+          <a:p>
+            <a:r>
+              <a:rPr lang="en-US" dirty="0">
+                <a:solidFill>
+                  <a:srgbClr val="C00000"/>
+                </a:solidFill>
+              </a:rPr>
+              <a:t>Breed clustering based on </a:t>
+            </a:r>
+            <a:r>
+              <a:rPr lang="en-US" u="sng" dirty="0">
+                <a:solidFill>
+                  <a:srgbClr val="C00000"/>
+                </a:solidFill>
+              </a:rPr>
+              <a:t>VAF values</a:t>
+            </a:r>
+            <a:r>
+              <a:rPr lang="en-US" dirty="0">
+                <a:solidFill>
+                  <a:srgbClr val="C00000"/>
+                </a:solidFill>
+              </a:rPr>
+              <a:t> of </a:t>
+            </a:r>
+            <a:r>
+              <a:rPr lang="en-US" u="sng" dirty="0">
+                <a:solidFill>
+                  <a:srgbClr val="C00000"/>
+                </a:solidFill>
+              </a:rPr>
+              <a:t>selected variants</a:t>
+            </a:r>
           </a:p>
         </p:txBody>
       </p:sp>
     </p:spTree>
     <p:extLst>
       <p:ext uri="{BB962C8B-B14F-4D97-AF65-F5344CB8AC3E}">
-        <p14:creationId xmlns:p14="http://schemas.microsoft.com/office/powerpoint/2010/main" val="2677462433"/>
+        <p14:creationId xmlns:p14="http://schemas.microsoft.com/office/powerpoint/2010/main" val="669995650"/>
       </p:ext>
     </p:extLst>
   </p:cSld>
@@ -4578,7 +5479,7 @@
           <p:cNvPr id="2" name="Title 1">
             <a:extLst>
               <a:ext uri="{FF2B5EF4-FFF2-40B4-BE49-F238E27FC236}">
-                <a16:creationId xmlns:a16="http://schemas.microsoft.com/office/drawing/2014/main" id="{21A270D5-6CC1-716C-627F-5215B212B3C1}"/>
+                <a16:creationId xmlns:a16="http://schemas.microsoft.com/office/drawing/2014/main" id="{53FDAEA3-D74F-910A-2C3C-66C48276054E}"/>
               </a:ext>
             </a:extLst>
           </p:cNvPr>
@@ -4591,36 +5492,36 @@
         </p:nvSpPr>
         <p:spPr>
           <a:xfrm>
-            <a:off x="838200" y="81524"/>
-            <a:ext cx="10515600" cy="1325563"/>
+            <a:off x="624051" y="-152615"/>
+            <a:ext cx="10943897" cy="1325563"/>
           </a:xfrm>
         </p:spPr>
         <p:txBody>
-          <a:bodyPr/>
-          <a:lstStyle/>
-          <a:p>
-            <a:r>
-              <a:rPr lang="en-US" dirty="0"/>
-              <a:t>Breed specific variants from WGS-CDS only</a:t>
+          <a:bodyPr>
+            <a:normAutofit/>
+          </a:bodyPr>
+          <a:lstStyle/>
+          <a:p>
+            <a:r>
+              <a:rPr lang="en-US" sz="3200" dirty="0"/>
+              <a:t>Apply phylogenetic methods on WES germline variants</a:t>
             </a:r>
           </a:p>
         </p:txBody>
       </p:sp>
       <p:pic>
         <p:nvPicPr>
-          <p:cNvPr id="5" name="Content Placeholder 4" descr="A chart of different colored squares&#10;&#10;Description automatically generated with medium confidence">
-            <a:extLst>
-              <a:ext uri="{FF2B5EF4-FFF2-40B4-BE49-F238E27FC236}">
-                <a16:creationId xmlns:a16="http://schemas.microsoft.com/office/drawing/2014/main" id="{BEFF4870-94BC-6122-31EF-EB349238F647}"/>
+          <p:cNvPr id="5" name="Picture 4">
+            <a:extLst>
+              <a:ext uri="{FF2B5EF4-FFF2-40B4-BE49-F238E27FC236}">
+                <a16:creationId xmlns:a16="http://schemas.microsoft.com/office/drawing/2014/main" id="{722D7B19-F8C2-A9AE-4698-83888F89B96F}"/>
               </a:ext>
             </a:extLst>
           </p:cNvPr>
           <p:cNvPicPr>
-            <a:picLocks noGrp="1" noChangeAspect="1"/>
+            <a:picLocks noChangeAspect="1"/>
           </p:cNvPicPr>
-          <p:nvPr>
-            <p:ph idx="1"/>
-          </p:nvPr>
+          <p:nvPr/>
         </p:nvPicPr>
         <p:blipFill>
           <a:blip r:embed="rId2"/>
@@ -4630,9 +5531,12 @@
         </p:blipFill>
         <p:spPr>
           <a:xfrm>
-            <a:off x="503927" y="1177159"/>
-            <a:ext cx="7575546" cy="5599317"/>
+            <a:off x="2078422" y="863237"/>
+            <a:ext cx="7772400" cy="5776783"/>
           </a:xfrm>
+          <a:prstGeom prst="rect">
+            <a:avLst/>
+          </a:prstGeom>
         </p:spPr>
       </p:pic>
       <p:sp>
@@ -4640,7 +5544,7 @@
           <p:cNvPr id="6" name="TextBox 5">
             <a:extLst>
               <a:ext uri="{FF2B5EF4-FFF2-40B4-BE49-F238E27FC236}">
-                <a16:creationId xmlns:a16="http://schemas.microsoft.com/office/drawing/2014/main" id="{2226F461-98B4-E2EC-21F0-ED6771AE786F}"/>
+                <a16:creationId xmlns:a16="http://schemas.microsoft.com/office/drawing/2014/main" id="{32636320-931F-EEA5-6F4A-B9EFAD5441BD}"/>
               </a:ext>
             </a:extLst>
           </p:cNvPr>
@@ -4649,8 +5553,8 @@
         </p:nvSpPr>
         <p:spPr>
           <a:xfrm>
-            <a:off x="8489092" y="2866768"/>
-            <a:ext cx="3052119" cy="923330"/>
+            <a:off x="89665" y="4135297"/>
+            <a:ext cx="4208735" cy="646331"/>
           </a:xfrm>
           <a:prstGeom prst="rect">
             <a:avLst/>
@@ -4664,28 +5568,337 @@
           <a:lstStyle/>
           <a:p>
             <a:r>
-              <a:rPr lang="en-US" dirty="0"/>
-              <a:t>Dogs n=272</a:t>
-            </a:r>
-          </a:p>
-          <a:p>
-            <a:r>
-              <a:rPr lang="en-US" dirty="0"/>
-              <a:t>Variants n=6,364</a:t>
-            </a:r>
-          </a:p>
-          <a:p>
-            <a:r>
-              <a:rPr lang="en-US" dirty="0"/>
-              <a:t>Breeds n=23</a:t>
-            </a:r>
-          </a:p>
-        </p:txBody>
-      </p:sp>
+              <a:rPr lang="en-US" dirty="0">
+                <a:solidFill>
+                  <a:srgbClr val="C00000"/>
+                </a:solidFill>
+              </a:rPr>
+              <a:t>Breed clustering based on </a:t>
+            </a:r>
+            <a:r>
+              <a:rPr lang="en-US" u="sng" dirty="0">
+                <a:solidFill>
+                  <a:srgbClr val="C00000"/>
+                </a:solidFill>
+              </a:rPr>
+              <a:t>nucleotide sequences</a:t>
+            </a:r>
+            <a:r>
+              <a:rPr lang="en-US" dirty="0">
+                <a:solidFill>
+                  <a:srgbClr val="C00000"/>
+                </a:solidFill>
+              </a:rPr>
+              <a:t> of </a:t>
+            </a:r>
+            <a:r>
+              <a:rPr lang="en-US" u="sng" dirty="0">
+                <a:solidFill>
+                  <a:srgbClr val="C00000"/>
+                </a:solidFill>
+              </a:rPr>
+              <a:t>all variants in CDS regions</a:t>
+            </a:r>
+          </a:p>
+        </p:txBody>
+      </p:sp>
+      <p:sp>
+        <p:nvSpPr>
+          <p:cNvPr id="7" name="TextBox 6">
+            <a:extLst>
+              <a:ext uri="{FF2B5EF4-FFF2-40B4-BE49-F238E27FC236}">
+                <a16:creationId xmlns:a16="http://schemas.microsoft.com/office/drawing/2014/main" id="{0411741C-1B26-485E-FDC2-64871C72AADB}"/>
+              </a:ext>
+            </a:extLst>
+          </p:cNvPr>
+          <p:cNvSpPr txBox="1"/>
+          <p:nvPr/>
+        </p:nvSpPr>
+        <p:spPr>
+          <a:xfrm>
+            <a:off x="8324520" y="4224635"/>
+            <a:ext cx="4208735" cy="646331"/>
+          </a:xfrm>
+          <a:prstGeom prst="rect">
+            <a:avLst/>
+          </a:prstGeom>
+          <a:noFill/>
+        </p:spPr>
+        <p:txBody>
+          <a:bodyPr wrap="square" rtlCol="0">
+            <a:spAutoFit/>
+          </a:bodyPr>
+          <a:lstStyle/>
+          <a:p>
+            <a:r>
+              <a:rPr lang="en-US" dirty="0">
+                <a:solidFill>
+                  <a:srgbClr val="C00000"/>
+                </a:solidFill>
+              </a:rPr>
+              <a:t>Breed clustering based on </a:t>
+            </a:r>
+            <a:r>
+              <a:rPr lang="en-US" u="sng" dirty="0">
+                <a:solidFill>
+                  <a:srgbClr val="C00000"/>
+                </a:solidFill>
+              </a:rPr>
+              <a:t>nucleotide sequences</a:t>
+            </a:r>
+            <a:r>
+              <a:rPr lang="en-US" dirty="0">
+                <a:solidFill>
+                  <a:srgbClr val="C00000"/>
+                </a:solidFill>
+              </a:rPr>
+              <a:t> of </a:t>
+            </a:r>
+            <a:r>
+              <a:rPr lang="en-US" u="sng" dirty="0">
+                <a:solidFill>
+                  <a:srgbClr val="C00000"/>
+                </a:solidFill>
+              </a:rPr>
+              <a:t>selected variants</a:t>
+            </a:r>
+          </a:p>
+        </p:txBody>
+      </p:sp>
+      <p:cxnSp>
+        <p:nvCxnSpPr>
+          <p:cNvPr id="9" name="Straight Arrow Connector 8">
+            <a:extLst>
+              <a:ext uri="{FF2B5EF4-FFF2-40B4-BE49-F238E27FC236}">
+                <a16:creationId xmlns:a16="http://schemas.microsoft.com/office/drawing/2014/main" id="{98D57386-8638-15B5-CF2D-41739AC95A45}"/>
+              </a:ext>
+            </a:extLst>
+          </p:cNvPr>
+          <p:cNvCxnSpPr/>
+          <p:nvPr/>
+        </p:nvCxnSpPr>
+        <p:spPr>
+          <a:xfrm flipH="1" flipV="1">
+            <a:off x="1566041" y="4870966"/>
+            <a:ext cx="512381" cy="468289"/>
+          </a:xfrm>
+          <a:prstGeom prst="straightConnector1">
+            <a:avLst/>
+          </a:prstGeom>
+          <a:ln>
+            <a:solidFill>
+              <a:srgbClr val="C00000"/>
+            </a:solidFill>
+            <a:tailEnd type="triangle"/>
+          </a:ln>
+        </p:spPr>
+        <p:style>
+          <a:lnRef idx="3">
+            <a:schemeClr val="accent2"/>
+          </a:lnRef>
+          <a:fillRef idx="0">
+            <a:schemeClr val="accent2"/>
+          </a:fillRef>
+          <a:effectRef idx="2">
+            <a:schemeClr val="accent2"/>
+          </a:effectRef>
+          <a:fontRef idx="minor">
+            <a:schemeClr val="tx1"/>
+          </a:fontRef>
+        </p:style>
+      </p:cxnSp>
+      <p:cxnSp>
+        <p:nvCxnSpPr>
+          <p:cNvPr id="10" name="Straight Arrow Connector 9">
+            <a:extLst>
+              <a:ext uri="{FF2B5EF4-FFF2-40B4-BE49-F238E27FC236}">
+                <a16:creationId xmlns:a16="http://schemas.microsoft.com/office/drawing/2014/main" id="{9EA5E93A-8CD5-FFEA-B630-69AEDC10DDE4}"/>
+              </a:ext>
+            </a:extLst>
+          </p:cNvPr>
+          <p:cNvCxnSpPr>
+            <a:cxnSpLocks/>
+          </p:cNvCxnSpPr>
+          <p:nvPr/>
+        </p:nvCxnSpPr>
+        <p:spPr>
+          <a:xfrm flipV="1">
+            <a:off x="9919136" y="4889069"/>
+            <a:ext cx="388883" cy="378951"/>
+          </a:xfrm>
+          <a:prstGeom prst="straightConnector1">
+            <a:avLst/>
+          </a:prstGeom>
+          <a:ln>
+            <a:solidFill>
+              <a:srgbClr val="C00000"/>
+            </a:solidFill>
+            <a:tailEnd type="triangle"/>
+          </a:ln>
+        </p:spPr>
+        <p:style>
+          <a:lnRef idx="3">
+            <a:schemeClr val="accent2"/>
+          </a:lnRef>
+          <a:fillRef idx="0">
+            <a:schemeClr val="accent2"/>
+          </a:fillRef>
+          <a:effectRef idx="2">
+            <a:schemeClr val="accent2"/>
+          </a:effectRef>
+          <a:fontRef idx="minor">
+            <a:schemeClr val="tx1"/>
+          </a:fontRef>
+        </p:style>
+      </p:cxnSp>
     </p:spTree>
     <p:extLst>
       <p:ext uri="{BB962C8B-B14F-4D97-AF65-F5344CB8AC3E}">
-        <p14:creationId xmlns:p14="http://schemas.microsoft.com/office/powerpoint/2010/main" val="3404486992"/>
+        <p14:creationId xmlns:p14="http://schemas.microsoft.com/office/powerpoint/2010/main" val="2677462433"/>
+      </p:ext>
+    </p:extLst>
+  </p:cSld>
+  <p:clrMapOvr>
+    <a:masterClrMapping/>
+  </p:clrMapOvr>
+</p:sld>
+</file>
+
+<file path=ppt/slides/slide9.xml><?xml version="1.0" encoding="utf-8"?>
+<p:sld xmlns:a="http://schemas.openxmlformats.org/drawingml/2006/main" xmlns:r="http://schemas.openxmlformats.org/officeDocument/2006/relationships" xmlns:p="http://schemas.openxmlformats.org/presentationml/2006/main">
+  <p:cSld>
+    <p:spTree>
+      <p:nvGrpSpPr>
+        <p:cNvPr id="1" name=""/>
+        <p:cNvGrpSpPr/>
+        <p:nvPr/>
+      </p:nvGrpSpPr>
+      <p:grpSpPr>
+        <a:xfrm>
+          <a:off x="0" y="0"/>
+          <a:ext cx="0" cy="0"/>
+          <a:chOff x="0" y="0"/>
+          <a:chExt cx="0" cy="0"/>
+        </a:xfrm>
+      </p:grpSpPr>
+      <p:pic>
+        <p:nvPicPr>
+          <p:cNvPr id="6" name="Picture 5">
+            <a:extLst>
+              <a:ext uri="{FF2B5EF4-FFF2-40B4-BE49-F238E27FC236}">
+                <a16:creationId xmlns:a16="http://schemas.microsoft.com/office/drawing/2014/main" id="{BF9036ED-EDF5-8F64-9FFF-D8186487D003}"/>
+              </a:ext>
+            </a:extLst>
+          </p:cNvPr>
+          <p:cNvPicPr>
+            <a:picLocks noChangeAspect="1"/>
+          </p:cNvPicPr>
+          <p:nvPr/>
+        </p:nvPicPr>
+        <p:blipFill>
+          <a:blip r:embed="rId2"/>
+          <a:stretch>
+            <a:fillRect/>
+          </a:stretch>
+        </p:blipFill>
+        <p:spPr>
+          <a:xfrm>
+            <a:off x="5334000" y="0"/>
+            <a:ext cx="6858000" cy="6858000"/>
+          </a:xfrm>
+          <a:prstGeom prst="rect">
+            <a:avLst/>
+          </a:prstGeom>
+        </p:spPr>
+      </p:pic>
+      <p:sp>
+        <p:nvSpPr>
+          <p:cNvPr id="7" name="Title 1">
+            <a:extLst>
+              <a:ext uri="{FF2B5EF4-FFF2-40B4-BE49-F238E27FC236}">
+                <a16:creationId xmlns:a16="http://schemas.microsoft.com/office/drawing/2014/main" id="{AAF3AA68-1F1F-6E33-C9F7-BB6962B298AF}"/>
+              </a:ext>
+            </a:extLst>
+          </p:cNvPr>
+          <p:cNvSpPr>
+            <a:spLocks noGrp="1"/>
+          </p:cNvSpPr>
+          <p:nvPr>
+            <p:ph type="title"/>
+          </p:nvPr>
+        </p:nvSpPr>
+        <p:spPr>
+          <a:xfrm>
+            <a:off x="248270" y="-12526"/>
+            <a:ext cx="6590941" cy="1325563"/>
+          </a:xfrm>
+        </p:spPr>
+        <p:txBody>
+          <a:bodyPr>
+            <a:normAutofit/>
+          </a:bodyPr>
+          <a:lstStyle/>
+          <a:p>
+            <a:r>
+              <a:rPr lang="en-US" sz="3200" dirty="0"/>
+              <a:t>Clustering of variants in CDS region</a:t>
+            </a:r>
+          </a:p>
+        </p:txBody>
+      </p:sp>
+      <p:sp>
+        <p:nvSpPr>
+          <p:cNvPr id="8" name="TextBox 7">
+            <a:extLst>
+              <a:ext uri="{FF2B5EF4-FFF2-40B4-BE49-F238E27FC236}">
+                <a16:creationId xmlns:a16="http://schemas.microsoft.com/office/drawing/2014/main" id="{3342146F-46FA-065A-F292-408BDA348A46}"/>
+              </a:ext>
+            </a:extLst>
+          </p:cNvPr>
+          <p:cNvSpPr txBox="1"/>
+          <p:nvPr/>
+        </p:nvSpPr>
+        <p:spPr>
+          <a:xfrm>
+            <a:off x="463463" y="1427967"/>
+            <a:ext cx="4672208" cy="923330"/>
+          </a:xfrm>
+          <a:prstGeom prst="rect">
+            <a:avLst/>
+          </a:prstGeom>
+          <a:noFill/>
+        </p:spPr>
+        <p:txBody>
+          <a:bodyPr wrap="square" rtlCol="0">
+            <a:spAutoFit/>
+          </a:bodyPr>
+          <a:lstStyle/>
+          <a:p>
+            <a:pPr marL="285750" indent="-285750">
+              <a:buFont typeface="Arial" panose="020B0604020202020204" pitchFamily="34" charset="0"/>
+              <a:buChar char="•"/>
+            </a:pPr>
+            <a:r>
+              <a:rPr lang="en-US" dirty="0"/>
+              <a:t>Rooted with Shih Tzu.</a:t>
+            </a:r>
+          </a:p>
+          <a:p>
+            <a:pPr marL="285750" indent="-285750">
+              <a:buFont typeface="Arial" panose="020B0604020202020204" pitchFamily="34" charset="0"/>
+              <a:buChar char="•"/>
+            </a:pPr>
+            <a:r>
+              <a:rPr lang="en-US" dirty="0"/>
+              <a:t>Essentially all 12 breed cluster as expected, except for Poodle</a:t>
+            </a:r>
+          </a:p>
+        </p:txBody>
+      </p:sp>
+    </p:spTree>
+    <p:extLst>
+      <p:ext uri="{BB962C8B-B14F-4D97-AF65-F5344CB8AC3E}">
+        <p14:creationId xmlns:p14="http://schemas.microsoft.com/office/powerpoint/2010/main" val="86365851"/>
       </p:ext>
     </p:extLst>
   </p:cSld>

--- a/doc/LabMeeting120123.pptx
+++ b/doc/LabMeeting120123.pptx
@@ -5,7 +5,7 @@
     <p:sldMasterId id="2147483648" r:id="rId1"/>
   </p:sldMasterIdLst>
   <p:notesMasterIdLst>
-    <p:notesMasterId r:id="rId12"/>
+    <p:notesMasterId r:id="rId17"/>
   </p:notesMasterIdLst>
   <p:sldIdLst>
     <p:sldId id="256" r:id="rId2"/>
@@ -17,7 +17,12 @@
     <p:sldId id="257" r:id="rId8"/>
     <p:sldId id="262" r:id="rId9"/>
     <p:sldId id="265" r:id="rId10"/>
-    <p:sldId id="258" r:id="rId11"/>
+    <p:sldId id="270" r:id="rId11"/>
+    <p:sldId id="266" r:id="rId12"/>
+    <p:sldId id="267" r:id="rId13"/>
+    <p:sldId id="268" r:id="rId14"/>
+    <p:sldId id="258" r:id="rId15"/>
+    <p:sldId id="269" r:id="rId16"/>
   </p:sldIdLst>
   <p:sldSz cx="12192000" cy="6858000"/>
   <p:notesSz cx="6858000" cy="9144000"/>
@@ -548,6 +553,90 @@
     <p:extLst>
       <p:ext uri="{BB962C8B-B14F-4D97-AF65-F5344CB8AC3E}">
         <p14:creationId xmlns:p14="http://schemas.microsoft.com/office/powerpoint/2010/main" val="1547928275"/>
+      </p:ext>
+    </p:extLst>
+  </p:cSld>
+  <p:clrMapOvr>
+    <a:masterClrMapping/>
+  </p:clrMapOvr>
+</p:notes>
+</file>
+
+<file path=ppt/notesSlides/notesSlide2.xml><?xml version="1.0" encoding="utf-8"?>
+<p:notes xmlns:a="http://schemas.openxmlformats.org/drawingml/2006/main" xmlns:r="http://schemas.openxmlformats.org/officeDocument/2006/relationships" xmlns:p="http://schemas.openxmlformats.org/presentationml/2006/main">
+  <p:cSld>
+    <p:spTree>
+      <p:nvGrpSpPr>
+        <p:cNvPr id="1" name=""/>
+        <p:cNvGrpSpPr/>
+        <p:nvPr/>
+      </p:nvGrpSpPr>
+      <p:grpSpPr>
+        <a:xfrm>
+          <a:off x="0" y="0"/>
+          <a:ext cx="0" cy="0"/>
+          <a:chOff x="0" y="0"/>
+          <a:chExt cx="0" cy="0"/>
+        </a:xfrm>
+      </p:grpSpPr>
+      <p:sp>
+        <p:nvSpPr>
+          <p:cNvPr id="2" name="Slide Image Placeholder 1"/>
+          <p:cNvSpPr>
+            <a:spLocks noGrp="1" noRot="1" noChangeAspect="1"/>
+          </p:cNvSpPr>
+          <p:nvPr>
+            <p:ph type="sldImg"/>
+          </p:nvPr>
+        </p:nvSpPr>
+        <p:spPr/>
+      </p:sp>
+      <p:sp>
+        <p:nvSpPr>
+          <p:cNvPr id="3" name="Notes Placeholder 2"/>
+          <p:cNvSpPr>
+            <a:spLocks noGrp="1"/>
+          </p:cNvSpPr>
+          <p:nvPr>
+            <p:ph type="body" idx="1"/>
+          </p:nvPr>
+        </p:nvSpPr>
+        <p:spPr/>
+        <p:txBody>
+          <a:bodyPr/>
+          <a:lstStyle/>
+          <a:p>
+            <a:endParaRPr lang="en-US" dirty="0"/>
+          </a:p>
+        </p:txBody>
+      </p:sp>
+      <p:sp>
+        <p:nvSpPr>
+          <p:cNvPr id="4" name="Slide Number Placeholder 3"/>
+          <p:cNvSpPr>
+            <a:spLocks noGrp="1"/>
+          </p:cNvSpPr>
+          <p:nvPr>
+            <p:ph type="sldNum" sz="quarter" idx="5"/>
+          </p:nvPr>
+        </p:nvSpPr>
+        <p:spPr/>
+        <p:txBody>
+          <a:bodyPr/>
+          <a:lstStyle/>
+          <a:p>
+            <a:fld id="{801A4F32-D78C-1641-9AC5-17632B90541F}" type="slidenum">
+              <a:rPr lang="en-US" smtClean="0"/>
+              <a:t>5</a:t>
+            </a:fld>
+            <a:endParaRPr lang="en-US"/>
+          </a:p>
+        </p:txBody>
+      </p:sp>
+    </p:spTree>
+    <p:extLst>
+      <p:ext uri="{BB962C8B-B14F-4D97-AF65-F5344CB8AC3E}">
+        <p14:creationId xmlns:p14="http://schemas.microsoft.com/office/powerpoint/2010/main" val="2326678762"/>
       </p:ext>
     </p:extLst>
   </p:cSld>
@@ -3826,7 +3915,10 @@
             </a:r>
           </a:p>
           <a:p>
-            <a:endParaRPr lang="en-US" dirty="0"/>
+            <a:r>
+              <a:rPr lang="en-US" dirty="0"/>
+              <a:t>Dec 1, 2023</a:t>
+            </a:r>
           </a:p>
         </p:txBody>
       </p:sp>
@@ -3862,6 +3954,730 @@
       </p:grpSpPr>
       <p:sp>
         <p:nvSpPr>
+          <p:cNvPr id="7" name="Title 1">
+            <a:extLst>
+              <a:ext uri="{FF2B5EF4-FFF2-40B4-BE49-F238E27FC236}">
+                <a16:creationId xmlns:a16="http://schemas.microsoft.com/office/drawing/2014/main" id="{AAF3AA68-1F1F-6E33-C9F7-BB6962B298AF}"/>
+              </a:ext>
+            </a:extLst>
+          </p:cNvPr>
+          <p:cNvSpPr>
+            <a:spLocks noGrp="1"/>
+          </p:cNvSpPr>
+          <p:nvPr>
+            <p:ph type="title"/>
+          </p:nvPr>
+        </p:nvSpPr>
+        <p:spPr>
+          <a:xfrm>
+            <a:off x="101621" y="44939"/>
+            <a:ext cx="6068447" cy="1325563"/>
+          </a:xfrm>
+        </p:spPr>
+        <p:txBody>
+          <a:bodyPr>
+            <a:normAutofit fontScale="90000"/>
+          </a:bodyPr>
+          <a:lstStyle/>
+          <a:p>
+            <a:r>
+              <a:rPr lang="en-US" sz="3200" dirty="0"/>
+              <a:t>Clustering of all variants in CDS region </a:t>
+            </a:r>
+            <a:r>
+              <a:rPr lang="en-US" sz="3200" dirty="0">
+                <a:sym typeface="Wingdings" pitchFamily="2" charset="2"/>
+              </a:rPr>
+              <a:t>(</a:t>
+            </a:r>
+            <a:r>
+              <a:rPr lang="en-US" sz="3200" dirty="0"/>
+              <a:t>Consensus of 100 subsamples)</a:t>
+            </a:r>
+          </a:p>
+        </p:txBody>
+      </p:sp>
+      <p:sp>
+        <p:nvSpPr>
+          <p:cNvPr id="8" name="TextBox 7">
+            <a:extLst>
+              <a:ext uri="{FF2B5EF4-FFF2-40B4-BE49-F238E27FC236}">
+                <a16:creationId xmlns:a16="http://schemas.microsoft.com/office/drawing/2014/main" id="{3342146F-46FA-065A-F292-408BDA348A46}"/>
+              </a:ext>
+            </a:extLst>
+          </p:cNvPr>
+          <p:cNvSpPr txBox="1"/>
+          <p:nvPr/>
+        </p:nvSpPr>
+        <p:spPr>
+          <a:xfrm>
+            <a:off x="463463" y="1427967"/>
+            <a:ext cx="5632537" cy="1631216"/>
+          </a:xfrm>
+          <a:prstGeom prst="rect">
+            <a:avLst/>
+          </a:prstGeom>
+          <a:noFill/>
+        </p:spPr>
+        <p:txBody>
+          <a:bodyPr wrap="square" rtlCol="0">
+            <a:spAutoFit/>
+          </a:bodyPr>
+          <a:lstStyle/>
+          <a:p>
+            <a:pPr marL="285750" indent="-285750">
+              <a:buFont typeface="Arial" panose="020B0604020202020204" pitchFamily="34" charset="0"/>
+              <a:buChar char="•"/>
+            </a:pPr>
+            <a:r>
+              <a:rPr lang="en-US" sz="2000" dirty="0"/>
+              <a:t>Samples for 12 breeds.</a:t>
+            </a:r>
+          </a:p>
+          <a:p>
+            <a:pPr marL="285750" indent="-285750">
+              <a:buFont typeface="Arial" panose="020B0604020202020204" pitchFamily="34" charset="0"/>
+              <a:buChar char="•"/>
+            </a:pPr>
+            <a:r>
+              <a:rPr lang="en-US" sz="2000" dirty="0"/>
+              <a:t>Rooted with Shih Tzu. </a:t>
+            </a:r>
+          </a:p>
+          <a:p>
+            <a:pPr marL="285750" indent="-285750">
+              <a:buFont typeface="Arial" panose="020B0604020202020204" pitchFamily="34" charset="0"/>
+              <a:buChar char="•"/>
+            </a:pPr>
+            <a:r>
+              <a:rPr lang="en-US" sz="2000" dirty="0"/>
+              <a:t>10% variants are randomly selected for 100 times. A consensus tree is computed for 100 trees.</a:t>
+            </a:r>
+          </a:p>
+          <a:p>
+            <a:pPr marL="285750" indent="-285750">
+              <a:buFont typeface="Arial" panose="020B0604020202020204" pitchFamily="34" charset="0"/>
+              <a:buChar char="•"/>
+            </a:pPr>
+            <a:r>
+              <a:rPr lang="en-US" sz="2000" dirty="0"/>
+              <a:t>Branch lengths are removed.</a:t>
+            </a:r>
+          </a:p>
+        </p:txBody>
+      </p:sp>
+      <p:pic>
+        <p:nvPicPr>
+          <p:cNvPr id="12" name="Picture 11">
+            <a:extLst>
+              <a:ext uri="{FF2B5EF4-FFF2-40B4-BE49-F238E27FC236}">
+                <a16:creationId xmlns:a16="http://schemas.microsoft.com/office/drawing/2014/main" id="{97BC306A-45D1-F002-1421-BC7EBC34E530}"/>
+              </a:ext>
+            </a:extLst>
+          </p:cNvPr>
+          <p:cNvPicPr>
+            <a:picLocks noChangeAspect="1"/>
+          </p:cNvPicPr>
+          <p:nvPr/>
+        </p:nvPicPr>
+        <p:blipFill>
+          <a:blip r:embed="rId2"/>
+          <a:stretch>
+            <a:fillRect/>
+          </a:stretch>
+        </p:blipFill>
+        <p:spPr>
+          <a:xfrm>
+            <a:off x="5969875" y="-12526"/>
+            <a:ext cx="5143500" cy="6858000"/>
+          </a:xfrm>
+          <a:prstGeom prst="rect">
+            <a:avLst/>
+          </a:prstGeom>
+        </p:spPr>
+      </p:pic>
+    </p:spTree>
+    <p:extLst>
+      <p:ext uri="{BB962C8B-B14F-4D97-AF65-F5344CB8AC3E}">
+        <p14:creationId xmlns:p14="http://schemas.microsoft.com/office/powerpoint/2010/main" val="2891849662"/>
+      </p:ext>
+    </p:extLst>
+  </p:cSld>
+  <p:clrMapOvr>
+    <a:masterClrMapping/>
+  </p:clrMapOvr>
+</p:sld>
+</file>
+
+<file path=ppt/slides/slide11.xml><?xml version="1.0" encoding="utf-8"?>
+<p:sld xmlns:a="http://schemas.openxmlformats.org/drawingml/2006/main" xmlns:r="http://schemas.openxmlformats.org/officeDocument/2006/relationships" xmlns:p="http://schemas.openxmlformats.org/presentationml/2006/main">
+  <p:cSld>
+    <p:spTree>
+      <p:nvGrpSpPr>
+        <p:cNvPr id="1" name=""/>
+        <p:cNvGrpSpPr/>
+        <p:nvPr/>
+      </p:nvGrpSpPr>
+      <p:grpSpPr>
+        <a:xfrm>
+          <a:off x="0" y="0"/>
+          <a:ext cx="0" cy="0"/>
+          <a:chOff x="0" y="0"/>
+          <a:chExt cx="0" cy="0"/>
+        </a:xfrm>
+      </p:grpSpPr>
+      <p:pic>
+        <p:nvPicPr>
+          <p:cNvPr id="3" name="Picture 2">
+            <a:extLst>
+              <a:ext uri="{FF2B5EF4-FFF2-40B4-BE49-F238E27FC236}">
+                <a16:creationId xmlns:a16="http://schemas.microsoft.com/office/drawing/2014/main" id="{7944FC03-474D-0491-6159-B80A5EEB2916}"/>
+              </a:ext>
+            </a:extLst>
+          </p:cNvPr>
+          <p:cNvPicPr>
+            <a:picLocks noChangeAspect="1"/>
+          </p:cNvPicPr>
+          <p:nvPr/>
+        </p:nvPicPr>
+        <p:blipFill>
+          <a:blip r:embed="rId2"/>
+          <a:stretch>
+            <a:fillRect/>
+          </a:stretch>
+        </p:blipFill>
+        <p:spPr>
+          <a:xfrm>
+            <a:off x="6150497" y="650255"/>
+            <a:ext cx="5793233" cy="5793233"/>
+          </a:xfrm>
+          <a:prstGeom prst="rect">
+            <a:avLst/>
+          </a:prstGeom>
+        </p:spPr>
+      </p:pic>
+      <p:sp>
+        <p:nvSpPr>
+          <p:cNvPr id="11" name="Title 1">
+            <a:extLst>
+              <a:ext uri="{FF2B5EF4-FFF2-40B4-BE49-F238E27FC236}">
+                <a16:creationId xmlns:a16="http://schemas.microsoft.com/office/drawing/2014/main" id="{20E7FE91-291D-7F85-72BA-D632428CC157}"/>
+              </a:ext>
+            </a:extLst>
+          </p:cNvPr>
+          <p:cNvSpPr txBox="1">
+            <a:spLocks/>
+          </p:cNvSpPr>
+          <p:nvPr/>
+        </p:nvSpPr>
+        <p:spPr>
+          <a:xfrm>
+            <a:off x="248270" y="-12526"/>
+            <a:ext cx="6152529" cy="1325563"/>
+          </a:xfrm>
+          <a:prstGeom prst="rect">
+            <a:avLst/>
+          </a:prstGeom>
+        </p:spPr>
+        <p:txBody>
+          <a:bodyPr vert="horz" lIns="91440" tIns="45720" rIns="91440" bIns="45720" rtlCol="0" anchor="ctr">
+            <a:normAutofit/>
+          </a:bodyPr>
+          <a:lstStyle>
+            <a:lvl1pPr algn="l" defTabSz="914400" rtl="0" eaLnBrk="1" latinLnBrk="0" hangingPunct="1">
+              <a:lnSpc>
+                <a:spcPct val="90000"/>
+              </a:lnSpc>
+              <a:spcBef>
+                <a:spcPct val="0"/>
+              </a:spcBef>
+              <a:buNone/>
+              <a:defRPr sz="4400" kern="1200">
+                <a:solidFill>
+                  <a:schemeClr val="tx1"/>
+                </a:solidFill>
+                <a:latin typeface="+mj-lt"/>
+                <a:ea typeface="+mj-ea"/>
+                <a:cs typeface="+mj-cs"/>
+              </a:defRPr>
+            </a:lvl1pPr>
+          </a:lstStyle>
+          <a:p>
+            <a:r>
+              <a:rPr lang="en-US" sz="3200" dirty="0"/>
+              <a:t>Clustering of breed specific variants</a:t>
+            </a:r>
+          </a:p>
+        </p:txBody>
+      </p:sp>
+      <p:sp>
+        <p:nvSpPr>
+          <p:cNvPr id="12" name="TextBox 11">
+            <a:extLst>
+              <a:ext uri="{FF2B5EF4-FFF2-40B4-BE49-F238E27FC236}">
+                <a16:creationId xmlns:a16="http://schemas.microsoft.com/office/drawing/2014/main" id="{4036C549-C12A-31E4-5EC0-0DF0CA4DAAA8}"/>
+              </a:ext>
+            </a:extLst>
+          </p:cNvPr>
+          <p:cNvSpPr txBox="1"/>
+          <p:nvPr/>
+        </p:nvSpPr>
+        <p:spPr>
+          <a:xfrm>
+            <a:off x="463462" y="1427967"/>
+            <a:ext cx="4907323" cy="400110"/>
+          </a:xfrm>
+          <a:prstGeom prst="rect">
+            <a:avLst/>
+          </a:prstGeom>
+          <a:noFill/>
+        </p:spPr>
+        <p:txBody>
+          <a:bodyPr wrap="square" rtlCol="0">
+            <a:spAutoFit/>
+          </a:bodyPr>
+          <a:lstStyle/>
+          <a:p>
+            <a:pPr marL="285750" indent="-285750">
+              <a:buFont typeface="Arial" panose="020B0604020202020204" pitchFamily="34" charset="0"/>
+              <a:buChar char="•"/>
+            </a:pPr>
+            <a:r>
+              <a:rPr lang="en-US" sz="2000" dirty="0"/>
+              <a:t>Samples for 12 breeds.</a:t>
+            </a:r>
+          </a:p>
+        </p:txBody>
+      </p:sp>
+    </p:spTree>
+    <p:extLst>
+      <p:ext uri="{BB962C8B-B14F-4D97-AF65-F5344CB8AC3E}">
+        <p14:creationId xmlns:p14="http://schemas.microsoft.com/office/powerpoint/2010/main" val="3733906963"/>
+      </p:ext>
+    </p:extLst>
+  </p:cSld>
+  <p:clrMapOvr>
+    <a:masterClrMapping/>
+  </p:clrMapOvr>
+</p:sld>
+</file>
+
+<file path=ppt/slides/slide12.xml><?xml version="1.0" encoding="utf-8"?>
+<p:sld xmlns:a="http://schemas.openxmlformats.org/drawingml/2006/main" xmlns:r="http://schemas.openxmlformats.org/officeDocument/2006/relationships" xmlns:p="http://schemas.openxmlformats.org/presentationml/2006/main">
+  <p:cSld>
+    <p:spTree>
+      <p:nvGrpSpPr>
+        <p:cNvPr id="1" name=""/>
+        <p:cNvGrpSpPr/>
+        <p:nvPr/>
+      </p:nvGrpSpPr>
+      <p:grpSpPr>
+        <a:xfrm>
+          <a:off x="0" y="0"/>
+          <a:ext cx="0" cy="0"/>
+          <a:chOff x="0" y="0"/>
+          <a:chExt cx="0" cy="0"/>
+        </a:xfrm>
+      </p:grpSpPr>
+      <p:sp>
+        <p:nvSpPr>
+          <p:cNvPr id="7" name="Title 1">
+            <a:extLst>
+              <a:ext uri="{FF2B5EF4-FFF2-40B4-BE49-F238E27FC236}">
+                <a16:creationId xmlns:a16="http://schemas.microsoft.com/office/drawing/2014/main" id="{AAF3AA68-1F1F-6E33-C9F7-BB6962B298AF}"/>
+              </a:ext>
+            </a:extLst>
+          </p:cNvPr>
+          <p:cNvSpPr>
+            <a:spLocks noGrp="1"/>
+          </p:cNvSpPr>
+          <p:nvPr>
+            <p:ph type="title"/>
+          </p:nvPr>
+        </p:nvSpPr>
+        <p:spPr>
+          <a:xfrm>
+            <a:off x="248271" y="-12526"/>
+            <a:ext cx="5006902" cy="1325563"/>
+          </a:xfrm>
+        </p:spPr>
+        <p:txBody>
+          <a:bodyPr>
+            <a:normAutofit/>
+          </a:bodyPr>
+          <a:lstStyle/>
+          <a:p>
+            <a:r>
+              <a:rPr lang="en-US" sz="3200" dirty="0"/>
+              <a:t>Clustering of breed specific variants</a:t>
+            </a:r>
+          </a:p>
+        </p:txBody>
+      </p:sp>
+      <p:pic>
+        <p:nvPicPr>
+          <p:cNvPr id="5" name="Picture 4">
+            <a:extLst>
+              <a:ext uri="{FF2B5EF4-FFF2-40B4-BE49-F238E27FC236}">
+                <a16:creationId xmlns:a16="http://schemas.microsoft.com/office/drawing/2014/main" id="{D0CE0872-E35D-FB57-AEF5-747416CC0B29}"/>
+              </a:ext>
+            </a:extLst>
+          </p:cNvPr>
+          <p:cNvPicPr>
+            <a:picLocks noChangeAspect="1"/>
+          </p:cNvPicPr>
+          <p:nvPr/>
+        </p:nvPicPr>
+        <p:blipFill>
+          <a:blip r:embed="rId2"/>
+          <a:stretch>
+            <a:fillRect/>
+          </a:stretch>
+        </p:blipFill>
+        <p:spPr>
+          <a:xfrm>
+            <a:off x="5486400" y="200335"/>
+            <a:ext cx="6457330" cy="6457330"/>
+          </a:xfrm>
+          <a:prstGeom prst="rect">
+            <a:avLst/>
+          </a:prstGeom>
+        </p:spPr>
+      </p:pic>
+      <p:sp>
+        <p:nvSpPr>
+          <p:cNvPr id="2" name="TextBox 1">
+            <a:extLst>
+              <a:ext uri="{FF2B5EF4-FFF2-40B4-BE49-F238E27FC236}">
+                <a16:creationId xmlns:a16="http://schemas.microsoft.com/office/drawing/2014/main" id="{3490B5C4-1B3C-E98B-4948-9BBD10E2E16A}"/>
+              </a:ext>
+            </a:extLst>
+          </p:cNvPr>
+          <p:cNvSpPr txBox="1"/>
+          <p:nvPr/>
+        </p:nvSpPr>
+        <p:spPr>
+          <a:xfrm>
+            <a:off x="463462" y="1427967"/>
+            <a:ext cx="4907323" cy="1323439"/>
+          </a:xfrm>
+          <a:prstGeom prst="rect">
+            <a:avLst/>
+          </a:prstGeom>
+          <a:noFill/>
+        </p:spPr>
+        <p:txBody>
+          <a:bodyPr wrap="square" rtlCol="0">
+            <a:spAutoFit/>
+          </a:bodyPr>
+          <a:lstStyle/>
+          <a:p>
+            <a:pPr marL="285750" indent="-285750">
+              <a:buFont typeface="Arial" panose="020B0604020202020204" pitchFamily="34" charset="0"/>
+              <a:buChar char="•"/>
+            </a:pPr>
+            <a:r>
+              <a:rPr lang="en-US" sz="2000" dirty="0"/>
+              <a:t>Samples for 12 breeds + unknown.</a:t>
+            </a:r>
+          </a:p>
+          <a:p>
+            <a:pPr marL="285750" indent="-285750">
+              <a:buFont typeface="Arial" panose="020B0604020202020204" pitchFamily="34" charset="0"/>
+              <a:buChar char="•"/>
+            </a:pPr>
+            <a:r>
+              <a:rPr lang="en-US" sz="2000" dirty="0"/>
+              <a:t>Cross-validation with breed validation/prediction results from VAF heatmap.</a:t>
+            </a:r>
+          </a:p>
+        </p:txBody>
+      </p:sp>
+    </p:spTree>
+    <p:extLst>
+      <p:ext uri="{BB962C8B-B14F-4D97-AF65-F5344CB8AC3E}">
+        <p14:creationId xmlns:p14="http://schemas.microsoft.com/office/powerpoint/2010/main" val="850361852"/>
+      </p:ext>
+    </p:extLst>
+  </p:cSld>
+  <p:clrMapOvr>
+    <a:masterClrMapping/>
+  </p:clrMapOvr>
+</p:sld>
+</file>
+
+<file path=ppt/slides/slide13.xml><?xml version="1.0" encoding="utf-8"?>
+<p:sld xmlns:a="http://schemas.openxmlformats.org/drawingml/2006/main" xmlns:r="http://schemas.openxmlformats.org/officeDocument/2006/relationships" xmlns:p="http://schemas.openxmlformats.org/presentationml/2006/main">
+  <p:cSld>
+    <p:spTree>
+      <p:nvGrpSpPr>
+        <p:cNvPr id="1" name=""/>
+        <p:cNvGrpSpPr/>
+        <p:nvPr/>
+      </p:nvGrpSpPr>
+      <p:grpSpPr>
+        <a:xfrm>
+          <a:off x="0" y="0"/>
+          <a:ext cx="0" cy="0"/>
+          <a:chOff x="0" y="0"/>
+          <a:chExt cx="0" cy="0"/>
+        </a:xfrm>
+      </p:grpSpPr>
+      <p:sp>
+        <p:nvSpPr>
+          <p:cNvPr id="2" name="Title 1">
+            <a:extLst>
+              <a:ext uri="{FF2B5EF4-FFF2-40B4-BE49-F238E27FC236}">
+                <a16:creationId xmlns:a16="http://schemas.microsoft.com/office/drawing/2014/main" id="{53FDAEA3-D74F-910A-2C3C-66C48276054E}"/>
+              </a:ext>
+            </a:extLst>
+          </p:cNvPr>
+          <p:cNvSpPr>
+            <a:spLocks noGrp="1"/>
+          </p:cNvSpPr>
+          <p:nvPr>
+            <p:ph type="title"/>
+          </p:nvPr>
+        </p:nvSpPr>
+        <p:spPr>
+          <a:xfrm>
+            <a:off x="624051" y="-257718"/>
+            <a:ext cx="10943897" cy="1325563"/>
+          </a:xfrm>
+        </p:spPr>
+        <p:txBody>
+          <a:bodyPr>
+            <a:normAutofit/>
+          </a:bodyPr>
+          <a:lstStyle/>
+          <a:p>
+            <a:r>
+              <a:rPr lang="en-US" sz="3200" dirty="0"/>
+              <a:t>Identify breed specific variants from WGS SNPs (Dog10K) </a:t>
+            </a:r>
+          </a:p>
+        </p:txBody>
+      </p:sp>
+      <p:pic>
+        <p:nvPicPr>
+          <p:cNvPr id="4" name="Picture 3">
+            <a:extLst>
+              <a:ext uri="{FF2B5EF4-FFF2-40B4-BE49-F238E27FC236}">
+                <a16:creationId xmlns:a16="http://schemas.microsoft.com/office/drawing/2014/main" id="{13B26D6A-4D0C-8F37-0072-E33453B5B736}"/>
+              </a:ext>
+            </a:extLst>
+          </p:cNvPr>
+          <p:cNvPicPr>
+            <a:picLocks noChangeAspect="1"/>
+          </p:cNvPicPr>
+          <p:nvPr/>
+        </p:nvPicPr>
+        <p:blipFill>
+          <a:blip r:embed="rId2"/>
+          <a:stretch>
+            <a:fillRect/>
+          </a:stretch>
+        </p:blipFill>
+        <p:spPr>
+          <a:xfrm>
+            <a:off x="2366360" y="769967"/>
+            <a:ext cx="5632012" cy="5323565"/>
+          </a:xfrm>
+          <a:prstGeom prst="rect">
+            <a:avLst/>
+          </a:prstGeom>
+        </p:spPr>
+      </p:pic>
+      <p:sp>
+        <p:nvSpPr>
+          <p:cNvPr id="8" name="TextBox 7">
+            <a:extLst>
+              <a:ext uri="{FF2B5EF4-FFF2-40B4-BE49-F238E27FC236}">
+                <a16:creationId xmlns:a16="http://schemas.microsoft.com/office/drawing/2014/main" id="{F3A3DD67-75A8-C511-6DEA-4D5E435DCD5A}"/>
+              </a:ext>
+            </a:extLst>
+          </p:cNvPr>
+          <p:cNvSpPr txBox="1"/>
+          <p:nvPr/>
+        </p:nvSpPr>
+        <p:spPr>
+          <a:xfrm>
+            <a:off x="7618466" y="5640609"/>
+            <a:ext cx="2017987" cy="369332"/>
+          </a:xfrm>
+          <a:prstGeom prst="rect">
+            <a:avLst/>
+          </a:prstGeom>
+          <a:noFill/>
+        </p:spPr>
+        <p:txBody>
+          <a:bodyPr wrap="square" rtlCol="0">
+            <a:spAutoFit/>
+          </a:bodyPr>
+          <a:lstStyle/>
+          <a:p>
+            <a:r>
+              <a:rPr lang="en-US" dirty="0">
+                <a:solidFill>
+                  <a:srgbClr val="C00000"/>
+                </a:solidFill>
+              </a:rPr>
+              <a:t>Currently CDS-only</a:t>
+            </a:r>
+          </a:p>
+        </p:txBody>
+      </p:sp>
+      <p:sp>
+        <p:nvSpPr>
+          <p:cNvPr id="13" name="TextBox 12">
+            <a:extLst>
+              <a:ext uri="{FF2B5EF4-FFF2-40B4-BE49-F238E27FC236}">
+                <a16:creationId xmlns:a16="http://schemas.microsoft.com/office/drawing/2014/main" id="{844C2209-5A77-5C42-DA5A-D07767925E13}"/>
+              </a:ext>
+            </a:extLst>
+          </p:cNvPr>
+          <p:cNvSpPr txBox="1"/>
+          <p:nvPr/>
+        </p:nvSpPr>
+        <p:spPr>
+          <a:xfrm>
+            <a:off x="7008429" y="4505208"/>
+            <a:ext cx="3695700" cy="646331"/>
+          </a:xfrm>
+          <a:prstGeom prst="rect">
+            <a:avLst/>
+          </a:prstGeom>
+          <a:noFill/>
+        </p:spPr>
+        <p:txBody>
+          <a:bodyPr wrap="square" rtlCol="0">
+            <a:spAutoFit/>
+          </a:bodyPr>
+          <a:lstStyle/>
+          <a:p>
+            <a:r>
+              <a:rPr lang="en-US" dirty="0">
+                <a:solidFill>
+                  <a:srgbClr val="C00000"/>
+                </a:solidFill>
+                <a:effectLst/>
+                <a:latin typeface="Helvetica Neue" panose="02000503000000020004" pitchFamily="2" charset="0"/>
+              </a:rPr>
+              <a:t>Breed specific n=639,848</a:t>
+            </a:r>
+          </a:p>
+          <a:p>
+            <a:r>
+              <a:rPr lang="en-US" dirty="0">
+                <a:solidFill>
+                  <a:srgbClr val="C00000"/>
+                </a:solidFill>
+                <a:effectLst/>
+                <a:latin typeface="Helvetica Neue" panose="02000503000000020004" pitchFamily="2" charset="0"/>
+              </a:rPr>
+              <a:t>Breed unique n=249,455</a:t>
+            </a:r>
+          </a:p>
+        </p:txBody>
+      </p:sp>
+      <p:sp>
+        <p:nvSpPr>
+          <p:cNvPr id="14" name="TextBox 13">
+            <a:extLst>
+              <a:ext uri="{FF2B5EF4-FFF2-40B4-BE49-F238E27FC236}">
+                <a16:creationId xmlns:a16="http://schemas.microsoft.com/office/drawing/2014/main" id="{548B7B06-9563-8409-D399-C6951E09B85E}"/>
+              </a:ext>
+            </a:extLst>
+          </p:cNvPr>
+          <p:cNvSpPr txBox="1"/>
+          <p:nvPr/>
+        </p:nvSpPr>
+        <p:spPr>
+          <a:xfrm>
+            <a:off x="108074" y="6133964"/>
+            <a:ext cx="11459874" cy="646331"/>
+          </a:xfrm>
+          <a:prstGeom prst="rect">
+            <a:avLst/>
+          </a:prstGeom>
+          <a:noFill/>
+        </p:spPr>
+        <p:txBody>
+          <a:bodyPr wrap="square" rtlCol="0">
+            <a:spAutoFit/>
+          </a:bodyPr>
+          <a:lstStyle/>
+          <a:p>
+            <a:pPr marL="285750" indent="-285750">
+              <a:buFont typeface="Wingdings" pitchFamily="2" charset="2"/>
+              <a:buChar char="ü"/>
+            </a:pPr>
+            <a:r>
+              <a:rPr lang="en-US" dirty="0"/>
+              <a:t>Result files under </a:t>
+            </a:r>
+            <a:r>
+              <a:rPr lang="en-US" u="sng" dirty="0"/>
+              <a:t>results/WGS</a:t>
+            </a:r>
+            <a:r>
+              <a:rPr lang="en-US" dirty="0"/>
+              <a:t> </a:t>
+            </a:r>
+          </a:p>
+          <a:p>
+            <a:pPr marL="285750" indent="-285750">
+              <a:buFont typeface="Wingdings" pitchFamily="2" charset="2"/>
+              <a:buChar char="ü"/>
+            </a:pPr>
+            <a:r>
+              <a:rPr lang="en-US" dirty="0"/>
+              <a:t>Codes under </a:t>
+            </a:r>
+            <a:r>
+              <a:rPr lang="en-US" u="sng" dirty="0"/>
+              <a:t>scripts/</a:t>
+            </a:r>
+            <a:r>
+              <a:rPr lang="en-US" u="sng" dirty="0" err="1"/>
+              <a:t>wgs</a:t>
+            </a:r>
+            <a:endParaRPr lang="en-US" u="sng" dirty="0"/>
+          </a:p>
+        </p:txBody>
+      </p:sp>
+    </p:spTree>
+    <p:extLst>
+      <p:ext uri="{BB962C8B-B14F-4D97-AF65-F5344CB8AC3E}">
+        <p14:creationId xmlns:p14="http://schemas.microsoft.com/office/powerpoint/2010/main" val="2738581143"/>
+      </p:ext>
+    </p:extLst>
+  </p:cSld>
+  <p:clrMapOvr>
+    <a:masterClrMapping/>
+  </p:clrMapOvr>
+</p:sld>
+</file>
+
+<file path=ppt/slides/slide14.xml><?xml version="1.0" encoding="utf-8"?>
+<p:sld xmlns:a="http://schemas.openxmlformats.org/drawingml/2006/main" xmlns:r="http://schemas.openxmlformats.org/officeDocument/2006/relationships" xmlns:p="http://schemas.openxmlformats.org/presentationml/2006/main">
+  <p:cSld>
+    <p:spTree>
+      <p:nvGrpSpPr>
+        <p:cNvPr id="1" name=""/>
+        <p:cNvGrpSpPr/>
+        <p:nvPr/>
+      </p:nvGrpSpPr>
+      <p:grpSpPr>
+        <a:xfrm>
+          <a:off x="0" y="0"/>
+          <a:ext cx="0" cy="0"/>
+          <a:chOff x="0" y="0"/>
+          <a:chExt cx="0" cy="0"/>
+        </a:xfrm>
+      </p:grpSpPr>
+      <p:sp>
+        <p:nvSpPr>
           <p:cNvPr id="2" name="Title 1">
             <a:extLst>
               <a:ext uri="{FF2B5EF4-FFF2-40B4-BE49-F238E27FC236}">
@@ -3973,6 +4789,104 @@
     <p:extLst>
       <p:ext uri="{BB962C8B-B14F-4D97-AF65-F5344CB8AC3E}">
         <p14:creationId xmlns:p14="http://schemas.microsoft.com/office/powerpoint/2010/main" val="3404486992"/>
+      </p:ext>
+    </p:extLst>
+  </p:cSld>
+  <p:clrMapOvr>
+    <a:masterClrMapping/>
+  </p:clrMapOvr>
+</p:sld>
+</file>
+
+<file path=ppt/slides/slide15.xml><?xml version="1.0" encoding="utf-8"?>
+<p:sld xmlns:a="http://schemas.openxmlformats.org/drawingml/2006/main" xmlns:r="http://schemas.openxmlformats.org/officeDocument/2006/relationships" xmlns:p="http://schemas.openxmlformats.org/presentationml/2006/main">
+  <p:cSld>
+    <p:spTree>
+      <p:nvGrpSpPr>
+        <p:cNvPr id="1" name=""/>
+        <p:cNvGrpSpPr/>
+        <p:nvPr/>
+      </p:nvGrpSpPr>
+      <p:grpSpPr>
+        <a:xfrm>
+          <a:off x="0" y="0"/>
+          <a:ext cx="0" cy="0"/>
+          <a:chOff x="0" y="0"/>
+          <a:chExt cx="0" cy="0"/>
+        </a:xfrm>
+      </p:grpSpPr>
+      <p:sp>
+        <p:nvSpPr>
+          <p:cNvPr id="2" name="Title 1">
+            <a:extLst>
+              <a:ext uri="{FF2B5EF4-FFF2-40B4-BE49-F238E27FC236}">
+                <a16:creationId xmlns:a16="http://schemas.microsoft.com/office/drawing/2014/main" id="{C5A47F5D-00E2-63F7-B6E8-E18E90518CF1}"/>
+              </a:ext>
+            </a:extLst>
+          </p:cNvPr>
+          <p:cNvSpPr>
+            <a:spLocks noGrp="1"/>
+          </p:cNvSpPr>
+          <p:nvPr>
+            <p:ph type="title"/>
+          </p:nvPr>
+        </p:nvSpPr>
+        <p:spPr/>
+        <p:txBody>
+          <a:bodyPr/>
+          <a:lstStyle/>
+          <a:p>
+            <a:r>
+              <a:rPr lang="en-US" dirty="0"/>
+              <a:t>Future directions</a:t>
+            </a:r>
+          </a:p>
+        </p:txBody>
+      </p:sp>
+      <p:sp>
+        <p:nvSpPr>
+          <p:cNvPr id="3" name="Content Placeholder 2">
+            <a:extLst>
+              <a:ext uri="{FF2B5EF4-FFF2-40B4-BE49-F238E27FC236}">
+                <a16:creationId xmlns:a16="http://schemas.microsoft.com/office/drawing/2014/main" id="{BF177C08-7073-53FC-C281-08373BFF12EE}"/>
+              </a:ext>
+            </a:extLst>
+          </p:cNvPr>
+          <p:cNvSpPr>
+            <a:spLocks noGrp="1"/>
+          </p:cNvSpPr>
+          <p:nvPr>
+            <p:ph idx="1"/>
+          </p:nvPr>
+        </p:nvSpPr>
+        <p:spPr/>
+        <p:txBody>
+          <a:bodyPr/>
+          <a:lstStyle/>
+          <a:p>
+            <a:r>
+              <a:rPr lang="en-US" dirty="0"/>
+              <a:t>Long-term goal: Conduct breed prediction/validation on as much dog breeds as possible.</a:t>
+            </a:r>
+          </a:p>
+          <a:p>
+            <a:r>
+              <a:rPr lang="en-US" dirty="0"/>
+              <a:t>Keep adding future WES datasets to the breed prediction pipeline.</a:t>
+            </a:r>
+          </a:p>
+          <a:p>
+            <a:r>
+              <a:rPr lang="en-US" dirty="0"/>
+              <a:t>Use breed specific variants identified from Dog10K WGS data to classify unknown breed dogs in WES dataset.</a:t>
+            </a:r>
+          </a:p>
+        </p:txBody>
+      </p:sp>
+    </p:spTree>
+    <p:extLst>
+      <p:ext uri="{BB962C8B-B14F-4D97-AF65-F5344CB8AC3E}">
+        <p14:creationId xmlns:p14="http://schemas.microsoft.com/office/powerpoint/2010/main" val="65157360"/>
       </p:ext>
     </p:extLst>
   </p:cSld>
@@ -4020,7 +4934,10 @@
           <a:bodyPr/>
           <a:lstStyle/>
           <a:p>
-            <a:endParaRPr lang="en-US"/>
+            <a:r>
+              <a:rPr lang="en-US" dirty="0"/>
+              <a:t>Published breed prediction pipeline</a:t>
+            </a:r>
           </a:p>
         </p:txBody>
       </p:sp>
@@ -4075,7 +4992,7 @@
         </p:blipFill>
         <p:spPr>
           <a:xfrm>
-            <a:off x="7262183" y="4039930"/>
+            <a:off x="7196279" y="1690688"/>
             <a:ext cx="4773299" cy="2452945"/>
           </a:xfrm>
           <a:prstGeom prst="rect">
@@ -4097,7 +5014,7 @@
         </p:nvSpPr>
         <p:spPr>
           <a:xfrm>
-            <a:off x="7574693" y="2505670"/>
+            <a:off x="7262183" y="4342867"/>
             <a:ext cx="3435178" cy="923330"/>
           </a:xfrm>
           <a:prstGeom prst="rect">
@@ -4182,7 +5099,7 @@
         </p:blipFill>
         <p:spPr>
           <a:xfrm>
-            <a:off x="5263284" y="493240"/>
+            <a:off x="2373969" y="314564"/>
             <a:ext cx="6375203" cy="5871519"/>
           </a:xfrm>
           <a:prstGeom prst="rect">
@@ -4190,51 +5107,21 @@
           </a:prstGeom>
         </p:spPr>
       </p:pic>
-      <p:pic>
-        <p:nvPicPr>
-          <p:cNvPr id="14" name="Picture 13" descr="A screenshot of a computer&#10;&#10;Description automatically generated">
-            <a:extLst>
-              <a:ext uri="{FF2B5EF4-FFF2-40B4-BE49-F238E27FC236}">
-                <a16:creationId xmlns:a16="http://schemas.microsoft.com/office/drawing/2014/main" id="{00EE52A5-D238-5A0E-430D-3AC996A343E8}"/>
-              </a:ext>
-            </a:extLst>
-          </p:cNvPr>
-          <p:cNvPicPr>
-            <a:picLocks noChangeAspect="1"/>
-          </p:cNvPicPr>
+      <p:sp>
+        <p:nvSpPr>
+          <p:cNvPr id="15" name="TextBox 14">
+            <a:extLst>
+              <a:ext uri="{FF2B5EF4-FFF2-40B4-BE49-F238E27FC236}">
+                <a16:creationId xmlns:a16="http://schemas.microsoft.com/office/drawing/2014/main" id="{8BA38127-B1D1-34DD-4006-CB32E6347149}"/>
+              </a:ext>
+            </a:extLst>
+          </p:cNvPr>
+          <p:cNvSpPr txBox="1"/>
           <p:nvPr/>
-        </p:nvPicPr>
-        <p:blipFill>
-          <a:blip r:embed="rId4"/>
-          <a:stretch>
-            <a:fillRect/>
-          </a:stretch>
-        </p:blipFill>
+        </p:nvSpPr>
         <p:spPr>
           <a:xfrm>
-            <a:off x="386713" y="3798332"/>
-            <a:ext cx="4773299" cy="2452945"/>
-          </a:xfrm>
-          <a:prstGeom prst="rect">
-            <a:avLst/>
-          </a:prstGeom>
-        </p:spPr>
-      </p:pic>
-      <p:sp>
-        <p:nvSpPr>
-          <p:cNvPr id="15" name="TextBox 14">
-            <a:extLst>
-              <a:ext uri="{FF2B5EF4-FFF2-40B4-BE49-F238E27FC236}">
-                <a16:creationId xmlns:a16="http://schemas.microsoft.com/office/drawing/2014/main" id="{8BA38127-B1D1-34DD-4006-CB32E6347149}"/>
-              </a:ext>
-            </a:extLst>
-          </p:cNvPr>
-          <p:cNvSpPr txBox="1"/>
-          <p:nvPr/>
-        </p:nvSpPr>
-        <p:spPr>
-          <a:xfrm>
-            <a:off x="567681" y="3429000"/>
+            <a:off x="3890319" y="6358770"/>
             <a:ext cx="4411362" cy="369332"/>
           </a:xfrm>
           <a:prstGeom prst="rect">
@@ -4321,7 +5208,7 @@
           <a:p>
             <a:r>
               <a:rPr lang="en-US" dirty="0"/>
-              <a:t>Outline</a:t>
+              <a:t>Overview</a:t>
             </a:r>
           </a:p>
         </p:txBody>
@@ -4347,22 +5234,92 @@
           <a:bodyPr/>
           <a:lstStyle/>
           <a:p>
+            <a:r>
+              <a:rPr lang="en-US" dirty="0"/>
+              <a:t>Results sections:</a:t>
+            </a:r>
+          </a:p>
+          <a:p>
+            <a:pPr lvl="1"/>
             <a:r>
               <a:rPr lang="en-US" dirty="0"/>
               <a:t>Expand WES datasets for breed prediction pipeline.</a:t>
             </a:r>
           </a:p>
           <a:p>
+            <a:pPr lvl="1"/>
             <a:r>
               <a:rPr lang="en-US" dirty="0"/>
               <a:t>Apply phylogenetic methods using germline variants from WES data.</a:t>
             </a:r>
           </a:p>
           <a:p>
+            <a:pPr lvl="1"/>
             <a:r>
               <a:rPr lang="en-US" dirty="0"/>
               <a:t>Identify breed specific variants from WGS SNPs (Dog10K data).</a:t>
             </a:r>
+          </a:p>
+          <a:p>
+            <a:r>
+              <a:rPr lang="en-US" dirty="0"/>
+              <a:t>All codes/results are available on </a:t>
+            </a:r>
+            <a:r>
+              <a:rPr lang="en-US" dirty="0" err="1"/>
+              <a:t>Github</a:t>
+            </a:r>
+            <a:r>
+              <a:rPr lang="en-US" dirty="0"/>
+              <a:t>/Google drive.</a:t>
+            </a:r>
+          </a:p>
+          <a:p>
+            <a:pPr lvl="1"/>
+            <a:r>
+              <a:rPr lang="en-US" dirty="0"/>
+              <a:t>https://</a:t>
+            </a:r>
+            <a:r>
+              <a:rPr lang="en-US" dirty="0" err="1"/>
+              <a:t>github.com</a:t>
+            </a:r>
+            <a:r>
+              <a:rPr lang="en-US" dirty="0"/>
+              <a:t>/JingxuanChen7/</a:t>
+            </a:r>
+            <a:r>
+              <a:rPr lang="en-US" dirty="0" err="1"/>
+              <a:t>canine_tumor_wes</a:t>
+            </a:r>
+            <a:endParaRPr lang="en-US" dirty="0"/>
+          </a:p>
+          <a:p>
+            <a:pPr lvl="1"/>
+            <a:r>
+              <a:rPr lang="en-US" dirty="0"/>
+              <a:t>https://</a:t>
+            </a:r>
+            <a:r>
+              <a:rPr lang="en-US" dirty="0" err="1"/>
+              <a:t>drive.google.com</a:t>
+            </a:r>
+            <a:r>
+              <a:rPr lang="en-US" dirty="0"/>
+              <a:t>/drive/folders/1--zGLInuDFIIvo7c6-6qVdu9Rp0qwulQ?usp=sharing</a:t>
+            </a:r>
+          </a:p>
+          <a:p>
+            <a:r>
+              <a:rPr lang="en-US" dirty="0"/>
+              <a:t>Future directions.</a:t>
+            </a:r>
+          </a:p>
+          <a:p>
+            <a:pPr marL="457200" lvl="1" indent="0">
+              <a:buNone/>
+            </a:pPr>
+            <a:endParaRPr lang="en-US" dirty="0"/>
           </a:p>
         </p:txBody>
       </p:sp>
@@ -4517,7 +5474,7 @@
           <p:nvPr/>
         </p:nvPicPr>
         <p:blipFill>
-          <a:blip r:embed="rId2"/>
+          <a:blip r:embed="rId3"/>
           <a:stretch>
             <a:fillRect/>
           </a:stretch>
@@ -4754,6 +5711,160 @@
           <a:p>
             <a:pPr algn="ctr"/>
             <a:endParaRPr lang="en-US"/>
+          </a:p>
+        </p:txBody>
+      </p:sp>
+      <p:sp>
+        <p:nvSpPr>
+          <p:cNvPr id="11" name="TextBox 10">
+            <a:extLst>
+              <a:ext uri="{FF2B5EF4-FFF2-40B4-BE49-F238E27FC236}">
+                <a16:creationId xmlns:a16="http://schemas.microsoft.com/office/drawing/2014/main" id="{925DBEA1-FD67-8D09-095D-047427CDBF26}"/>
+              </a:ext>
+            </a:extLst>
+          </p:cNvPr>
+          <p:cNvSpPr txBox="1"/>
+          <p:nvPr/>
+        </p:nvSpPr>
+        <p:spPr>
+          <a:xfrm>
+            <a:off x="108074" y="5615008"/>
+            <a:ext cx="6797223" cy="1200329"/>
+          </a:xfrm>
+          <a:prstGeom prst="rect">
+            <a:avLst/>
+          </a:prstGeom>
+          <a:noFill/>
+        </p:spPr>
+        <p:txBody>
+          <a:bodyPr wrap="square" rtlCol="0">
+            <a:spAutoFit/>
+          </a:bodyPr>
+          <a:lstStyle/>
+          <a:p>
+            <a:pPr marL="285750" indent="-285750">
+              <a:buFont typeface="Wingdings" pitchFamily="2" charset="2"/>
+              <a:buChar char="ü"/>
+            </a:pPr>
+            <a:r>
+              <a:rPr lang="en-US" dirty="0"/>
+              <a:t>Result files under </a:t>
+            </a:r>
+            <a:r>
+              <a:rPr lang="en-US" u="sng" dirty="0"/>
+              <a:t>results/QC</a:t>
+            </a:r>
+            <a:r>
+              <a:rPr lang="en-US" dirty="0"/>
+              <a:t> and </a:t>
+            </a:r>
+            <a:r>
+              <a:rPr lang="en-US" u="sng" dirty="0"/>
+              <a:t>results/</a:t>
+            </a:r>
+            <a:r>
+              <a:rPr lang="en-US" u="sng" dirty="0" err="1"/>
+              <a:t>breed_prediction</a:t>
+            </a:r>
+            <a:endParaRPr lang="en-US" u="sng" dirty="0"/>
+          </a:p>
+          <a:p>
+            <a:pPr marL="285750" indent="-285750">
+              <a:buFont typeface="Wingdings" pitchFamily="2" charset="2"/>
+              <a:buChar char="ü"/>
+            </a:pPr>
+            <a:r>
+              <a:rPr lang="en-US" dirty="0"/>
+              <a:t>Codes under </a:t>
+            </a:r>
+            <a:r>
+              <a:rPr lang="en-US" u="sng" dirty="0"/>
+              <a:t>scripts/</a:t>
+            </a:r>
+            <a:r>
+              <a:rPr lang="en-US" u="sng" dirty="0" err="1"/>
+              <a:t>per_case</a:t>
+            </a:r>
+            <a:r>
+              <a:rPr lang="en-US" dirty="0"/>
+              <a:t>, </a:t>
+            </a:r>
+            <a:r>
+              <a:rPr lang="en-US" u="sng" dirty="0"/>
+              <a:t>scripts/</a:t>
+            </a:r>
+            <a:r>
+              <a:rPr lang="en-US" u="sng" dirty="0" err="1"/>
+              <a:t>sum_cases</a:t>
+            </a:r>
+            <a:r>
+              <a:rPr lang="en-US" dirty="0"/>
+              <a:t>, </a:t>
+            </a:r>
+            <a:r>
+              <a:rPr lang="en-US" u="sng" dirty="0"/>
+              <a:t>scripts/qc</a:t>
+            </a:r>
+            <a:r>
+              <a:rPr lang="en-US" dirty="0"/>
+              <a:t>, </a:t>
+            </a:r>
+            <a:r>
+              <a:rPr lang="en-US" u="sng" dirty="0"/>
+              <a:t>scripts/</a:t>
+            </a:r>
+            <a:r>
+              <a:rPr lang="en-US" u="sng" dirty="0" err="1"/>
+              <a:t>breed_prediction</a:t>
+            </a:r>
+            <a:endParaRPr lang="en-US" u="sng" dirty="0"/>
+          </a:p>
+          <a:p>
+            <a:pPr marL="285750" indent="-285750">
+              <a:buFont typeface="Wingdings" pitchFamily="2" charset="2"/>
+              <a:buChar char="ü"/>
+            </a:pPr>
+            <a:r>
+              <a:rPr lang="en-US" dirty="0"/>
+              <a:t>Individual VCFs backed up on cluster </a:t>
+            </a:r>
+            <a:r>
+              <a:rPr lang="en-US" b="0" i="0" u="sng" dirty="0">
+                <a:solidFill>
+                  <a:srgbClr val="1F2328"/>
+                </a:solidFill>
+                <a:effectLst/>
+              </a:rPr>
+              <a:t>/project/</a:t>
+            </a:r>
+            <a:r>
+              <a:rPr lang="en-US" b="0" i="0" u="sng" dirty="0" err="1">
+                <a:solidFill>
+                  <a:srgbClr val="1F2328"/>
+                </a:solidFill>
+                <a:effectLst/>
+              </a:rPr>
+              <a:t>szlab</a:t>
+            </a:r>
+            <a:r>
+              <a:rPr lang="en-US" b="0" i="0" u="sng" dirty="0">
+                <a:solidFill>
+                  <a:srgbClr val="1F2328"/>
+                </a:solidFill>
+                <a:effectLst/>
+              </a:rPr>
+              <a:t>/</a:t>
+            </a:r>
+            <a:r>
+              <a:rPr lang="en-US" b="0" i="0" u="sng" dirty="0" err="1">
+                <a:solidFill>
+                  <a:srgbClr val="1F2328"/>
+                </a:solidFill>
+                <a:effectLst/>
+              </a:rPr>
+              <a:t>Jingxuan_Chen</a:t>
+            </a:r>
+            <a:endParaRPr lang="en-US" u="sng" dirty="0"/>
           </a:p>
         </p:txBody>
       </p:sp>
@@ -5290,7 +6401,7 @@
         <p:spPr>
           <a:xfrm>
             <a:off x="838200" y="-41007"/>
-            <a:ext cx="10515600" cy="1325563"/>
+            <a:ext cx="10796752" cy="1325563"/>
           </a:xfrm>
         </p:spPr>
         <p:txBody>
@@ -5299,7 +6410,7 @@
           <a:p>
             <a:r>
               <a:rPr lang="en-US" dirty="0"/>
-              <a:t>Breed prediction pipeline</a:t>
+              <a:t>Breed prediction with expanded WES datasets</a:t>
             </a:r>
           </a:p>
         </p:txBody>
@@ -5492,7 +6603,7 @@
         </p:nvSpPr>
         <p:spPr>
           <a:xfrm>
-            <a:off x="624051" y="-152615"/>
+            <a:off x="624051" y="-340791"/>
             <a:ext cx="10943897" cy="1325563"/>
           </a:xfrm>
         </p:spPr>
@@ -5531,8 +6642,8 @@
         </p:blipFill>
         <p:spPr>
           <a:xfrm>
-            <a:off x="2078422" y="863237"/>
-            <a:ext cx="7772400" cy="5776783"/>
+            <a:off x="2383222" y="733791"/>
+            <a:ext cx="7252563" cy="5390418"/>
           </a:xfrm>
           <a:prstGeom prst="rect">
             <a:avLst/>
@@ -5553,7 +6664,7 @@
         </p:nvSpPr>
         <p:spPr>
           <a:xfrm>
-            <a:off x="89665" y="4135297"/>
+            <a:off x="278854" y="3687344"/>
             <a:ext cx="4208735" cy="646331"/>
           </a:xfrm>
           <a:prstGeom prst="rect">
@@ -5616,7 +6727,7 @@
         </p:nvSpPr>
         <p:spPr>
           <a:xfrm>
-            <a:off x="8324520" y="4224635"/>
+            <a:off x="8292988" y="3685199"/>
             <a:ext cx="4208735" cy="646331"/>
           </a:xfrm>
           <a:prstGeom prst="rect">
@@ -5679,7 +6790,7 @@
         </p:nvCxnSpPr>
         <p:spPr>
           <a:xfrm flipH="1" flipV="1">
-            <a:off x="1566041" y="4870966"/>
+            <a:off x="1760483" y="4339123"/>
             <a:ext cx="512381" cy="468289"/>
           </a:xfrm>
           <a:prstGeom prst="straightConnector1">
@@ -5723,7 +6834,7 @@
         </p:nvCxnSpPr>
         <p:spPr>
           <a:xfrm flipV="1">
-            <a:off x="9919136" y="4889069"/>
+            <a:off x="9746143" y="4339123"/>
             <a:ext cx="388883" cy="378951"/>
           </a:xfrm>
           <a:prstGeom prst="straightConnector1">
@@ -5751,6 +6862,67 @@
           </a:fontRef>
         </p:style>
       </p:cxnSp>
+      <p:sp>
+        <p:nvSpPr>
+          <p:cNvPr id="13" name="TextBox 12">
+            <a:extLst>
+              <a:ext uri="{FF2B5EF4-FFF2-40B4-BE49-F238E27FC236}">
+                <a16:creationId xmlns:a16="http://schemas.microsoft.com/office/drawing/2014/main" id="{944ADDB7-48AE-5BC1-C51C-B50D7B0AEE80}"/>
+              </a:ext>
+            </a:extLst>
+          </p:cNvPr>
+          <p:cNvSpPr txBox="1"/>
+          <p:nvPr/>
+        </p:nvSpPr>
+        <p:spPr>
+          <a:xfrm>
+            <a:off x="108074" y="6133964"/>
+            <a:ext cx="11459874" cy="646331"/>
+          </a:xfrm>
+          <a:prstGeom prst="rect">
+            <a:avLst/>
+          </a:prstGeom>
+          <a:noFill/>
+        </p:spPr>
+        <p:txBody>
+          <a:bodyPr wrap="square" rtlCol="0">
+            <a:spAutoFit/>
+          </a:bodyPr>
+          <a:lstStyle/>
+          <a:p>
+            <a:pPr marL="285750" indent="-285750">
+              <a:buFont typeface="Wingdings" pitchFamily="2" charset="2"/>
+              <a:buChar char="ü"/>
+            </a:pPr>
+            <a:r>
+              <a:rPr lang="en-US" dirty="0"/>
+              <a:t>Result files under </a:t>
+            </a:r>
+            <a:r>
+              <a:rPr lang="en-US" u="sng" dirty="0"/>
+              <a:t>results/phylogenetics</a:t>
+            </a:r>
+            <a:r>
+              <a:rPr lang="en-US" dirty="0"/>
+              <a:t> </a:t>
+            </a:r>
+          </a:p>
+          <a:p>
+            <a:pPr marL="285750" indent="-285750">
+              <a:buFont typeface="Wingdings" pitchFamily="2" charset="2"/>
+              <a:buChar char="ü"/>
+            </a:pPr>
+            <a:r>
+              <a:rPr lang="en-US" dirty="0"/>
+              <a:t>Codes under </a:t>
+            </a:r>
+            <a:r>
+              <a:rPr lang="en-US" u="sng" dirty="0"/>
+              <a:t>scripts/phylogenetic</a:t>
+            </a:r>
+          </a:p>
+        </p:txBody>
+      </p:sp>
     </p:spTree>
     <p:extLst>
       <p:ext uri="{BB962C8B-B14F-4D97-AF65-F5344CB8AC3E}">
@@ -5830,7 +7002,7 @@
         <p:spPr>
           <a:xfrm>
             <a:off x="248270" y="-12526"/>
-            <a:ext cx="6590941" cy="1325563"/>
+            <a:ext cx="6068447" cy="1325563"/>
           </a:xfrm>
         </p:spPr>
         <p:txBody>
@@ -5841,7 +7013,7 @@
           <a:p>
             <a:r>
               <a:rPr lang="en-US" sz="3200" dirty="0"/>
-              <a:t>Clustering of variants in CDS region</a:t>
+              <a:t>Clustering of all variants in CDS region</a:t>
             </a:r>
           </a:p>
         </p:txBody>
@@ -5861,7 +7033,7 @@
         <p:spPr>
           <a:xfrm>
             <a:off x="463463" y="1427967"/>
-            <a:ext cx="4672208" cy="923330"/>
+            <a:ext cx="4672208" cy="2246769"/>
           </a:xfrm>
           <a:prstGeom prst="rect">
             <a:avLst/>
@@ -5879,8 +7051,8 @@
               <a:buChar char="•"/>
             </a:pPr>
             <a:r>
-              <a:rPr lang="en-US" dirty="0"/>
-              <a:t>Rooted with Shih Tzu.</a:t>
+              <a:rPr lang="en-US" sz="2000" dirty="0"/>
+              <a:t>Samples for 12 breeds.</a:t>
             </a:r>
           </a:p>
           <a:p>
@@ -5889,8 +7061,28 @@
               <a:buChar char="•"/>
             </a:pPr>
             <a:r>
-              <a:rPr lang="en-US" dirty="0"/>
-              <a:t>Essentially all 12 breed cluster as expected, except for Poodle</a:t>
+              <a:rPr lang="en-US" sz="2000" dirty="0"/>
+              <a:t>Rooted with Shih Tzu.</a:t>
+            </a:r>
+          </a:p>
+          <a:p>
+            <a:pPr marL="285750" indent="-285750">
+              <a:buFont typeface="Arial" panose="020B0604020202020204" pitchFamily="34" charset="0"/>
+              <a:buChar char="•"/>
+            </a:pPr>
+            <a:r>
+              <a:rPr lang="en-US" sz="2000" dirty="0"/>
+              <a:t>Essentially all 12 breeds cluster as expected, except for Poodle.</a:t>
+            </a:r>
+          </a:p>
+          <a:p>
+            <a:pPr marL="285750" indent="-285750">
+              <a:buFont typeface="Arial" panose="020B0604020202020204" pitchFamily="34" charset="0"/>
+              <a:buChar char="•"/>
+            </a:pPr>
+            <a:r>
+              <a:rPr lang="en-US" sz="2000" dirty="0"/>
+              <a:t>“Doodle”: An extremely long branch of several “Poodle” and “Golden Retriever” dogs.</a:t>
             </a:r>
           </a:p>
         </p:txBody>

--- a/doc/LabMeeting120123.pptx
+++ b/doc/LabMeeting120123.pptx
@@ -5,24 +5,25 @@
     <p:sldMasterId id="2147483648" r:id="rId1"/>
   </p:sldMasterIdLst>
   <p:notesMasterIdLst>
-    <p:notesMasterId r:id="rId17"/>
+    <p:notesMasterId r:id="rId18"/>
   </p:notesMasterIdLst>
   <p:sldIdLst>
     <p:sldId id="256" r:id="rId2"/>
-    <p:sldId id="260" r:id="rId3"/>
-    <p:sldId id="263" r:id="rId4"/>
-    <p:sldId id="259" r:id="rId5"/>
+    <p:sldId id="259" r:id="rId3"/>
+    <p:sldId id="260" r:id="rId4"/>
+    <p:sldId id="263" r:id="rId5"/>
     <p:sldId id="261" r:id="rId6"/>
-    <p:sldId id="264" r:id="rId7"/>
-    <p:sldId id="257" r:id="rId8"/>
-    <p:sldId id="262" r:id="rId9"/>
-    <p:sldId id="265" r:id="rId10"/>
-    <p:sldId id="270" r:id="rId11"/>
-    <p:sldId id="266" r:id="rId12"/>
-    <p:sldId id="267" r:id="rId13"/>
-    <p:sldId id="268" r:id="rId14"/>
-    <p:sldId id="258" r:id="rId15"/>
-    <p:sldId id="269" r:id="rId16"/>
+    <p:sldId id="271" r:id="rId7"/>
+    <p:sldId id="264" r:id="rId8"/>
+    <p:sldId id="257" r:id="rId9"/>
+    <p:sldId id="262" r:id="rId10"/>
+    <p:sldId id="265" r:id="rId11"/>
+    <p:sldId id="270" r:id="rId12"/>
+    <p:sldId id="266" r:id="rId13"/>
+    <p:sldId id="267" r:id="rId14"/>
+    <p:sldId id="268" r:id="rId15"/>
+    <p:sldId id="258" r:id="rId16"/>
+    <p:sldId id="269" r:id="rId17"/>
   </p:sldIdLst>
   <p:sldSz cx="12192000" cy="6858000"/>
   <p:notesSz cx="6858000" cy="9144000"/>
@@ -211,7 +212,7 @@
           <a:p>
             <a:fld id="{C22E34D2-C1D4-2C46-B56D-11F190C8C041}" type="datetimeFigureOut">
               <a:rPr lang="en-US" smtClean="0"/>
-              <a:t>11/30/23</a:t>
+              <a:t>12/1/23</a:t>
             </a:fld>
             <a:endParaRPr lang="en-US"/>
           </a:p>
@@ -543,7 +544,7 @@
           <a:p>
             <a:fld id="{801A4F32-D78C-1641-9AC5-17632B90541F}" type="slidenum">
               <a:rPr lang="en-US" smtClean="0"/>
-              <a:t>3</a:t>
+              <a:t>4</a:t>
             </a:fld>
             <a:endParaRPr lang="en-US"/>
           </a:p>
@@ -793,7 +794,7 @@
           <a:p>
             <a:fld id="{D9CC8253-21D9-F941-8CE5-39B2D0EEE144}" type="datetimeFigureOut">
               <a:rPr lang="en-US" smtClean="0"/>
-              <a:t>11/30/23</a:t>
+              <a:t>12/1/23</a:t>
             </a:fld>
             <a:endParaRPr lang="en-US"/>
           </a:p>
@@ -991,7 +992,7 @@
           <a:p>
             <a:fld id="{D9CC8253-21D9-F941-8CE5-39B2D0EEE144}" type="datetimeFigureOut">
               <a:rPr lang="en-US" smtClean="0"/>
-              <a:t>11/30/23</a:t>
+              <a:t>12/1/23</a:t>
             </a:fld>
             <a:endParaRPr lang="en-US"/>
           </a:p>
@@ -1199,7 +1200,7 @@
           <a:p>
             <a:fld id="{D9CC8253-21D9-F941-8CE5-39B2D0EEE144}" type="datetimeFigureOut">
               <a:rPr lang="en-US" smtClean="0"/>
-              <a:t>11/30/23</a:t>
+              <a:t>12/1/23</a:t>
             </a:fld>
             <a:endParaRPr lang="en-US"/>
           </a:p>
@@ -1397,7 +1398,7 @@
           <a:p>
             <a:fld id="{D9CC8253-21D9-F941-8CE5-39B2D0EEE144}" type="datetimeFigureOut">
               <a:rPr lang="en-US" smtClean="0"/>
-              <a:t>11/30/23</a:t>
+              <a:t>12/1/23</a:t>
             </a:fld>
             <a:endParaRPr lang="en-US"/>
           </a:p>
@@ -1672,7 +1673,7 @@
           <a:p>
             <a:fld id="{D9CC8253-21D9-F941-8CE5-39B2D0EEE144}" type="datetimeFigureOut">
               <a:rPr lang="en-US" smtClean="0"/>
-              <a:t>11/30/23</a:t>
+              <a:t>12/1/23</a:t>
             </a:fld>
             <a:endParaRPr lang="en-US"/>
           </a:p>
@@ -1937,7 +1938,7 @@
           <a:p>
             <a:fld id="{D9CC8253-21D9-F941-8CE5-39B2D0EEE144}" type="datetimeFigureOut">
               <a:rPr lang="en-US" smtClean="0"/>
-              <a:t>11/30/23</a:t>
+              <a:t>12/1/23</a:t>
             </a:fld>
             <a:endParaRPr lang="en-US"/>
           </a:p>
@@ -2349,7 +2350,7 @@
           <a:p>
             <a:fld id="{D9CC8253-21D9-F941-8CE5-39B2D0EEE144}" type="datetimeFigureOut">
               <a:rPr lang="en-US" smtClean="0"/>
-              <a:t>11/30/23</a:t>
+              <a:t>12/1/23</a:t>
             </a:fld>
             <a:endParaRPr lang="en-US"/>
           </a:p>
@@ -2490,7 +2491,7 @@
           <a:p>
             <a:fld id="{D9CC8253-21D9-F941-8CE5-39B2D0EEE144}" type="datetimeFigureOut">
               <a:rPr lang="en-US" smtClean="0"/>
-              <a:t>11/30/23</a:t>
+              <a:t>12/1/23</a:t>
             </a:fld>
             <a:endParaRPr lang="en-US"/>
           </a:p>
@@ -2603,7 +2604,7 @@
           <a:p>
             <a:fld id="{D9CC8253-21D9-F941-8CE5-39B2D0EEE144}" type="datetimeFigureOut">
               <a:rPr lang="en-US" smtClean="0"/>
-              <a:t>11/30/23</a:t>
+              <a:t>12/1/23</a:t>
             </a:fld>
             <a:endParaRPr lang="en-US"/>
           </a:p>
@@ -2914,7 +2915,7 @@
           <a:p>
             <a:fld id="{D9CC8253-21D9-F941-8CE5-39B2D0EEE144}" type="datetimeFigureOut">
               <a:rPr lang="en-US" smtClean="0"/>
-              <a:t>11/30/23</a:t>
+              <a:t>12/1/23</a:t>
             </a:fld>
             <a:endParaRPr lang="en-US"/>
           </a:p>
@@ -3202,7 +3203,7 @@
           <a:p>
             <a:fld id="{D9CC8253-21D9-F941-8CE5-39B2D0EEE144}" type="datetimeFigureOut">
               <a:rPr lang="en-US" smtClean="0"/>
-              <a:t>11/30/23</a:t>
+              <a:t>12/1/23</a:t>
             </a:fld>
             <a:endParaRPr lang="en-US"/>
           </a:p>
@@ -3443,7 +3444,7 @@
           <a:p>
             <a:fld id="{D9CC8253-21D9-F941-8CE5-39B2D0EEE144}" type="datetimeFigureOut">
               <a:rPr lang="en-US" smtClean="0"/>
-              <a:t>11/30/23</a:t>
+              <a:t>12/1/23</a:t>
             </a:fld>
             <a:endParaRPr lang="en-US"/>
           </a:p>
@@ -3952,6 +3953,170 @@
           <a:chExt cx="0" cy="0"/>
         </a:xfrm>
       </p:grpSpPr>
+      <p:pic>
+        <p:nvPicPr>
+          <p:cNvPr id="6" name="Picture 5">
+            <a:extLst>
+              <a:ext uri="{FF2B5EF4-FFF2-40B4-BE49-F238E27FC236}">
+                <a16:creationId xmlns:a16="http://schemas.microsoft.com/office/drawing/2014/main" id="{BF9036ED-EDF5-8F64-9FFF-D8186487D003}"/>
+              </a:ext>
+            </a:extLst>
+          </p:cNvPr>
+          <p:cNvPicPr>
+            <a:picLocks noChangeAspect="1"/>
+          </p:cNvPicPr>
+          <p:nvPr/>
+        </p:nvPicPr>
+        <p:blipFill>
+          <a:blip r:embed="rId2"/>
+          <a:stretch>
+            <a:fillRect/>
+          </a:stretch>
+        </p:blipFill>
+        <p:spPr>
+          <a:xfrm>
+            <a:off x="5334000" y="0"/>
+            <a:ext cx="6858000" cy="6858000"/>
+          </a:xfrm>
+          <a:prstGeom prst="rect">
+            <a:avLst/>
+          </a:prstGeom>
+        </p:spPr>
+      </p:pic>
+      <p:sp>
+        <p:nvSpPr>
+          <p:cNvPr id="7" name="Title 1">
+            <a:extLst>
+              <a:ext uri="{FF2B5EF4-FFF2-40B4-BE49-F238E27FC236}">
+                <a16:creationId xmlns:a16="http://schemas.microsoft.com/office/drawing/2014/main" id="{AAF3AA68-1F1F-6E33-C9F7-BB6962B298AF}"/>
+              </a:ext>
+            </a:extLst>
+          </p:cNvPr>
+          <p:cNvSpPr>
+            <a:spLocks noGrp="1"/>
+          </p:cNvSpPr>
+          <p:nvPr>
+            <p:ph type="title"/>
+          </p:nvPr>
+        </p:nvSpPr>
+        <p:spPr>
+          <a:xfrm>
+            <a:off x="248270" y="-12526"/>
+            <a:ext cx="6068447" cy="1325563"/>
+          </a:xfrm>
+        </p:spPr>
+        <p:txBody>
+          <a:bodyPr>
+            <a:normAutofit/>
+          </a:bodyPr>
+          <a:lstStyle/>
+          <a:p>
+            <a:r>
+              <a:rPr lang="en-US" sz="3200" dirty="0"/>
+              <a:t>Clustering of all variants in CDS region</a:t>
+            </a:r>
+          </a:p>
+        </p:txBody>
+      </p:sp>
+      <p:sp>
+        <p:nvSpPr>
+          <p:cNvPr id="8" name="TextBox 7">
+            <a:extLst>
+              <a:ext uri="{FF2B5EF4-FFF2-40B4-BE49-F238E27FC236}">
+                <a16:creationId xmlns:a16="http://schemas.microsoft.com/office/drawing/2014/main" id="{3342146F-46FA-065A-F292-408BDA348A46}"/>
+              </a:ext>
+            </a:extLst>
+          </p:cNvPr>
+          <p:cNvSpPr txBox="1"/>
+          <p:nvPr/>
+        </p:nvSpPr>
+        <p:spPr>
+          <a:xfrm>
+            <a:off x="463463" y="1427967"/>
+            <a:ext cx="4672208" cy="2246769"/>
+          </a:xfrm>
+          <a:prstGeom prst="rect">
+            <a:avLst/>
+          </a:prstGeom>
+          <a:noFill/>
+        </p:spPr>
+        <p:txBody>
+          <a:bodyPr wrap="square" rtlCol="0">
+            <a:spAutoFit/>
+          </a:bodyPr>
+          <a:lstStyle/>
+          <a:p>
+            <a:pPr marL="285750" indent="-285750">
+              <a:buFont typeface="Arial" panose="020B0604020202020204" pitchFamily="34" charset="0"/>
+              <a:buChar char="•"/>
+            </a:pPr>
+            <a:r>
+              <a:rPr lang="en-US" sz="2000" dirty="0"/>
+              <a:t>Samples for 12 breeds.</a:t>
+            </a:r>
+          </a:p>
+          <a:p>
+            <a:pPr marL="285750" indent="-285750">
+              <a:buFont typeface="Arial" panose="020B0604020202020204" pitchFamily="34" charset="0"/>
+              <a:buChar char="•"/>
+            </a:pPr>
+            <a:r>
+              <a:rPr lang="en-US" sz="2000" dirty="0"/>
+              <a:t>Rooted with Shih Tzu.</a:t>
+            </a:r>
+          </a:p>
+          <a:p>
+            <a:pPr marL="285750" indent="-285750">
+              <a:buFont typeface="Arial" panose="020B0604020202020204" pitchFamily="34" charset="0"/>
+              <a:buChar char="•"/>
+            </a:pPr>
+            <a:r>
+              <a:rPr lang="en-US" sz="2000" dirty="0"/>
+              <a:t>Essentially all 12 breeds cluster as expected, except for Poodle.</a:t>
+            </a:r>
+          </a:p>
+          <a:p>
+            <a:pPr marL="285750" indent="-285750">
+              <a:buFont typeface="Arial" panose="020B0604020202020204" pitchFamily="34" charset="0"/>
+              <a:buChar char="•"/>
+            </a:pPr>
+            <a:r>
+              <a:rPr lang="en-US" sz="2000" dirty="0"/>
+              <a:t>“Doodle”: An extremely long branch of several “Poodle” and “Golden Retriever” dogs.</a:t>
+            </a:r>
+          </a:p>
+        </p:txBody>
+      </p:sp>
+    </p:spTree>
+    <p:extLst>
+      <p:ext uri="{BB962C8B-B14F-4D97-AF65-F5344CB8AC3E}">
+        <p14:creationId xmlns:p14="http://schemas.microsoft.com/office/powerpoint/2010/main" val="86365851"/>
+      </p:ext>
+    </p:extLst>
+  </p:cSld>
+  <p:clrMapOvr>
+    <a:masterClrMapping/>
+  </p:clrMapOvr>
+</p:sld>
+</file>
+
+<file path=ppt/slides/slide11.xml><?xml version="1.0" encoding="utf-8"?>
+<p:sld xmlns:a="http://schemas.openxmlformats.org/drawingml/2006/main" xmlns:r="http://schemas.openxmlformats.org/officeDocument/2006/relationships" xmlns:p="http://schemas.openxmlformats.org/presentationml/2006/main">
+  <p:cSld>
+    <p:spTree>
+      <p:nvGrpSpPr>
+        <p:cNvPr id="1" name=""/>
+        <p:cNvGrpSpPr/>
+        <p:nvPr/>
+      </p:nvGrpSpPr>
+      <p:grpSpPr>
+        <a:xfrm>
+          <a:off x="0" y="0"/>
+          <a:ext cx="0" cy="0"/>
+          <a:chOff x="0" y="0"/>
+          <a:chExt cx="0" cy="0"/>
+        </a:xfrm>
+      </p:grpSpPr>
       <p:sp>
         <p:nvSpPr>
           <p:cNvPr id="7" name="Title 1">
@@ -4109,7 +4274,7 @@
 </p:sld>
 </file>
 
-<file path=ppt/slides/slide11.xml><?xml version="1.0" encoding="utf-8"?>
+<file path=ppt/slides/slide12.xml><?xml version="1.0" encoding="utf-8"?>
 <p:sld xmlns:a="http://schemas.openxmlformats.org/drawingml/2006/main" xmlns:r="http://schemas.openxmlformats.org/officeDocument/2006/relationships" xmlns:p="http://schemas.openxmlformats.org/presentationml/2006/main">
   <p:cSld>
     <p:spTree>
@@ -4253,150 +4418,6 @@
     <p:extLst>
       <p:ext uri="{BB962C8B-B14F-4D97-AF65-F5344CB8AC3E}">
         <p14:creationId xmlns:p14="http://schemas.microsoft.com/office/powerpoint/2010/main" val="3733906963"/>
-      </p:ext>
-    </p:extLst>
-  </p:cSld>
-  <p:clrMapOvr>
-    <a:masterClrMapping/>
-  </p:clrMapOvr>
-</p:sld>
-</file>
-
-<file path=ppt/slides/slide12.xml><?xml version="1.0" encoding="utf-8"?>
-<p:sld xmlns:a="http://schemas.openxmlformats.org/drawingml/2006/main" xmlns:r="http://schemas.openxmlformats.org/officeDocument/2006/relationships" xmlns:p="http://schemas.openxmlformats.org/presentationml/2006/main">
-  <p:cSld>
-    <p:spTree>
-      <p:nvGrpSpPr>
-        <p:cNvPr id="1" name=""/>
-        <p:cNvGrpSpPr/>
-        <p:nvPr/>
-      </p:nvGrpSpPr>
-      <p:grpSpPr>
-        <a:xfrm>
-          <a:off x="0" y="0"/>
-          <a:ext cx="0" cy="0"/>
-          <a:chOff x="0" y="0"/>
-          <a:chExt cx="0" cy="0"/>
-        </a:xfrm>
-      </p:grpSpPr>
-      <p:sp>
-        <p:nvSpPr>
-          <p:cNvPr id="7" name="Title 1">
-            <a:extLst>
-              <a:ext uri="{FF2B5EF4-FFF2-40B4-BE49-F238E27FC236}">
-                <a16:creationId xmlns:a16="http://schemas.microsoft.com/office/drawing/2014/main" id="{AAF3AA68-1F1F-6E33-C9F7-BB6962B298AF}"/>
-              </a:ext>
-            </a:extLst>
-          </p:cNvPr>
-          <p:cNvSpPr>
-            <a:spLocks noGrp="1"/>
-          </p:cNvSpPr>
-          <p:nvPr>
-            <p:ph type="title"/>
-          </p:nvPr>
-        </p:nvSpPr>
-        <p:spPr>
-          <a:xfrm>
-            <a:off x="248271" y="-12526"/>
-            <a:ext cx="5006902" cy="1325563"/>
-          </a:xfrm>
-        </p:spPr>
-        <p:txBody>
-          <a:bodyPr>
-            <a:normAutofit/>
-          </a:bodyPr>
-          <a:lstStyle/>
-          <a:p>
-            <a:r>
-              <a:rPr lang="en-US" sz="3200" dirty="0"/>
-              <a:t>Clustering of breed specific variants</a:t>
-            </a:r>
-          </a:p>
-        </p:txBody>
-      </p:sp>
-      <p:pic>
-        <p:nvPicPr>
-          <p:cNvPr id="5" name="Picture 4">
-            <a:extLst>
-              <a:ext uri="{FF2B5EF4-FFF2-40B4-BE49-F238E27FC236}">
-                <a16:creationId xmlns:a16="http://schemas.microsoft.com/office/drawing/2014/main" id="{D0CE0872-E35D-FB57-AEF5-747416CC0B29}"/>
-              </a:ext>
-            </a:extLst>
-          </p:cNvPr>
-          <p:cNvPicPr>
-            <a:picLocks noChangeAspect="1"/>
-          </p:cNvPicPr>
-          <p:nvPr/>
-        </p:nvPicPr>
-        <p:blipFill>
-          <a:blip r:embed="rId2"/>
-          <a:stretch>
-            <a:fillRect/>
-          </a:stretch>
-        </p:blipFill>
-        <p:spPr>
-          <a:xfrm>
-            <a:off x="5486400" y="200335"/>
-            <a:ext cx="6457330" cy="6457330"/>
-          </a:xfrm>
-          <a:prstGeom prst="rect">
-            <a:avLst/>
-          </a:prstGeom>
-        </p:spPr>
-      </p:pic>
-      <p:sp>
-        <p:nvSpPr>
-          <p:cNvPr id="2" name="TextBox 1">
-            <a:extLst>
-              <a:ext uri="{FF2B5EF4-FFF2-40B4-BE49-F238E27FC236}">
-                <a16:creationId xmlns:a16="http://schemas.microsoft.com/office/drawing/2014/main" id="{3490B5C4-1B3C-E98B-4948-9BBD10E2E16A}"/>
-              </a:ext>
-            </a:extLst>
-          </p:cNvPr>
-          <p:cNvSpPr txBox="1"/>
-          <p:nvPr/>
-        </p:nvSpPr>
-        <p:spPr>
-          <a:xfrm>
-            <a:off x="463462" y="1427967"/>
-            <a:ext cx="4907323" cy="1323439"/>
-          </a:xfrm>
-          <a:prstGeom prst="rect">
-            <a:avLst/>
-          </a:prstGeom>
-          <a:noFill/>
-        </p:spPr>
-        <p:txBody>
-          <a:bodyPr wrap="square" rtlCol="0">
-            <a:spAutoFit/>
-          </a:bodyPr>
-          <a:lstStyle/>
-          <a:p>
-            <a:pPr marL="285750" indent="-285750">
-              <a:buFont typeface="Arial" panose="020B0604020202020204" pitchFamily="34" charset="0"/>
-              <a:buChar char="•"/>
-            </a:pPr>
-            <a:r>
-              <a:rPr lang="en-US" sz="2000" dirty="0"/>
-              <a:t>Samples for 12 breeds + unknown.</a:t>
-            </a:r>
-          </a:p>
-          <a:p>
-            <a:pPr marL="285750" indent="-285750">
-              <a:buFont typeface="Arial" panose="020B0604020202020204" pitchFamily="34" charset="0"/>
-              <a:buChar char="•"/>
-            </a:pPr>
-            <a:r>
-              <a:rPr lang="en-US" sz="2000" dirty="0"/>
-              <a:t>Cross-validation with breed validation/prediction results from VAF heatmap.</a:t>
-            </a:r>
-          </a:p>
-        </p:txBody>
-      </p:sp>
-    </p:spTree>
-    <p:extLst>
-      <p:ext uri="{BB962C8B-B14F-4D97-AF65-F5344CB8AC3E}">
-        <p14:creationId xmlns:p14="http://schemas.microsoft.com/office/powerpoint/2010/main" val="850361852"/>
       </p:ext>
     </p:extLst>
   </p:cSld>
@@ -4425,10 +4446,10 @@
       </p:grpSpPr>
       <p:sp>
         <p:nvSpPr>
-          <p:cNvPr id="2" name="Title 1">
-            <a:extLst>
-              <a:ext uri="{FF2B5EF4-FFF2-40B4-BE49-F238E27FC236}">
-                <a16:creationId xmlns:a16="http://schemas.microsoft.com/office/drawing/2014/main" id="{53FDAEA3-D74F-910A-2C3C-66C48276054E}"/>
+          <p:cNvPr id="7" name="Title 1">
+            <a:extLst>
+              <a:ext uri="{FF2B5EF4-FFF2-40B4-BE49-F238E27FC236}">
+                <a16:creationId xmlns:a16="http://schemas.microsoft.com/office/drawing/2014/main" id="{AAF3AA68-1F1F-6E33-C9F7-BB6962B298AF}"/>
               </a:ext>
             </a:extLst>
           </p:cNvPr>
@@ -4441,8 +4462,8 @@
         </p:nvSpPr>
         <p:spPr>
           <a:xfrm>
-            <a:off x="624051" y="-257718"/>
-            <a:ext cx="10943897" cy="1325563"/>
+            <a:off x="248271" y="-12526"/>
+            <a:ext cx="5006902" cy="1325563"/>
           </a:xfrm>
         </p:spPr>
         <p:txBody>
@@ -4453,17 +4474,17 @@
           <a:p>
             <a:r>
               <a:rPr lang="en-US" sz="3200" dirty="0"/>
-              <a:t>Identify breed specific variants from WGS SNPs (Dog10K) </a:t>
+              <a:t>Clustering of breed specific variants</a:t>
             </a:r>
           </a:p>
         </p:txBody>
       </p:sp>
       <p:pic>
         <p:nvPicPr>
-          <p:cNvPr id="4" name="Picture 3">
-            <a:extLst>
-              <a:ext uri="{FF2B5EF4-FFF2-40B4-BE49-F238E27FC236}">
-                <a16:creationId xmlns:a16="http://schemas.microsoft.com/office/drawing/2014/main" id="{13B26D6A-4D0C-8F37-0072-E33453B5B736}"/>
+          <p:cNvPr id="5" name="Picture 4">
+            <a:extLst>
+              <a:ext uri="{FF2B5EF4-FFF2-40B4-BE49-F238E27FC236}">
+                <a16:creationId xmlns:a16="http://schemas.microsoft.com/office/drawing/2014/main" id="{D0CE0872-E35D-FB57-AEF5-747416CC0B29}"/>
               </a:ext>
             </a:extLst>
           </p:cNvPr>
@@ -4480,8 +4501,8 @@
         </p:blipFill>
         <p:spPr>
           <a:xfrm>
-            <a:off x="2366360" y="769967"/>
-            <a:ext cx="5632012" cy="5323565"/>
+            <a:off x="5486400" y="200335"/>
+            <a:ext cx="6457330" cy="6457330"/>
           </a:xfrm>
           <a:prstGeom prst="rect">
             <a:avLst/>
@@ -4490,10 +4511,10 @@
       </p:pic>
       <p:sp>
         <p:nvSpPr>
-          <p:cNvPr id="8" name="TextBox 7">
-            <a:extLst>
-              <a:ext uri="{FF2B5EF4-FFF2-40B4-BE49-F238E27FC236}">
-                <a16:creationId xmlns:a16="http://schemas.microsoft.com/office/drawing/2014/main" id="{F3A3DD67-75A8-C511-6DEA-4D5E435DCD5A}"/>
+          <p:cNvPr id="2" name="TextBox 1">
+            <a:extLst>
+              <a:ext uri="{FF2B5EF4-FFF2-40B4-BE49-F238E27FC236}">
+                <a16:creationId xmlns:a16="http://schemas.microsoft.com/office/drawing/2014/main" id="{3490B5C4-1B3C-E98B-4948-9BBD10E2E16A}"/>
               </a:ext>
             </a:extLst>
           </p:cNvPr>
@@ -4502,8 +4523,8 @@
         </p:nvSpPr>
         <p:spPr>
           <a:xfrm>
-            <a:off x="7618466" y="5640609"/>
-            <a:ext cx="2017987" cy="369332"/>
+            <a:off x="463462" y="1427967"/>
+            <a:ext cx="4907323" cy="1323439"/>
           </a:xfrm>
           <a:prstGeom prst="rect">
             <a:avLst/>
@@ -4516,140 +4537,31 @@
           </a:bodyPr>
           <a:lstStyle/>
           <a:p>
-            <a:r>
-              <a:rPr lang="en-US" dirty="0">
-                <a:solidFill>
-                  <a:srgbClr val="C00000"/>
-                </a:solidFill>
-              </a:rPr>
-              <a:t>Currently CDS-only</a:t>
-            </a:r>
-          </a:p>
-        </p:txBody>
-      </p:sp>
-      <p:sp>
-        <p:nvSpPr>
-          <p:cNvPr id="13" name="TextBox 12">
-            <a:extLst>
-              <a:ext uri="{FF2B5EF4-FFF2-40B4-BE49-F238E27FC236}">
-                <a16:creationId xmlns:a16="http://schemas.microsoft.com/office/drawing/2014/main" id="{844C2209-5A77-5C42-DA5A-D07767925E13}"/>
-              </a:ext>
-            </a:extLst>
-          </p:cNvPr>
-          <p:cNvSpPr txBox="1"/>
-          <p:nvPr/>
-        </p:nvSpPr>
-        <p:spPr>
-          <a:xfrm>
-            <a:off x="7008429" y="4505208"/>
-            <a:ext cx="3695700" cy="646331"/>
-          </a:xfrm>
-          <a:prstGeom prst="rect">
-            <a:avLst/>
-          </a:prstGeom>
-          <a:noFill/>
-        </p:spPr>
-        <p:txBody>
-          <a:bodyPr wrap="square" rtlCol="0">
-            <a:spAutoFit/>
-          </a:bodyPr>
-          <a:lstStyle/>
-          <a:p>
-            <a:r>
-              <a:rPr lang="en-US" dirty="0">
-                <a:solidFill>
-                  <a:srgbClr val="C00000"/>
-                </a:solidFill>
-                <a:effectLst/>
-                <a:latin typeface="Helvetica Neue" panose="02000503000000020004" pitchFamily="2" charset="0"/>
-              </a:rPr>
-              <a:t>Breed specific n=639,848</a:t>
-            </a:r>
-          </a:p>
-          <a:p>
-            <a:r>
-              <a:rPr lang="en-US" dirty="0">
-                <a:solidFill>
-                  <a:srgbClr val="C00000"/>
-                </a:solidFill>
-                <a:effectLst/>
-                <a:latin typeface="Helvetica Neue" panose="02000503000000020004" pitchFamily="2" charset="0"/>
-              </a:rPr>
-              <a:t>Breed unique n=249,455</a:t>
-            </a:r>
-          </a:p>
-        </p:txBody>
-      </p:sp>
-      <p:sp>
-        <p:nvSpPr>
-          <p:cNvPr id="14" name="TextBox 13">
-            <a:extLst>
-              <a:ext uri="{FF2B5EF4-FFF2-40B4-BE49-F238E27FC236}">
-                <a16:creationId xmlns:a16="http://schemas.microsoft.com/office/drawing/2014/main" id="{548B7B06-9563-8409-D399-C6951E09B85E}"/>
-              </a:ext>
-            </a:extLst>
-          </p:cNvPr>
-          <p:cNvSpPr txBox="1"/>
-          <p:nvPr/>
-        </p:nvSpPr>
-        <p:spPr>
-          <a:xfrm>
-            <a:off x="108074" y="6133964"/>
-            <a:ext cx="11459874" cy="646331"/>
-          </a:xfrm>
-          <a:prstGeom prst="rect">
-            <a:avLst/>
-          </a:prstGeom>
-          <a:noFill/>
-        </p:spPr>
-        <p:txBody>
-          <a:bodyPr wrap="square" rtlCol="0">
-            <a:spAutoFit/>
-          </a:bodyPr>
-          <a:lstStyle/>
-          <a:p>
             <a:pPr marL="285750" indent="-285750">
-              <a:buFont typeface="Wingdings" pitchFamily="2" charset="2"/>
-              <a:buChar char="ü"/>
+              <a:buFont typeface="Arial" panose="020B0604020202020204" pitchFamily="34" charset="0"/>
+              <a:buChar char="•"/>
             </a:pPr>
             <a:r>
-              <a:rPr lang="en-US" dirty="0"/>
-              <a:t>Result files under </a:t>
-            </a:r>
-            <a:r>
-              <a:rPr lang="en-US" u="sng" dirty="0"/>
-              <a:t>results/WGS</a:t>
-            </a:r>
-            <a:r>
-              <a:rPr lang="en-US" dirty="0"/>
-              <a:t> </a:t>
+              <a:rPr lang="en-US" sz="2000" dirty="0"/>
+              <a:t>Samples for 12 breeds + unknown.</a:t>
             </a:r>
           </a:p>
           <a:p>
             <a:pPr marL="285750" indent="-285750">
-              <a:buFont typeface="Wingdings" pitchFamily="2" charset="2"/>
-              <a:buChar char="ü"/>
+              <a:buFont typeface="Arial" panose="020B0604020202020204" pitchFamily="34" charset="0"/>
+              <a:buChar char="•"/>
             </a:pPr>
             <a:r>
-              <a:rPr lang="en-US" dirty="0"/>
-              <a:t>Codes under </a:t>
-            </a:r>
-            <a:r>
-              <a:rPr lang="en-US" u="sng" dirty="0"/>
-              <a:t>scripts/</a:t>
-            </a:r>
-            <a:r>
-              <a:rPr lang="en-US" u="sng" dirty="0" err="1"/>
-              <a:t>wgs</a:t>
-            </a:r>
-            <a:endParaRPr lang="en-US" u="sng" dirty="0"/>
+              <a:rPr lang="en-US" sz="2000" dirty="0"/>
+              <a:t>Cross-validation with breed validation/prediction results from VAF heatmap.</a:t>
+            </a:r>
           </a:p>
         </p:txBody>
       </p:sp>
     </p:spTree>
     <p:extLst>
       <p:ext uri="{BB962C8B-B14F-4D97-AF65-F5344CB8AC3E}">
-        <p14:creationId xmlns:p14="http://schemas.microsoft.com/office/powerpoint/2010/main" val="2738581143"/>
+        <p14:creationId xmlns:p14="http://schemas.microsoft.com/office/powerpoint/2010/main" val="850361852"/>
       </p:ext>
     </p:extLst>
   </p:cSld>
@@ -4681,7 +4593,7 @@
           <p:cNvPr id="2" name="Title 1">
             <a:extLst>
               <a:ext uri="{FF2B5EF4-FFF2-40B4-BE49-F238E27FC236}">
-                <a16:creationId xmlns:a16="http://schemas.microsoft.com/office/drawing/2014/main" id="{21A270D5-6CC1-716C-627F-5215B212B3C1}"/>
+                <a16:creationId xmlns:a16="http://schemas.microsoft.com/office/drawing/2014/main" id="{53FDAEA3-D74F-910A-2C3C-66C48276054E}"/>
               </a:ext>
             </a:extLst>
           </p:cNvPr>
@@ -4694,36 +4606,36 @@
         </p:nvSpPr>
         <p:spPr>
           <a:xfrm>
-            <a:off x="838200" y="81524"/>
-            <a:ext cx="10515600" cy="1325563"/>
+            <a:off x="624051" y="-257718"/>
+            <a:ext cx="10943897" cy="1325563"/>
           </a:xfrm>
         </p:spPr>
         <p:txBody>
-          <a:bodyPr/>
+          <a:bodyPr>
+            <a:normAutofit/>
+          </a:bodyPr>
           <a:lstStyle/>
           <a:p>
             <a:r>
-              <a:rPr lang="en-US" dirty="0"/>
-              <a:t>Breed specific variants from WGS-CDS only</a:t>
+              <a:rPr lang="en-US" sz="3200" dirty="0"/>
+              <a:t>Identify breed specific variants from WGS SNPs (Dog10K) </a:t>
             </a:r>
           </a:p>
         </p:txBody>
       </p:sp>
       <p:pic>
         <p:nvPicPr>
-          <p:cNvPr id="5" name="Content Placeholder 4" descr="A chart of different colored squares&#10;&#10;Description automatically generated with medium confidence">
-            <a:extLst>
-              <a:ext uri="{FF2B5EF4-FFF2-40B4-BE49-F238E27FC236}">
-                <a16:creationId xmlns:a16="http://schemas.microsoft.com/office/drawing/2014/main" id="{BEFF4870-94BC-6122-31EF-EB349238F647}"/>
+          <p:cNvPr id="4" name="Picture 3">
+            <a:extLst>
+              <a:ext uri="{FF2B5EF4-FFF2-40B4-BE49-F238E27FC236}">
+                <a16:creationId xmlns:a16="http://schemas.microsoft.com/office/drawing/2014/main" id="{13B26D6A-4D0C-8F37-0072-E33453B5B736}"/>
               </a:ext>
             </a:extLst>
           </p:cNvPr>
           <p:cNvPicPr>
-            <a:picLocks noGrp="1" noChangeAspect="1"/>
+            <a:picLocks noChangeAspect="1"/>
           </p:cNvPicPr>
-          <p:nvPr>
-            <p:ph idx="1"/>
-          </p:nvPr>
+          <p:nvPr/>
         </p:nvPicPr>
         <p:blipFill>
           <a:blip r:embed="rId2"/>
@@ -4733,17 +4645,20 @@
         </p:blipFill>
         <p:spPr>
           <a:xfrm>
-            <a:off x="503927" y="1177159"/>
-            <a:ext cx="7575546" cy="5599317"/>
+            <a:off x="2366360" y="769967"/>
+            <a:ext cx="5632012" cy="5323565"/>
           </a:xfrm>
+          <a:prstGeom prst="rect">
+            <a:avLst/>
+          </a:prstGeom>
         </p:spPr>
       </p:pic>
       <p:sp>
         <p:nvSpPr>
-          <p:cNvPr id="6" name="TextBox 5">
-            <a:extLst>
-              <a:ext uri="{FF2B5EF4-FFF2-40B4-BE49-F238E27FC236}">
-                <a16:creationId xmlns:a16="http://schemas.microsoft.com/office/drawing/2014/main" id="{2226F461-98B4-E2EC-21F0-ED6771AE786F}"/>
+          <p:cNvPr id="8" name="TextBox 7">
+            <a:extLst>
+              <a:ext uri="{FF2B5EF4-FFF2-40B4-BE49-F238E27FC236}">
+                <a16:creationId xmlns:a16="http://schemas.microsoft.com/office/drawing/2014/main" id="{F3A3DD67-75A8-C511-6DEA-4D5E435DCD5A}"/>
               </a:ext>
             </a:extLst>
           </p:cNvPr>
@@ -4752,8 +4667,8 @@
         </p:nvSpPr>
         <p:spPr>
           <a:xfrm>
-            <a:off x="8489092" y="2866768"/>
-            <a:ext cx="3052119" cy="923330"/>
+            <a:off x="7618466" y="5640609"/>
+            <a:ext cx="2017987" cy="369332"/>
           </a:xfrm>
           <a:prstGeom prst="rect">
             <a:avLst/>
@@ -4767,20 +4682,170 @@
           <a:lstStyle/>
           <a:p>
             <a:r>
+              <a:rPr lang="en-US" dirty="0">
+                <a:solidFill>
+                  <a:srgbClr val="C00000"/>
+                </a:solidFill>
+              </a:rPr>
+              <a:t>Currently CDS-only</a:t>
+            </a:r>
+          </a:p>
+        </p:txBody>
+      </p:sp>
+      <p:sp>
+        <p:nvSpPr>
+          <p:cNvPr id="13" name="TextBox 12">
+            <a:extLst>
+              <a:ext uri="{FF2B5EF4-FFF2-40B4-BE49-F238E27FC236}">
+                <a16:creationId xmlns:a16="http://schemas.microsoft.com/office/drawing/2014/main" id="{844C2209-5A77-5C42-DA5A-D07767925E13}"/>
+              </a:ext>
+            </a:extLst>
+          </p:cNvPr>
+          <p:cNvSpPr txBox="1"/>
+          <p:nvPr/>
+        </p:nvSpPr>
+        <p:spPr>
+          <a:xfrm>
+            <a:off x="7008429" y="4505208"/>
+            <a:ext cx="3695700" cy="646331"/>
+          </a:xfrm>
+          <a:prstGeom prst="rect">
+            <a:avLst/>
+          </a:prstGeom>
+          <a:noFill/>
+        </p:spPr>
+        <p:txBody>
+          <a:bodyPr wrap="square" rtlCol="0">
+            <a:spAutoFit/>
+          </a:bodyPr>
+          <a:lstStyle/>
+          <a:p>
+            <a:r>
+              <a:rPr lang="en-US" dirty="0">
+                <a:solidFill>
+                  <a:srgbClr val="C00000"/>
+                </a:solidFill>
+                <a:effectLst/>
+                <a:latin typeface="Helvetica Neue" panose="02000503000000020004" pitchFamily="2" charset="0"/>
+              </a:rPr>
+              <a:t>Breed specific n=639,848</a:t>
+            </a:r>
+          </a:p>
+          <a:p>
+            <a:r>
+              <a:rPr lang="en-US" dirty="0">
+                <a:solidFill>
+                  <a:srgbClr val="C00000"/>
+                </a:solidFill>
+                <a:effectLst/>
+                <a:latin typeface="Helvetica Neue" panose="02000503000000020004" pitchFamily="2" charset="0"/>
+              </a:rPr>
+              <a:t>Breed unique n=249,455</a:t>
+            </a:r>
+          </a:p>
+        </p:txBody>
+      </p:sp>
+      <p:sp>
+        <p:nvSpPr>
+          <p:cNvPr id="14" name="TextBox 13">
+            <a:extLst>
+              <a:ext uri="{FF2B5EF4-FFF2-40B4-BE49-F238E27FC236}">
+                <a16:creationId xmlns:a16="http://schemas.microsoft.com/office/drawing/2014/main" id="{548B7B06-9563-8409-D399-C6951E09B85E}"/>
+              </a:ext>
+            </a:extLst>
+          </p:cNvPr>
+          <p:cNvSpPr txBox="1"/>
+          <p:nvPr/>
+        </p:nvSpPr>
+        <p:spPr>
+          <a:xfrm>
+            <a:off x="108074" y="6133964"/>
+            <a:ext cx="11459874" cy="646331"/>
+          </a:xfrm>
+          <a:prstGeom prst="rect">
+            <a:avLst/>
+          </a:prstGeom>
+          <a:noFill/>
+        </p:spPr>
+        <p:txBody>
+          <a:bodyPr wrap="square" rtlCol="0">
+            <a:spAutoFit/>
+          </a:bodyPr>
+          <a:lstStyle/>
+          <a:p>
+            <a:pPr marL="285750" indent="-285750">
+              <a:buFont typeface="Wingdings" pitchFamily="2" charset="2"/>
+              <a:buChar char="ü"/>
+            </a:pPr>
+            <a:r>
               <a:rPr lang="en-US" dirty="0"/>
-              <a:t>Dogs n=272</a:t>
-            </a:r>
-          </a:p>
-          <a:p>
+              <a:t>Result files under </a:t>
+            </a:r>
+            <a:r>
+              <a:rPr lang="en-US" u="sng" dirty="0"/>
+              <a:t>results/WGS</a:t>
+            </a:r>
             <a:r>
               <a:rPr lang="en-US" dirty="0"/>
-              <a:t>Variants n=6,364</a:t>
-            </a:r>
-          </a:p>
-          <a:p>
+              <a:t> </a:t>
+            </a:r>
+          </a:p>
+          <a:p>
+            <a:pPr marL="285750" indent="-285750">
+              <a:buFont typeface="Wingdings" pitchFamily="2" charset="2"/>
+              <a:buChar char="ü"/>
+            </a:pPr>
             <a:r>
               <a:rPr lang="en-US" dirty="0"/>
-              <a:t>Breeds n=23</a:t>
+              <a:t>Codes under </a:t>
+            </a:r>
+            <a:r>
+              <a:rPr lang="en-US" u="sng" dirty="0"/>
+              <a:t>scripts/</a:t>
+            </a:r>
+            <a:r>
+              <a:rPr lang="en-US" u="sng" dirty="0" err="1"/>
+              <a:t>wgs</a:t>
+            </a:r>
+            <a:endParaRPr lang="en-US" u="sng" dirty="0"/>
+          </a:p>
+        </p:txBody>
+      </p:sp>
+      <p:sp>
+        <p:nvSpPr>
+          <p:cNvPr id="3" name="TextBox 2">
+            <a:extLst>
+              <a:ext uri="{FF2B5EF4-FFF2-40B4-BE49-F238E27FC236}">
+                <a16:creationId xmlns:a16="http://schemas.microsoft.com/office/drawing/2014/main" id="{446C8786-D022-579F-607B-C9A15AF6927D}"/>
+              </a:ext>
+            </a:extLst>
+          </p:cNvPr>
+          <p:cNvSpPr txBox="1"/>
+          <p:nvPr/>
+        </p:nvSpPr>
+        <p:spPr>
+          <a:xfrm>
+            <a:off x="5158172" y="3193883"/>
+            <a:ext cx="2907102" cy="369332"/>
+          </a:xfrm>
+          <a:prstGeom prst="rect">
+            <a:avLst/>
+          </a:prstGeom>
+          <a:noFill/>
+        </p:spPr>
+        <p:txBody>
+          <a:bodyPr wrap="square" rtlCol="0">
+            <a:spAutoFit/>
+          </a:bodyPr>
+          <a:lstStyle/>
+          <a:p>
+            <a:r>
+              <a:rPr lang="en-US" dirty="0">
+                <a:solidFill>
+                  <a:srgbClr val="C00000"/>
+                </a:solidFill>
+              </a:rPr>
+              <a:t>Select breeds with &gt;10 dogs</a:t>
             </a:r>
           </a:p>
         </p:txBody>
@@ -4788,7 +4853,7 @@
     </p:spTree>
     <p:extLst>
       <p:ext uri="{BB962C8B-B14F-4D97-AF65-F5344CB8AC3E}">
-        <p14:creationId xmlns:p14="http://schemas.microsoft.com/office/powerpoint/2010/main" val="3404486992"/>
+        <p14:creationId xmlns:p14="http://schemas.microsoft.com/office/powerpoint/2010/main" val="2738581143"/>
       </p:ext>
     </p:extLst>
   </p:cSld>
@@ -4820,7 +4885,7 @@
           <p:cNvPr id="2" name="Title 1">
             <a:extLst>
               <a:ext uri="{FF2B5EF4-FFF2-40B4-BE49-F238E27FC236}">
-                <a16:creationId xmlns:a16="http://schemas.microsoft.com/office/drawing/2014/main" id="{C5A47F5D-00E2-63F7-B6E8-E18E90518CF1}"/>
+                <a16:creationId xmlns:a16="http://schemas.microsoft.com/office/drawing/2014/main" id="{21A270D5-6CC1-716C-627F-5215B212B3C1}"/>
               </a:ext>
             </a:extLst>
           </p:cNvPr>
@@ -4831,6 +4896,145 @@
             <p:ph type="title"/>
           </p:nvPr>
         </p:nvSpPr>
+        <p:spPr>
+          <a:xfrm>
+            <a:off x="838200" y="81524"/>
+            <a:ext cx="10515600" cy="1325563"/>
+          </a:xfrm>
+        </p:spPr>
+        <p:txBody>
+          <a:bodyPr/>
+          <a:lstStyle/>
+          <a:p>
+            <a:r>
+              <a:rPr lang="en-US" dirty="0"/>
+              <a:t>Breed specific variants from WGS-CDS only</a:t>
+            </a:r>
+          </a:p>
+        </p:txBody>
+      </p:sp>
+      <p:pic>
+        <p:nvPicPr>
+          <p:cNvPr id="5" name="Content Placeholder 4" descr="A chart of different colored squares&#10;&#10;Description automatically generated with medium confidence">
+            <a:extLst>
+              <a:ext uri="{FF2B5EF4-FFF2-40B4-BE49-F238E27FC236}">
+                <a16:creationId xmlns:a16="http://schemas.microsoft.com/office/drawing/2014/main" id="{BEFF4870-94BC-6122-31EF-EB349238F647}"/>
+              </a:ext>
+            </a:extLst>
+          </p:cNvPr>
+          <p:cNvPicPr>
+            <a:picLocks noGrp="1" noChangeAspect="1"/>
+          </p:cNvPicPr>
+          <p:nvPr>
+            <p:ph idx="1"/>
+          </p:nvPr>
+        </p:nvPicPr>
+        <p:blipFill>
+          <a:blip r:embed="rId2"/>
+          <a:stretch>
+            <a:fillRect/>
+          </a:stretch>
+        </p:blipFill>
+        <p:spPr>
+          <a:xfrm>
+            <a:off x="503927" y="1177159"/>
+            <a:ext cx="7575546" cy="5599317"/>
+          </a:xfrm>
+        </p:spPr>
+      </p:pic>
+      <p:sp>
+        <p:nvSpPr>
+          <p:cNvPr id="6" name="TextBox 5">
+            <a:extLst>
+              <a:ext uri="{FF2B5EF4-FFF2-40B4-BE49-F238E27FC236}">
+                <a16:creationId xmlns:a16="http://schemas.microsoft.com/office/drawing/2014/main" id="{2226F461-98B4-E2EC-21F0-ED6771AE786F}"/>
+              </a:ext>
+            </a:extLst>
+          </p:cNvPr>
+          <p:cNvSpPr txBox="1"/>
+          <p:nvPr/>
+        </p:nvSpPr>
+        <p:spPr>
+          <a:xfrm>
+            <a:off x="8489092" y="2866768"/>
+            <a:ext cx="3052119" cy="923330"/>
+          </a:xfrm>
+          <a:prstGeom prst="rect">
+            <a:avLst/>
+          </a:prstGeom>
+          <a:noFill/>
+        </p:spPr>
+        <p:txBody>
+          <a:bodyPr wrap="square" rtlCol="0">
+            <a:spAutoFit/>
+          </a:bodyPr>
+          <a:lstStyle/>
+          <a:p>
+            <a:r>
+              <a:rPr lang="en-US" dirty="0"/>
+              <a:t>Dogs n=272</a:t>
+            </a:r>
+          </a:p>
+          <a:p>
+            <a:r>
+              <a:rPr lang="en-US" dirty="0"/>
+              <a:t>Variants n=6,364</a:t>
+            </a:r>
+          </a:p>
+          <a:p>
+            <a:r>
+              <a:rPr lang="en-US" dirty="0"/>
+              <a:t>Breeds n=23</a:t>
+            </a:r>
+          </a:p>
+        </p:txBody>
+      </p:sp>
+    </p:spTree>
+    <p:extLst>
+      <p:ext uri="{BB962C8B-B14F-4D97-AF65-F5344CB8AC3E}">
+        <p14:creationId xmlns:p14="http://schemas.microsoft.com/office/powerpoint/2010/main" val="3404486992"/>
+      </p:ext>
+    </p:extLst>
+  </p:cSld>
+  <p:clrMapOvr>
+    <a:masterClrMapping/>
+  </p:clrMapOvr>
+</p:sld>
+</file>
+
+<file path=ppt/slides/slide16.xml><?xml version="1.0" encoding="utf-8"?>
+<p:sld xmlns:a="http://schemas.openxmlformats.org/drawingml/2006/main" xmlns:r="http://schemas.openxmlformats.org/officeDocument/2006/relationships" xmlns:p="http://schemas.openxmlformats.org/presentationml/2006/main">
+  <p:cSld>
+    <p:spTree>
+      <p:nvGrpSpPr>
+        <p:cNvPr id="1" name=""/>
+        <p:cNvGrpSpPr/>
+        <p:nvPr/>
+      </p:nvGrpSpPr>
+      <p:grpSpPr>
+        <a:xfrm>
+          <a:off x="0" y="0"/>
+          <a:ext cx="0" cy="0"/>
+          <a:chOff x="0" y="0"/>
+          <a:chExt cx="0" cy="0"/>
+        </a:xfrm>
+      </p:grpSpPr>
+      <p:sp>
+        <p:nvSpPr>
+          <p:cNvPr id="2" name="Title 1">
+            <a:extLst>
+              <a:ext uri="{FF2B5EF4-FFF2-40B4-BE49-F238E27FC236}">
+                <a16:creationId xmlns:a16="http://schemas.microsoft.com/office/drawing/2014/main" id="{C5A47F5D-00E2-63F7-B6E8-E18E90518CF1}"/>
+              </a:ext>
+            </a:extLst>
+          </p:cNvPr>
+          <p:cNvSpPr>
+            <a:spLocks noGrp="1"/>
+          </p:cNvSpPr>
+          <p:nvPr>
+            <p:ph type="title"/>
+          </p:nvPr>
+        </p:nvSpPr>
         <p:spPr/>
         <p:txBody>
           <a:bodyPr/>
@@ -4879,6 +5083,20 @@
             <a:r>
               <a:rPr lang="en-US" dirty="0"/>
               <a:t>Use breed specific variants identified from Dog10K WGS data to classify unknown breed dogs in WES dataset.</a:t>
+            </a:r>
+          </a:p>
+          <a:p>
+            <a:r>
+              <a:rPr lang="en-US" dirty="0"/>
+              <a:t>Perform germline variant calling and </a:t>
+            </a:r>
+            <a:r>
+              <a:rPr lang="en-US" dirty="0" err="1"/>
+              <a:t>DepthOfCoverage</a:t>
+            </a:r>
+            <a:r>
+              <a:rPr lang="en-US" dirty="0"/>
+              <a:t> on WGS data (Time consuming).</a:t>
             </a:r>
           </a:p>
         </p:txBody>
@@ -4918,7 +5136,7 @@
           <p:cNvPr id="2" name="Title 1">
             <a:extLst>
               <a:ext uri="{FF2B5EF4-FFF2-40B4-BE49-F238E27FC236}">
-                <a16:creationId xmlns:a16="http://schemas.microsoft.com/office/drawing/2014/main" id="{31C5B5A0-A635-09B5-A57C-CEC2CC955E54}"/>
+                <a16:creationId xmlns:a16="http://schemas.microsoft.com/office/drawing/2014/main" id="{1992E222-71AD-C5DE-3C6B-A3B9CAC20907}"/>
               </a:ext>
             </a:extLst>
           </p:cNvPr>
@@ -4936,121 +5154,125 @@
           <a:p>
             <a:r>
               <a:rPr lang="en-US" dirty="0"/>
-              <a:t>Published breed prediction pipeline</a:t>
-            </a:r>
-          </a:p>
-        </p:txBody>
-      </p:sp>
-      <p:pic>
-        <p:nvPicPr>
-          <p:cNvPr id="5" name="Content Placeholder 4" descr="A close-up of a data chart&#10;&#10;Description automatically generated">
-            <a:extLst>
-              <a:ext uri="{FF2B5EF4-FFF2-40B4-BE49-F238E27FC236}">
-                <a16:creationId xmlns:a16="http://schemas.microsoft.com/office/drawing/2014/main" id="{FA06C22F-5A2C-3A74-2BE3-21866BC99C98}"/>
-              </a:ext>
-            </a:extLst>
-          </p:cNvPr>
-          <p:cNvPicPr>
-            <a:picLocks noGrp="1" noChangeAspect="1"/>
-          </p:cNvPicPr>
+              <a:t>Overview</a:t>
+            </a:r>
+          </a:p>
+        </p:txBody>
+      </p:sp>
+      <p:sp>
+        <p:nvSpPr>
+          <p:cNvPr id="3" name="Content Placeholder 2">
+            <a:extLst>
+              <a:ext uri="{FF2B5EF4-FFF2-40B4-BE49-F238E27FC236}">
+                <a16:creationId xmlns:a16="http://schemas.microsoft.com/office/drawing/2014/main" id="{5AE32CE2-8EDF-BBD0-531C-24D2E805FC2D}"/>
+              </a:ext>
+            </a:extLst>
+          </p:cNvPr>
+          <p:cNvSpPr>
+            <a:spLocks noGrp="1"/>
+          </p:cNvSpPr>
           <p:nvPr>
             <p:ph idx="1"/>
           </p:nvPr>
-        </p:nvPicPr>
-        <p:blipFill>
-          <a:blip r:embed="rId2"/>
-          <a:stretch>
-            <a:fillRect/>
-          </a:stretch>
-        </p:blipFill>
-        <p:spPr>
-          <a:xfrm>
-            <a:off x="222422" y="1827734"/>
-            <a:ext cx="7039761" cy="5030266"/>
-          </a:xfrm>
-        </p:spPr>
-      </p:pic>
-      <p:pic>
-        <p:nvPicPr>
-          <p:cNvPr id="7" name="Picture 6" descr="A screenshot of a computer&#10;&#10;Description automatically generated">
-            <a:extLst>
-              <a:ext uri="{FF2B5EF4-FFF2-40B4-BE49-F238E27FC236}">
-                <a16:creationId xmlns:a16="http://schemas.microsoft.com/office/drawing/2014/main" id="{2607E9F9-BDE2-6A4E-698C-C0A76B2A11FE}"/>
-              </a:ext>
-            </a:extLst>
-          </p:cNvPr>
-          <p:cNvPicPr>
-            <a:picLocks noChangeAspect="1"/>
-          </p:cNvPicPr>
-          <p:nvPr/>
-        </p:nvPicPr>
-        <p:blipFill>
-          <a:blip r:embed="rId3"/>
-          <a:stretch>
-            <a:fillRect/>
-          </a:stretch>
-        </p:blipFill>
-        <p:spPr>
-          <a:xfrm>
-            <a:off x="7196279" y="1690688"/>
-            <a:ext cx="4773299" cy="2452945"/>
-          </a:xfrm>
-          <a:prstGeom prst="rect">
-            <a:avLst/>
-          </a:prstGeom>
-        </p:spPr>
-      </p:pic>
-      <p:sp>
-        <p:nvSpPr>
-          <p:cNvPr id="8" name="TextBox 7">
-            <a:extLst>
-              <a:ext uri="{FF2B5EF4-FFF2-40B4-BE49-F238E27FC236}">
-                <a16:creationId xmlns:a16="http://schemas.microsoft.com/office/drawing/2014/main" id="{811D3718-C559-22B2-6930-0CE30FFE9CEE}"/>
-              </a:ext>
-            </a:extLst>
-          </p:cNvPr>
-          <p:cNvSpPr txBox="1"/>
-          <p:nvPr/>
-        </p:nvSpPr>
-        <p:spPr>
-          <a:xfrm>
-            <a:off x="7262183" y="4342867"/>
-            <a:ext cx="3435178" cy="923330"/>
-          </a:xfrm>
-          <a:prstGeom prst="rect">
-            <a:avLst/>
-          </a:prstGeom>
-          <a:noFill/>
-        </p:spPr>
-        <p:txBody>
-          <a:bodyPr wrap="square" rtlCol="0">
-            <a:spAutoFit/>
-          </a:bodyPr>
+        </p:nvSpPr>
+        <p:spPr/>
+        <p:txBody>
+          <a:bodyPr/>
           <a:lstStyle/>
           <a:p>
             <a:r>
               <a:rPr lang="en-US" dirty="0"/>
-              <a:t>Dogs n=505 (107 unknown)</a:t>
-            </a:r>
-          </a:p>
-          <a:p>
+              <a:t>Results sections:</a:t>
+            </a:r>
+          </a:p>
+          <a:p>
+            <a:pPr lvl="1"/>
             <a:r>
               <a:rPr lang="en-US" dirty="0"/>
-              <a:t>Variants n=5,363</a:t>
-            </a:r>
-          </a:p>
-          <a:p>
+              <a:t>Expand WES datasets for breed prediction pipeline.</a:t>
+            </a:r>
+          </a:p>
+          <a:p>
+            <a:pPr lvl="1"/>
             <a:r>
               <a:rPr lang="en-US" dirty="0"/>
-              <a:t>Breeds n=10</a:t>
-            </a:r>
+              <a:t>Apply phylogenetic methods using germline variants from WES data.</a:t>
+            </a:r>
+          </a:p>
+          <a:p>
+            <a:pPr lvl="1"/>
+            <a:r>
+              <a:rPr lang="en-US" dirty="0"/>
+              <a:t>Identify breed specific variants from WGS SNPs (Dog10K data).</a:t>
+            </a:r>
+          </a:p>
+          <a:p>
+            <a:r>
+              <a:rPr lang="en-US" dirty="0"/>
+              <a:t>All codes/results are available on </a:t>
+            </a:r>
+            <a:r>
+              <a:rPr lang="en-US" dirty="0" err="1"/>
+              <a:t>Github</a:t>
+            </a:r>
+            <a:r>
+              <a:rPr lang="en-US" dirty="0"/>
+              <a:t>/Google drive.</a:t>
+            </a:r>
+          </a:p>
+          <a:p>
+            <a:pPr lvl="1"/>
+            <a:r>
+              <a:rPr lang="en-US" dirty="0"/>
+              <a:t>https://</a:t>
+            </a:r>
+            <a:r>
+              <a:rPr lang="en-US" dirty="0" err="1"/>
+              <a:t>github.com</a:t>
+            </a:r>
+            <a:r>
+              <a:rPr lang="en-US" dirty="0"/>
+              <a:t>/JingxuanChen7/</a:t>
+            </a:r>
+            <a:r>
+              <a:rPr lang="en-US" dirty="0" err="1"/>
+              <a:t>canine_tumor_wes</a:t>
+            </a:r>
+            <a:endParaRPr lang="en-US" dirty="0"/>
+          </a:p>
+          <a:p>
+            <a:pPr lvl="1"/>
+            <a:r>
+              <a:rPr lang="en-US" dirty="0"/>
+              <a:t>https://</a:t>
+            </a:r>
+            <a:r>
+              <a:rPr lang="en-US" dirty="0" err="1"/>
+              <a:t>drive.google.com</a:t>
+            </a:r>
+            <a:r>
+              <a:rPr lang="en-US" dirty="0"/>
+              <a:t>/drive/folders/1--zGLInuDFIIvo7c6-6qVdu9Rp0qwulQ?usp=sharing</a:t>
+            </a:r>
+          </a:p>
+          <a:p>
+            <a:r>
+              <a:rPr lang="en-US" dirty="0"/>
+              <a:t>Future directions.</a:t>
+            </a:r>
+          </a:p>
+          <a:p>
+            <a:pPr marL="457200" lvl="1" indent="0">
+              <a:buNone/>
+            </a:pPr>
+            <a:endParaRPr lang="en-US" dirty="0"/>
           </a:p>
         </p:txBody>
       </p:sp>
     </p:spTree>
     <p:extLst>
       <p:ext uri="{BB962C8B-B14F-4D97-AF65-F5344CB8AC3E}">
-        <p14:creationId xmlns:p14="http://schemas.microsoft.com/office/powerpoint/2010/main" val="1699604837"/>
+        <p14:creationId xmlns:p14="http://schemas.microsoft.com/office/powerpoint/2010/main" val="1682683691"/>
       </p:ext>
     </p:extLst>
   </p:cSld>
@@ -5077,12 +5299,69 @@
           <a:chExt cx="0" cy="0"/>
         </a:xfrm>
       </p:grpSpPr>
+      <p:sp>
+        <p:nvSpPr>
+          <p:cNvPr id="2" name="Title 1">
+            <a:extLst>
+              <a:ext uri="{FF2B5EF4-FFF2-40B4-BE49-F238E27FC236}">
+                <a16:creationId xmlns:a16="http://schemas.microsoft.com/office/drawing/2014/main" id="{31C5B5A0-A635-09B5-A57C-CEC2CC955E54}"/>
+              </a:ext>
+            </a:extLst>
+          </p:cNvPr>
+          <p:cNvSpPr>
+            <a:spLocks noGrp="1"/>
+          </p:cNvSpPr>
+          <p:nvPr>
+            <p:ph type="title"/>
+          </p:nvPr>
+        </p:nvSpPr>
+        <p:spPr/>
+        <p:txBody>
+          <a:bodyPr/>
+          <a:lstStyle/>
+          <a:p>
+            <a:r>
+              <a:rPr lang="en-US" dirty="0"/>
+              <a:t>Published breed prediction pipeline</a:t>
+            </a:r>
+          </a:p>
+        </p:txBody>
+      </p:sp>
       <p:pic>
         <p:nvPicPr>
-          <p:cNvPr id="12" name="Picture 11">
-            <a:extLst>
-              <a:ext uri="{FF2B5EF4-FFF2-40B4-BE49-F238E27FC236}">
-                <a16:creationId xmlns:a16="http://schemas.microsoft.com/office/drawing/2014/main" id="{65CB224E-A0AD-25F6-B3F0-0586FED5A168}"/>
+          <p:cNvPr id="5" name="Content Placeholder 4" descr="A close-up of a data chart&#10;&#10;Description automatically generated">
+            <a:extLst>
+              <a:ext uri="{FF2B5EF4-FFF2-40B4-BE49-F238E27FC236}">
+                <a16:creationId xmlns:a16="http://schemas.microsoft.com/office/drawing/2014/main" id="{FA06C22F-5A2C-3A74-2BE3-21866BC99C98}"/>
+              </a:ext>
+            </a:extLst>
+          </p:cNvPr>
+          <p:cNvPicPr>
+            <a:picLocks noGrp="1" noChangeAspect="1"/>
+          </p:cNvPicPr>
+          <p:nvPr>
+            <p:ph idx="1"/>
+          </p:nvPr>
+        </p:nvPicPr>
+        <p:blipFill>
+          <a:blip r:embed="rId2"/>
+          <a:stretch>
+            <a:fillRect/>
+          </a:stretch>
+        </p:blipFill>
+        <p:spPr>
+          <a:xfrm>
+            <a:off x="222422" y="1827734"/>
+            <a:ext cx="7039761" cy="5030266"/>
+          </a:xfrm>
+        </p:spPr>
+      </p:pic>
+      <p:pic>
+        <p:nvPicPr>
+          <p:cNvPr id="7" name="Picture 6" descr="A screenshot of a computer&#10;&#10;Description automatically generated">
+            <a:extLst>
+              <a:ext uri="{FF2B5EF4-FFF2-40B4-BE49-F238E27FC236}">
+                <a16:creationId xmlns:a16="http://schemas.microsoft.com/office/drawing/2014/main" id="{2607E9F9-BDE2-6A4E-698C-C0A76B2A11FE}"/>
               </a:ext>
             </a:extLst>
           </p:cNvPr>
@@ -5099,8 +5378,8 @@
         </p:blipFill>
         <p:spPr>
           <a:xfrm>
-            <a:off x="2373969" y="314564"/>
-            <a:ext cx="6375203" cy="5871519"/>
+            <a:off x="7196279" y="1690688"/>
+            <a:ext cx="4773299" cy="2452945"/>
           </a:xfrm>
           <a:prstGeom prst="rect">
             <a:avLst/>
@@ -5109,10 +5388,10 @@
       </p:pic>
       <p:sp>
         <p:nvSpPr>
-          <p:cNvPr id="15" name="TextBox 14">
-            <a:extLst>
-              <a:ext uri="{FF2B5EF4-FFF2-40B4-BE49-F238E27FC236}">
-                <a16:creationId xmlns:a16="http://schemas.microsoft.com/office/drawing/2014/main" id="{8BA38127-B1D1-34DD-4006-CB32E6347149}"/>
+          <p:cNvPr id="8" name="TextBox 7">
+            <a:extLst>
+              <a:ext uri="{FF2B5EF4-FFF2-40B4-BE49-F238E27FC236}">
+                <a16:creationId xmlns:a16="http://schemas.microsoft.com/office/drawing/2014/main" id="{811D3718-C559-22B2-6930-0CE30FFE9CEE}"/>
               </a:ext>
             </a:extLst>
           </p:cNvPr>
@@ -5121,8 +5400,8 @@
         </p:nvSpPr>
         <p:spPr>
           <a:xfrm>
-            <a:off x="3890319" y="6358770"/>
-            <a:ext cx="4411362" cy="369332"/>
+            <a:off x="7262183" y="4342867"/>
+            <a:ext cx="3435178" cy="923330"/>
           </a:xfrm>
           <a:prstGeom prst="rect">
             <a:avLst/>
@@ -5137,28 +5416,27 @@
           <a:p>
             <a:r>
               <a:rPr lang="en-US" dirty="0"/>
-              <a:t>Source code retrieved from </a:t>
-            </a:r>
-            <a:r>
-              <a:rPr lang="en-US" dirty="0" err="1"/>
-              <a:t>Github</a:t>
-            </a:r>
+              <a:t>Dogs n=505 (107 unknown)</a:t>
+            </a:r>
+          </a:p>
+          <a:p>
             <a:r>
               <a:rPr lang="en-US" dirty="0"/>
-              <a:t> &amp; </a:t>
-            </a:r>
-            <a:r>
-              <a:rPr lang="en-US" dirty="0" err="1"/>
-              <a:t>Kunlin</a:t>
-            </a:r>
-            <a:endParaRPr lang="en-US" dirty="0"/>
+              <a:t>Variants n=5,363</a:t>
+            </a:r>
+          </a:p>
+          <a:p>
+            <a:r>
+              <a:rPr lang="en-US" dirty="0"/>
+              <a:t>Breeds n=10</a:t>
+            </a:r>
           </a:p>
         </p:txBody>
       </p:sp>
     </p:spTree>
     <p:extLst>
       <p:ext uri="{BB962C8B-B14F-4D97-AF65-F5344CB8AC3E}">
-        <p14:creationId xmlns:p14="http://schemas.microsoft.com/office/powerpoint/2010/main" val="2288715423"/>
+        <p14:creationId xmlns:p14="http://schemas.microsoft.com/office/powerpoint/2010/main" val="1699604837"/>
       </p:ext>
     </p:extLst>
   </p:cSld>
@@ -5185,85 +5463,67 @@
           <a:chExt cx="0" cy="0"/>
         </a:xfrm>
       </p:grpSpPr>
-      <p:sp>
-        <p:nvSpPr>
-          <p:cNvPr id="2" name="Title 1">
-            <a:extLst>
-              <a:ext uri="{FF2B5EF4-FFF2-40B4-BE49-F238E27FC236}">
-                <a16:creationId xmlns:a16="http://schemas.microsoft.com/office/drawing/2014/main" id="{1992E222-71AD-C5DE-3C6B-A3B9CAC20907}"/>
-              </a:ext>
-            </a:extLst>
-          </p:cNvPr>
-          <p:cNvSpPr>
-            <a:spLocks noGrp="1"/>
-          </p:cNvSpPr>
-          <p:nvPr>
-            <p:ph type="title"/>
-          </p:nvPr>
-        </p:nvSpPr>
-        <p:spPr/>
-        <p:txBody>
-          <a:bodyPr/>
+      <p:pic>
+        <p:nvPicPr>
+          <p:cNvPr id="12" name="Picture 11">
+            <a:extLst>
+              <a:ext uri="{FF2B5EF4-FFF2-40B4-BE49-F238E27FC236}">
+                <a16:creationId xmlns:a16="http://schemas.microsoft.com/office/drawing/2014/main" id="{65CB224E-A0AD-25F6-B3F0-0586FED5A168}"/>
+              </a:ext>
+            </a:extLst>
+          </p:cNvPr>
+          <p:cNvPicPr>
+            <a:picLocks noChangeAspect="1"/>
+          </p:cNvPicPr>
+          <p:nvPr/>
+        </p:nvPicPr>
+        <p:blipFill>
+          <a:blip r:embed="rId3"/>
+          <a:stretch>
+            <a:fillRect/>
+          </a:stretch>
+        </p:blipFill>
+        <p:spPr>
+          <a:xfrm>
+            <a:off x="2373969" y="314564"/>
+            <a:ext cx="6375203" cy="5871519"/>
+          </a:xfrm>
+          <a:prstGeom prst="rect">
+            <a:avLst/>
+          </a:prstGeom>
+        </p:spPr>
+      </p:pic>
+      <p:sp>
+        <p:nvSpPr>
+          <p:cNvPr id="15" name="TextBox 14">
+            <a:extLst>
+              <a:ext uri="{FF2B5EF4-FFF2-40B4-BE49-F238E27FC236}">
+                <a16:creationId xmlns:a16="http://schemas.microsoft.com/office/drawing/2014/main" id="{8BA38127-B1D1-34DD-4006-CB32E6347149}"/>
+              </a:ext>
+            </a:extLst>
+          </p:cNvPr>
+          <p:cNvSpPr txBox="1"/>
+          <p:nvPr/>
+        </p:nvSpPr>
+        <p:spPr>
+          <a:xfrm>
+            <a:off x="3890319" y="6358770"/>
+            <a:ext cx="4411362" cy="369332"/>
+          </a:xfrm>
+          <a:prstGeom prst="rect">
+            <a:avLst/>
+          </a:prstGeom>
+          <a:noFill/>
+        </p:spPr>
+        <p:txBody>
+          <a:bodyPr wrap="square" rtlCol="0">
+            <a:spAutoFit/>
+          </a:bodyPr>
           <a:lstStyle/>
           <a:p>
             <a:r>
               <a:rPr lang="en-US" dirty="0"/>
-              <a:t>Overview</a:t>
-            </a:r>
-          </a:p>
-        </p:txBody>
-      </p:sp>
-      <p:sp>
-        <p:nvSpPr>
-          <p:cNvPr id="3" name="Content Placeholder 2">
-            <a:extLst>
-              <a:ext uri="{FF2B5EF4-FFF2-40B4-BE49-F238E27FC236}">
-                <a16:creationId xmlns:a16="http://schemas.microsoft.com/office/drawing/2014/main" id="{5AE32CE2-8EDF-BBD0-531C-24D2E805FC2D}"/>
-              </a:ext>
-            </a:extLst>
-          </p:cNvPr>
-          <p:cNvSpPr>
-            <a:spLocks noGrp="1"/>
-          </p:cNvSpPr>
-          <p:nvPr>
-            <p:ph idx="1"/>
-          </p:nvPr>
-        </p:nvSpPr>
-        <p:spPr/>
-        <p:txBody>
-          <a:bodyPr/>
-          <a:lstStyle/>
-          <a:p>
-            <a:r>
-              <a:rPr lang="en-US" dirty="0"/>
-              <a:t>Results sections:</a:t>
-            </a:r>
-          </a:p>
-          <a:p>
-            <a:pPr lvl="1"/>
-            <a:r>
-              <a:rPr lang="en-US" dirty="0"/>
-              <a:t>Expand WES datasets for breed prediction pipeline.</a:t>
-            </a:r>
-          </a:p>
-          <a:p>
-            <a:pPr lvl="1"/>
-            <a:r>
-              <a:rPr lang="en-US" dirty="0"/>
-              <a:t>Apply phylogenetic methods using germline variants from WES data.</a:t>
-            </a:r>
-          </a:p>
-          <a:p>
-            <a:pPr lvl="1"/>
-            <a:r>
-              <a:rPr lang="en-US" dirty="0"/>
-              <a:t>Identify breed specific variants from WGS SNPs (Dog10K data).</a:t>
-            </a:r>
-          </a:p>
-          <a:p>
-            <a:r>
-              <a:rPr lang="en-US" dirty="0"/>
-              <a:t>All codes/results are available on </a:t>
+              <a:t>Source code retrieved from </a:t>
             </a:r>
             <a:r>
               <a:rPr lang="en-US" dirty="0" err="1"/>
@@ -5271,54 +5531,12 @@
             </a:r>
             <a:r>
               <a:rPr lang="en-US" dirty="0"/>
-              <a:t>/Google drive.</a:t>
-            </a:r>
-          </a:p>
-          <a:p>
-            <a:pPr lvl="1"/>
-            <a:r>
-              <a:rPr lang="en-US" dirty="0"/>
-              <a:t>https://</a:t>
+              <a:t> &amp; </a:t>
             </a:r>
             <a:r>
               <a:rPr lang="en-US" dirty="0" err="1"/>
-              <a:t>github.com</a:t>
-            </a:r>
-            <a:r>
-              <a:rPr lang="en-US" dirty="0"/>
-              <a:t>/JingxuanChen7/</a:t>
-            </a:r>
-            <a:r>
-              <a:rPr lang="en-US" dirty="0" err="1"/>
-              <a:t>canine_tumor_wes</a:t>
-            </a:r>
-            <a:endParaRPr lang="en-US" dirty="0"/>
-          </a:p>
-          <a:p>
-            <a:pPr lvl="1"/>
-            <a:r>
-              <a:rPr lang="en-US" dirty="0"/>
-              <a:t>https://</a:t>
-            </a:r>
-            <a:r>
-              <a:rPr lang="en-US" dirty="0" err="1"/>
-              <a:t>drive.google.com</a:t>
-            </a:r>
-            <a:r>
-              <a:rPr lang="en-US" dirty="0"/>
-              <a:t>/drive/folders/1--zGLInuDFIIvo7c6-6qVdu9Rp0qwulQ?usp=sharing</a:t>
-            </a:r>
-          </a:p>
-          <a:p>
-            <a:r>
-              <a:rPr lang="en-US" dirty="0"/>
-              <a:t>Future directions.</a:t>
-            </a:r>
-          </a:p>
-          <a:p>
-            <a:pPr marL="457200" lvl="1" indent="0">
-              <a:buNone/>
-            </a:pPr>
+              <a:t>Kunlin</a:t>
+            </a:r>
             <a:endParaRPr lang="en-US" dirty="0"/>
           </a:p>
         </p:txBody>
@@ -5326,7 +5544,7 @@
     </p:spTree>
     <p:extLst>
       <p:ext uri="{BB962C8B-B14F-4D97-AF65-F5344CB8AC3E}">
-        <p14:creationId xmlns:p14="http://schemas.microsoft.com/office/powerpoint/2010/main" val="1682683691"/>
+        <p14:creationId xmlns:p14="http://schemas.microsoft.com/office/powerpoint/2010/main" val="2288715423"/>
       </p:ext>
     </p:extLst>
   </p:cSld>
@@ -5729,7 +5947,7 @@
         <p:spPr>
           <a:xfrm>
             <a:off x="108074" y="5615008"/>
-            <a:ext cx="6797223" cy="1200329"/>
+            <a:ext cx="7000092" cy="1200329"/>
           </a:xfrm>
           <a:prstGeom prst="rect">
             <a:avLst/>
@@ -5826,7 +6044,7 @@
             </a:pPr>
             <a:r>
               <a:rPr lang="en-US" dirty="0"/>
-              <a:t>Individual VCFs backed up on cluster </a:t>
+              <a:t>Individual results backed up on cluster </a:t>
             </a:r>
             <a:r>
               <a:rPr lang="en-US" b="0" i="0" u="sng" dirty="0">
@@ -5865,6 +6083,45 @@
               <a:t>Jingxuan_Chen</a:t>
             </a:r>
             <a:endParaRPr lang="en-US" u="sng" dirty="0"/>
+          </a:p>
+        </p:txBody>
+      </p:sp>
+      <p:sp>
+        <p:nvSpPr>
+          <p:cNvPr id="5" name="TextBox 4">
+            <a:extLst>
+              <a:ext uri="{FF2B5EF4-FFF2-40B4-BE49-F238E27FC236}">
+                <a16:creationId xmlns:a16="http://schemas.microsoft.com/office/drawing/2014/main" id="{C109CB4E-BF5B-48F3-BC7B-ECA4288A5750}"/>
+              </a:ext>
+            </a:extLst>
+          </p:cNvPr>
+          <p:cNvSpPr txBox="1"/>
+          <p:nvPr/>
+        </p:nvSpPr>
+        <p:spPr>
+          <a:xfrm>
+            <a:off x="9824254" y="3247280"/>
+            <a:ext cx="1913860" cy="276999"/>
+          </a:xfrm>
+          <a:prstGeom prst="rect">
+            <a:avLst/>
+          </a:prstGeom>
+          <a:noFill/>
+        </p:spPr>
+        <p:txBody>
+          <a:bodyPr wrap="square" rtlCol="0">
+            <a:spAutoFit/>
+          </a:bodyPr>
+          <a:lstStyle/>
+          <a:p>
+            <a:r>
+              <a:rPr lang="en-US" sz="1200" dirty="0" err="1"/>
+              <a:t>Ensembl</a:t>
+            </a:r>
+            <a:r>
+              <a:rPr lang="en-US" sz="1200" dirty="0"/>
+              <a:t> gene annotations</a:t>
+            </a:r>
           </a:p>
         </p:txBody>
       </p:sp>
@@ -5882,6 +6139,1976 @@
 </file>
 
 <file path=ppt/slides/slide6.xml><?xml version="1.0" encoding="utf-8"?>
+<p:sld xmlns:a="http://schemas.openxmlformats.org/drawingml/2006/main" xmlns:r="http://schemas.openxmlformats.org/officeDocument/2006/relationships" xmlns:p="http://schemas.openxmlformats.org/presentationml/2006/main">
+  <p:cSld>
+    <p:spTree>
+      <p:nvGrpSpPr>
+        <p:cNvPr id="1" name=""/>
+        <p:cNvGrpSpPr/>
+        <p:nvPr/>
+      </p:nvGrpSpPr>
+      <p:grpSpPr>
+        <a:xfrm>
+          <a:off x="0" y="0"/>
+          <a:ext cx="0" cy="0"/>
+          <a:chOff x="0" y="0"/>
+          <a:chExt cx="0" cy="0"/>
+        </a:xfrm>
+      </p:grpSpPr>
+      <p:sp>
+        <p:nvSpPr>
+          <p:cNvPr id="2" name="Title 1">
+            <a:extLst>
+              <a:ext uri="{FF2B5EF4-FFF2-40B4-BE49-F238E27FC236}">
+                <a16:creationId xmlns:a16="http://schemas.microsoft.com/office/drawing/2014/main" id="{FEE56CC9-5F74-0768-7EDA-89A4C2C151FD}"/>
+              </a:ext>
+            </a:extLst>
+          </p:cNvPr>
+          <p:cNvSpPr>
+            <a:spLocks noGrp="1"/>
+          </p:cNvSpPr>
+          <p:nvPr>
+            <p:ph type="title"/>
+          </p:nvPr>
+        </p:nvSpPr>
+        <p:spPr/>
+        <p:txBody>
+          <a:bodyPr/>
+          <a:lstStyle/>
+          <a:p>
+            <a:r>
+              <a:rPr lang="en-US" dirty="0" err="1"/>
+              <a:t>Bioprojects</a:t>
+            </a:r>
+            <a:r>
+              <a:rPr lang="en-US" dirty="0"/>
+              <a:t> newly included in WES analysis</a:t>
+            </a:r>
+          </a:p>
+        </p:txBody>
+      </p:sp>
+      <p:graphicFrame>
+        <p:nvGraphicFramePr>
+          <p:cNvPr id="4" name="Content Placeholder 3">
+            <a:extLst>
+              <a:ext uri="{FF2B5EF4-FFF2-40B4-BE49-F238E27FC236}">
+                <a16:creationId xmlns:a16="http://schemas.microsoft.com/office/drawing/2014/main" id="{E80E9E9C-9863-59F0-6E4B-DCF07234D6EC}"/>
+              </a:ext>
+            </a:extLst>
+          </p:cNvPr>
+          <p:cNvGraphicFramePr>
+            <a:graphicFrameLocks noGrp="1"/>
+          </p:cNvGraphicFramePr>
+          <p:nvPr>
+            <p:ph idx="1"/>
+            <p:extLst>
+              <p:ext uri="{D42A27DB-BD31-4B8C-83A1-F6EECF244321}">
+                <p14:modId xmlns:p14="http://schemas.microsoft.com/office/powerpoint/2010/main" val="1175449883"/>
+              </p:ext>
+            </p:extLst>
+          </p:nvPr>
+        </p:nvGraphicFramePr>
+        <p:xfrm>
+          <a:off x="838200" y="1662063"/>
+          <a:ext cx="10351698" cy="4830812"/>
+        </p:xfrm>
+        <a:graphic>
+          <a:graphicData uri="http://schemas.openxmlformats.org/drawingml/2006/table">
+            <a:tbl>
+              <a:tblPr>
+                <a:tableStyleId>{793D81CF-94F2-401A-BA57-92F5A7B2D0C5}</a:tableStyleId>
+              </a:tblPr>
+              <a:tblGrid>
+                <a:gridCol w="1552314">
+                  <a:extLst>
+                    <a:ext uri="{9D8B030D-6E8A-4147-A177-3AD203B41FA5}">
+                      <a16:colId xmlns:a16="http://schemas.microsoft.com/office/drawing/2014/main" val="583083040"/>
+                    </a:ext>
+                  </a:extLst>
+                </a:gridCol>
+                <a:gridCol w="3457426">
+                  <a:extLst>
+                    <a:ext uri="{9D8B030D-6E8A-4147-A177-3AD203B41FA5}">
+                      <a16:colId xmlns:a16="http://schemas.microsoft.com/office/drawing/2014/main" val="4247627673"/>
+                    </a:ext>
+                  </a:extLst>
+                </a:gridCol>
+                <a:gridCol w="1740472">
+                  <a:extLst>
+                    <a:ext uri="{9D8B030D-6E8A-4147-A177-3AD203B41FA5}">
+                      <a16:colId xmlns:a16="http://schemas.microsoft.com/office/drawing/2014/main" val="1884490807"/>
+                    </a:ext>
+                  </a:extLst>
+                </a:gridCol>
+                <a:gridCol w="752637">
+                  <a:extLst>
+                    <a:ext uri="{9D8B030D-6E8A-4147-A177-3AD203B41FA5}">
+                      <a16:colId xmlns:a16="http://schemas.microsoft.com/office/drawing/2014/main" val="3558906372"/>
+                    </a:ext>
+                  </a:extLst>
+                </a:gridCol>
+                <a:gridCol w="2848849">
+                  <a:extLst>
+                    <a:ext uri="{9D8B030D-6E8A-4147-A177-3AD203B41FA5}">
+                      <a16:colId xmlns:a16="http://schemas.microsoft.com/office/drawing/2014/main" val="1165921951"/>
+                    </a:ext>
+                  </a:extLst>
+                </a:gridCol>
+              </a:tblGrid>
+              <a:tr h="511306">
+                <a:tc>
+                  <a:txBody>
+                    <a:bodyPr/>
+                    <a:lstStyle/>
+                    <a:p>
+                      <a:pPr algn="ctr" fontAlgn="ctr"/>
+                      <a:r>
+                        <a:rPr lang="en-US" sz="1200" u="none" strike="noStrike">
+                          <a:effectLst/>
+                        </a:rPr>
+                        <a:t>Bioproject ID</a:t>
+                      </a:r>
+                      <a:endParaRPr lang="en-US" sz="1200" b="0" i="0" u="none" strike="noStrike">
+                        <a:solidFill>
+                          <a:srgbClr val="000000"/>
+                        </a:solidFill>
+                        <a:effectLst/>
+                        <a:latin typeface="Calibri" panose="020F0502020204030204" pitchFamily="34" charset="0"/>
+                      </a:endParaRPr>
+                    </a:p>
+                  </a:txBody>
+                  <a:tcPr marL="6051" marR="6051" marT="6051" marB="0" anchor="ctr"/>
+                </a:tc>
+                <a:tc>
+                  <a:txBody>
+                    <a:bodyPr/>
+                    <a:lstStyle/>
+                    <a:p>
+                      <a:pPr algn="ctr" fontAlgn="ctr"/>
+                      <a:r>
+                        <a:rPr lang="en-US" sz="1200" u="none" strike="noStrike">
+                          <a:effectLst/>
+                        </a:rPr>
+                        <a:t>Tumor Type</a:t>
+                      </a:r>
+                      <a:endParaRPr lang="en-US" sz="1200" b="0" i="0" u="none" strike="noStrike">
+                        <a:solidFill>
+                          <a:srgbClr val="000000"/>
+                        </a:solidFill>
+                        <a:effectLst/>
+                        <a:latin typeface="Calibri" panose="020F0502020204030204" pitchFamily="34" charset="0"/>
+                      </a:endParaRPr>
+                    </a:p>
+                  </a:txBody>
+                  <a:tcPr marL="6051" marR="6051" marT="6051" marB="0" anchor="ctr"/>
+                </a:tc>
+                <a:tc>
+                  <a:txBody>
+                    <a:bodyPr/>
+                    <a:lstStyle/>
+                    <a:p>
+                      <a:pPr algn="ctr" fontAlgn="ctr"/>
+                      <a:r>
+                        <a:rPr lang="en-US" sz="1200" u="none" strike="noStrike">
+                          <a:effectLst/>
+                        </a:rPr>
+                        <a:t>Paired cases (matched normal &amp; tumor samples)</a:t>
+                      </a:r>
+                      <a:endParaRPr lang="en-US" sz="1200" b="0" i="0" u="none" strike="noStrike">
+                        <a:solidFill>
+                          <a:srgbClr val="000000"/>
+                        </a:solidFill>
+                        <a:effectLst/>
+                        <a:latin typeface="Calibri" panose="020F0502020204030204" pitchFamily="34" charset="0"/>
+                      </a:endParaRPr>
+                    </a:p>
+                  </a:txBody>
+                  <a:tcPr marL="6051" marR="6051" marT="6051" marB="0" anchor="ctr"/>
+                </a:tc>
+                <a:tc>
+                  <a:txBody>
+                    <a:bodyPr/>
+                    <a:lstStyle/>
+                    <a:p>
+                      <a:pPr algn="ctr" fontAlgn="ctr"/>
+                      <a:r>
+                        <a:rPr lang="en-US" sz="1200" u="none" strike="noStrike">
+                          <a:effectLst/>
+                        </a:rPr>
+                        <a:t>Year</a:t>
+                      </a:r>
+                      <a:endParaRPr lang="en-US" sz="1200" b="0" i="0" u="none" strike="noStrike">
+                        <a:solidFill>
+                          <a:srgbClr val="000000"/>
+                        </a:solidFill>
+                        <a:effectLst/>
+                        <a:latin typeface="Calibri" panose="020F0502020204030204" pitchFamily="34" charset="0"/>
+                      </a:endParaRPr>
+                    </a:p>
+                  </a:txBody>
+                  <a:tcPr marL="6051" marR="6051" marT="6051" marB="0" anchor="ctr"/>
+                </a:tc>
+                <a:tc>
+                  <a:txBody>
+                    <a:bodyPr/>
+                    <a:lstStyle/>
+                    <a:p>
+                      <a:pPr algn="ctr" fontAlgn="ctr"/>
+                      <a:r>
+                        <a:rPr lang="en-US" sz="1200" u="none" strike="noStrike">
+                          <a:effectLst/>
+                        </a:rPr>
+                        <a:t>Submitter</a:t>
+                      </a:r>
+                      <a:endParaRPr lang="en-US" sz="1200" b="0" i="0" u="none" strike="noStrike">
+                        <a:solidFill>
+                          <a:srgbClr val="000000"/>
+                        </a:solidFill>
+                        <a:effectLst/>
+                        <a:latin typeface="Calibri" panose="020F0502020204030204" pitchFamily="34" charset="0"/>
+                      </a:endParaRPr>
+                    </a:p>
+                  </a:txBody>
+                  <a:tcPr marL="6051" marR="6051" marT="6051" marB="0" anchor="ctr"/>
+                </a:tc>
+                <a:extLst>
+                  <a:ext uri="{0D108BD9-81ED-4DB2-BD59-A6C34878D82A}">
+                    <a16:rowId xmlns:a16="http://schemas.microsoft.com/office/drawing/2014/main" val="2545124"/>
+                  </a:ext>
+                </a:extLst>
+              </a:tr>
+              <a:tr h="302776">
+                <a:tc>
+                  <a:txBody>
+                    <a:bodyPr/>
+                    <a:lstStyle/>
+                    <a:p>
+                      <a:pPr algn="ctr" fontAlgn="ctr"/>
+                      <a:r>
+                        <a:rPr lang="en-US" sz="1200" u="none" strike="noStrike">
+                          <a:effectLst/>
+                        </a:rPr>
+                        <a:t>PRJEB53653</a:t>
+                      </a:r>
+                      <a:endParaRPr lang="en-US" sz="1200" b="0" i="0" u="none" strike="noStrike">
+                        <a:solidFill>
+                          <a:srgbClr val="000000"/>
+                        </a:solidFill>
+                        <a:effectLst/>
+                        <a:latin typeface="Calibri" panose="020F0502020204030204" pitchFamily="34" charset="0"/>
+                      </a:endParaRPr>
+                    </a:p>
+                  </a:txBody>
+                  <a:tcPr marL="6051" marR="6051" marT="6051" marB="0" anchor="ctr"/>
+                </a:tc>
+                <a:tc>
+                  <a:txBody>
+                    <a:bodyPr/>
+                    <a:lstStyle/>
+                    <a:p>
+                      <a:pPr algn="ctr" fontAlgn="ctr"/>
+                      <a:r>
+                        <a:rPr lang="en-US" sz="1200" u="none" strike="noStrike">
+                          <a:effectLst/>
+                        </a:rPr>
+                        <a:t>Mammary neoplasia (MT)</a:t>
+                      </a:r>
+                      <a:endParaRPr lang="en-US" sz="1200" b="0" i="0" u="none" strike="noStrike">
+                        <a:solidFill>
+                          <a:srgbClr val="000000"/>
+                        </a:solidFill>
+                        <a:effectLst/>
+                        <a:latin typeface="Calibri" panose="020F0502020204030204" pitchFamily="34" charset="0"/>
+                      </a:endParaRPr>
+                    </a:p>
+                  </a:txBody>
+                  <a:tcPr marL="6051" marR="6051" marT="6051" marB="0" anchor="ctr"/>
+                </a:tc>
+                <a:tc>
+                  <a:txBody>
+                    <a:bodyPr/>
+                    <a:lstStyle/>
+                    <a:p>
+                      <a:pPr algn="ctr" fontAlgn="ctr"/>
+                      <a:r>
+                        <a:rPr lang="en-US" sz="1200" u="none" strike="noStrike">
+                          <a:effectLst/>
+                        </a:rPr>
+                        <a:t>53(106); 5 unpaired</a:t>
+                      </a:r>
+                      <a:endParaRPr lang="en-US" sz="1200" b="0" i="0" u="none" strike="noStrike">
+                        <a:solidFill>
+                          <a:srgbClr val="000000"/>
+                        </a:solidFill>
+                        <a:effectLst/>
+                        <a:latin typeface="Calibri" panose="020F0502020204030204" pitchFamily="34" charset="0"/>
+                      </a:endParaRPr>
+                    </a:p>
+                  </a:txBody>
+                  <a:tcPr marL="6051" marR="6051" marT="6051" marB="0" anchor="ctr"/>
+                </a:tc>
+                <a:tc>
+                  <a:txBody>
+                    <a:bodyPr/>
+                    <a:lstStyle/>
+                    <a:p>
+                      <a:pPr algn="ctr" fontAlgn="ctr"/>
+                      <a:r>
+                        <a:rPr lang="en-US" sz="1200" u="none" strike="noStrike">
+                          <a:effectLst/>
+                        </a:rPr>
+                        <a:t>2022</a:t>
+                      </a:r>
+                      <a:endParaRPr lang="en-US" sz="1200" b="0" i="0" u="none" strike="noStrike">
+                        <a:solidFill>
+                          <a:srgbClr val="000000"/>
+                        </a:solidFill>
+                        <a:effectLst/>
+                        <a:latin typeface="Calibri" panose="020F0502020204030204" pitchFamily="34" charset="0"/>
+                      </a:endParaRPr>
+                    </a:p>
+                  </a:txBody>
+                  <a:tcPr marL="6051" marR="6051" marT="6051" marB="0" anchor="ctr"/>
+                </a:tc>
+                <a:tc>
+                  <a:txBody>
+                    <a:bodyPr/>
+                    <a:lstStyle/>
+                    <a:p>
+                      <a:pPr algn="ctr" fontAlgn="ctr"/>
+                      <a:r>
+                        <a:rPr lang="en-US" sz="1200" u="none" strike="noStrike">
+                          <a:effectLst/>
+                        </a:rPr>
+                        <a:t>Uppsala Uuniversity</a:t>
+                      </a:r>
+                      <a:endParaRPr lang="en-US" sz="1200" b="0" i="0" u="none" strike="noStrike">
+                        <a:solidFill>
+                          <a:srgbClr val="000000"/>
+                        </a:solidFill>
+                        <a:effectLst/>
+                        <a:latin typeface="Calibri" panose="020F0502020204030204" pitchFamily="34" charset="0"/>
+                      </a:endParaRPr>
+                    </a:p>
+                  </a:txBody>
+                  <a:tcPr marL="6051" marR="6051" marT="6051" marB="0" anchor="ctr"/>
+                </a:tc>
+                <a:extLst>
+                  <a:ext uri="{0D108BD9-81ED-4DB2-BD59-A6C34878D82A}">
+                    <a16:rowId xmlns:a16="http://schemas.microsoft.com/office/drawing/2014/main" val="2955786193"/>
+                  </a:ext>
+                </a:extLst>
+              </a:tr>
+              <a:tr h="302776">
+                <a:tc>
+                  <a:txBody>
+                    <a:bodyPr/>
+                    <a:lstStyle/>
+                    <a:p>
+                      <a:pPr algn="ctr" fontAlgn="ctr"/>
+                      <a:r>
+                        <a:rPr lang="en-US" sz="1200" u="none" strike="noStrike">
+                          <a:effectLst/>
+                        </a:rPr>
+                        <a:t>PRJDB10211</a:t>
+                      </a:r>
+                      <a:endParaRPr lang="en-US" sz="1200" b="0" i="0" u="none" strike="noStrike">
+                        <a:solidFill>
+                          <a:srgbClr val="000000"/>
+                        </a:solidFill>
+                        <a:effectLst/>
+                        <a:latin typeface="Calibri" panose="020F0502020204030204" pitchFamily="34" charset="0"/>
+                      </a:endParaRPr>
+                    </a:p>
+                  </a:txBody>
+                  <a:tcPr marL="6051" marR="6051" marT="6051" marB="0" anchor="ctr"/>
+                </a:tc>
+                <a:tc>
+                  <a:txBody>
+                    <a:bodyPr/>
+                    <a:lstStyle/>
+                    <a:p>
+                      <a:pPr algn="ctr" fontAlgn="ctr"/>
+                      <a:r>
+                        <a:rPr lang="en-US" sz="1200" u="none" strike="noStrike">
+                          <a:effectLst/>
+                        </a:rPr>
+                        <a:t>Histiocytic sarcoma (HS)</a:t>
+                      </a:r>
+                      <a:endParaRPr lang="en-US" sz="1200" b="0" i="0" u="none" strike="noStrike">
+                        <a:solidFill>
+                          <a:srgbClr val="000000"/>
+                        </a:solidFill>
+                        <a:effectLst/>
+                        <a:latin typeface="Calibri" panose="020F0502020204030204" pitchFamily="34" charset="0"/>
+                      </a:endParaRPr>
+                    </a:p>
+                  </a:txBody>
+                  <a:tcPr marL="6051" marR="6051" marT="6051" marB="0" anchor="ctr"/>
+                </a:tc>
+                <a:tc>
+                  <a:txBody>
+                    <a:bodyPr/>
+                    <a:lstStyle/>
+                    <a:p>
+                      <a:pPr algn="ctr" fontAlgn="ctr"/>
+                      <a:r>
+                        <a:rPr lang="en-US" sz="1200" u="none" strike="noStrike">
+                          <a:effectLst/>
+                        </a:rPr>
+                        <a:t>5(10)</a:t>
+                      </a:r>
+                      <a:endParaRPr lang="en-US" sz="1200" b="0" i="0" u="none" strike="noStrike">
+                        <a:solidFill>
+                          <a:srgbClr val="000000"/>
+                        </a:solidFill>
+                        <a:effectLst/>
+                        <a:latin typeface="Calibri" panose="020F0502020204030204" pitchFamily="34" charset="0"/>
+                      </a:endParaRPr>
+                    </a:p>
+                  </a:txBody>
+                  <a:tcPr marL="6051" marR="6051" marT="6051" marB="0" anchor="ctr"/>
+                </a:tc>
+                <a:tc>
+                  <a:txBody>
+                    <a:bodyPr/>
+                    <a:lstStyle/>
+                    <a:p>
+                      <a:pPr algn="ctr" fontAlgn="ctr"/>
+                      <a:r>
+                        <a:rPr lang="en-US" sz="1200" u="none" strike="noStrike">
+                          <a:effectLst/>
+                        </a:rPr>
+                        <a:t>2022</a:t>
+                      </a:r>
+                      <a:endParaRPr lang="en-US" sz="1200" b="0" i="0" u="none" strike="noStrike">
+                        <a:solidFill>
+                          <a:srgbClr val="000000"/>
+                        </a:solidFill>
+                        <a:effectLst/>
+                        <a:latin typeface="Calibri" panose="020F0502020204030204" pitchFamily="34" charset="0"/>
+                      </a:endParaRPr>
+                    </a:p>
+                  </a:txBody>
+                  <a:tcPr marL="6051" marR="6051" marT="6051" marB="0" anchor="ctr"/>
+                </a:tc>
+                <a:tc>
+                  <a:txBody>
+                    <a:bodyPr/>
+                    <a:lstStyle/>
+                    <a:p>
+                      <a:pPr algn="ctr" fontAlgn="ctr"/>
+                      <a:r>
+                        <a:rPr lang="en-US" sz="1200" u="none" strike="noStrike">
+                          <a:effectLst/>
+                        </a:rPr>
+                        <a:t>The University of Tokyo</a:t>
+                      </a:r>
+                      <a:endParaRPr lang="en-US" sz="1200" b="0" i="0" u="none" strike="noStrike">
+                        <a:solidFill>
+                          <a:srgbClr val="000000"/>
+                        </a:solidFill>
+                        <a:effectLst/>
+                        <a:latin typeface="Calibri" panose="020F0502020204030204" pitchFamily="34" charset="0"/>
+                      </a:endParaRPr>
+                    </a:p>
+                  </a:txBody>
+                  <a:tcPr marL="6051" marR="6051" marT="6051" marB="0" anchor="ctr"/>
+                </a:tc>
+                <a:extLst>
+                  <a:ext uri="{0D108BD9-81ED-4DB2-BD59-A6C34878D82A}">
+                    <a16:rowId xmlns:a16="http://schemas.microsoft.com/office/drawing/2014/main" val="1504051553"/>
+                  </a:ext>
+                </a:extLst>
+              </a:tr>
+              <a:tr h="302776">
+                <a:tc>
+                  <a:txBody>
+                    <a:bodyPr/>
+                    <a:lstStyle/>
+                    <a:p>
+                      <a:pPr algn="ctr" fontAlgn="ctr"/>
+                      <a:r>
+                        <a:rPr lang="en-US" sz="1200" u="none" strike="noStrike">
+                          <a:effectLst/>
+                        </a:rPr>
+                        <a:t>PRJNA786469</a:t>
+                      </a:r>
+                      <a:endParaRPr lang="en-US" sz="1200" b="0" i="0" u="none" strike="noStrike">
+                        <a:solidFill>
+                          <a:srgbClr val="000000"/>
+                        </a:solidFill>
+                        <a:effectLst/>
+                        <a:latin typeface="Calibri" panose="020F0502020204030204" pitchFamily="34" charset="0"/>
+                      </a:endParaRPr>
+                    </a:p>
+                  </a:txBody>
+                  <a:tcPr marL="6051" marR="6051" marT="6051" marB="0" anchor="ctr"/>
+                </a:tc>
+                <a:tc>
+                  <a:txBody>
+                    <a:bodyPr/>
+                    <a:lstStyle/>
+                    <a:p>
+                      <a:pPr algn="ctr" fontAlgn="ctr"/>
+                      <a:r>
+                        <a:rPr lang="en-US" sz="1200" u="none" strike="noStrike" dirty="0">
+                          <a:effectLst/>
+                        </a:rPr>
+                        <a:t>oral melanoma (OM)</a:t>
+                      </a:r>
+                      <a:endParaRPr lang="en-US" sz="1200" b="0" i="0" u="none" strike="noStrike" dirty="0">
+                        <a:solidFill>
+                          <a:srgbClr val="000000"/>
+                        </a:solidFill>
+                        <a:effectLst/>
+                        <a:latin typeface="Calibri" panose="020F0502020204030204" pitchFamily="34" charset="0"/>
+                      </a:endParaRPr>
+                    </a:p>
+                  </a:txBody>
+                  <a:tcPr marL="6051" marR="6051" marT="6051" marB="0" anchor="ctr"/>
+                </a:tc>
+                <a:tc>
+                  <a:txBody>
+                    <a:bodyPr/>
+                    <a:lstStyle/>
+                    <a:p>
+                      <a:pPr algn="ctr" fontAlgn="ctr"/>
+                      <a:r>
+                        <a:rPr lang="en-US" sz="1200" u="none" strike="noStrike">
+                          <a:effectLst/>
+                        </a:rPr>
+                        <a:t>72(144); 1 unpaired</a:t>
+                      </a:r>
+                      <a:endParaRPr lang="en-US" sz="1200" b="0" i="0" u="none" strike="noStrike">
+                        <a:solidFill>
+                          <a:srgbClr val="000000"/>
+                        </a:solidFill>
+                        <a:effectLst/>
+                        <a:latin typeface="Calibri" panose="020F0502020204030204" pitchFamily="34" charset="0"/>
+                      </a:endParaRPr>
+                    </a:p>
+                  </a:txBody>
+                  <a:tcPr marL="6051" marR="6051" marT="6051" marB="0" anchor="ctr"/>
+                </a:tc>
+                <a:tc>
+                  <a:txBody>
+                    <a:bodyPr/>
+                    <a:lstStyle/>
+                    <a:p>
+                      <a:pPr algn="ctr" fontAlgn="ctr"/>
+                      <a:r>
+                        <a:rPr lang="en-US" sz="1200" u="none" strike="noStrike">
+                          <a:effectLst/>
+                        </a:rPr>
+                        <a:t>2021</a:t>
+                      </a:r>
+                      <a:endParaRPr lang="en-US" sz="1200" b="0" i="0" u="none" strike="noStrike">
+                        <a:solidFill>
+                          <a:srgbClr val="000000"/>
+                        </a:solidFill>
+                        <a:effectLst/>
+                        <a:latin typeface="Calibri" panose="020F0502020204030204" pitchFamily="34" charset="0"/>
+                      </a:endParaRPr>
+                    </a:p>
+                  </a:txBody>
+                  <a:tcPr marL="6051" marR="6051" marT="6051" marB="0" anchor="ctr"/>
+                </a:tc>
+                <a:tc>
+                  <a:txBody>
+                    <a:bodyPr/>
+                    <a:lstStyle/>
+                    <a:p>
+                      <a:pPr algn="ctr" fontAlgn="ctr"/>
+                      <a:r>
+                        <a:rPr lang="en-US" sz="1200" u="none" strike="noStrike" dirty="0">
+                          <a:effectLst/>
+                        </a:rPr>
+                        <a:t>CNRS - University Rennes1</a:t>
+                      </a:r>
+                      <a:endParaRPr lang="en-US" sz="1200" b="0" i="0" u="none" strike="noStrike" dirty="0">
+                        <a:solidFill>
+                          <a:srgbClr val="000000"/>
+                        </a:solidFill>
+                        <a:effectLst/>
+                        <a:latin typeface="Calibri" panose="020F0502020204030204" pitchFamily="34" charset="0"/>
+                      </a:endParaRPr>
+                    </a:p>
+                  </a:txBody>
+                  <a:tcPr marL="6051" marR="6051" marT="6051" marB="0" anchor="ctr"/>
+                </a:tc>
+                <a:extLst>
+                  <a:ext uri="{0D108BD9-81ED-4DB2-BD59-A6C34878D82A}">
+                    <a16:rowId xmlns:a16="http://schemas.microsoft.com/office/drawing/2014/main" val="1695928051"/>
+                  </a:ext>
+                </a:extLst>
+              </a:tr>
+              <a:tr h="302776">
+                <a:tc>
+                  <a:txBody>
+                    <a:bodyPr/>
+                    <a:lstStyle/>
+                    <a:p>
+                      <a:pPr algn="ctr" fontAlgn="ctr"/>
+                      <a:r>
+                        <a:rPr lang="en-US" sz="1200" u="none" strike="noStrike">
+                          <a:effectLst/>
+                        </a:rPr>
+                        <a:t>PRJNA752630</a:t>
+                      </a:r>
+                      <a:endParaRPr lang="en-US" sz="1200" b="0" i="0" u="none" strike="noStrike">
+                        <a:solidFill>
+                          <a:srgbClr val="000000"/>
+                        </a:solidFill>
+                        <a:effectLst/>
+                        <a:latin typeface="Calibri" panose="020F0502020204030204" pitchFamily="34" charset="0"/>
+                      </a:endParaRPr>
+                    </a:p>
+                  </a:txBody>
+                  <a:tcPr marL="6051" marR="6051" marT="6051" marB="0" anchor="ctr"/>
+                </a:tc>
+                <a:tc>
+                  <a:txBody>
+                    <a:bodyPr/>
+                    <a:lstStyle/>
+                    <a:p>
+                      <a:pPr algn="ctr" fontAlgn="ctr"/>
+                      <a:r>
+                        <a:rPr lang="en-US" sz="1200" u="none" strike="noStrike">
+                          <a:effectLst/>
+                        </a:rPr>
+                        <a:t>diffuse large B-cell lymphoma (DLBCL)</a:t>
+                      </a:r>
+                      <a:endParaRPr lang="en-US" sz="1200" b="0" i="0" u="none" strike="noStrike">
+                        <a:solidFill>
+                          <a:srgbClr val="000000"/>
+                        </a:solidFill>
+                        <a:effectLst/>
+                        <a:latin typeface="Calibri" panose="020F0502020204030204" pitchFamily="34" charset="0"/>
+                      </a:endParaRPr>
+                    </a:p>
+                  </a:txBody>
+                  <a:tcPr marL="6051" marR="6051" marT="6051" marB="0" anchor="ctr"/>
+                </a:tc>
+                <a:tc>
+                  <a:txBody>
+                    <a:bodyPr/>
+                    <a:lstStyle/>
+                    <a:p>
+                      <a:pPr algn="ctr" fontAlgn="ctr"/>
+                      <a:r>
+                        <a:rPr lang="en-US" sz="1200" u="none" strike="noStrike">
+                          <a:effectLst/>
+                        </a:rPr>
+                        <a:t>77(154)</a:t>
+                      </a:r>
+                      <a:endParaRPr lang="en-US" sz="1200" b="0" i="0" u="none" strike="noStrike">
+                        <a:solidFill>
+                          <a:srgbClr val="000000"/>
+                        </a:solidFill>
+                        <a:effectLst/>
+                        <a:latin typeface="Calibri" panose="020F0502020204030204" pitchFamily="34" charset="0"/>
+                      </a:endParaRPr>
+                    </a:p>
+                  </a:txBody>
+                  <a:tcPr marL="6051" marR="6051" marT="6051" marB="0" anchor="ctr"/>
+                </a:tc>
+                <a:tc>
+                  <a:txBody>
+                    <a:bodyPr/>
+                    <a:lstStyle/>
+                    <a:p>
+                      <a:pPr algn="ctr" fontAlgn="ctr"/>
+                      <a:r>
+                        <a:rPr lang="en-US" sz="1200" u="none" strike="noStrike">
+                          <a:effectLst/>
+                        </a:rPr>
+                        <a:t>2021</a:t>
+                      </a:r>
+                      <a:endParaRPr lang="en-US" sz="1200" b="0" i="0" u="none" strike="noStrike">
+                        <a:solidFill>
+                          <a:srgbClr val="000000"/>
+                        </a:solidFill>
+                        <a:effectLst/>
+                        <a:latin typeface="Calibri" panose="020F0502020204030204" pitchFamily="34" charset="0"/>
+                      </a:endParaRPr>
+                    </a:p>
+                  </a:txBody>
+                  <a:tcPr marL="6051" marR="6051" marT="6051" marB="0" anchor="ctr"/>
+                </a:tc>
+                <a:tc>
+                  <a:txBody>
+                    <a:bodyPr/>
+                    <a:lstStyle/>
+                    <a:p>
+                      <a:pPr algn="ctr" fontAlgn="ctr"/>
+                      <a:r>
+                        <a:rPr lang="en-US" sz="1200" u="none" strike="noStrike">
+                          <a:effectLst/>
+                        </a:rPr>
+                        <a:t>University of Padua</a:t>
+                      </a:r>
+                      <a:endParaRPr lang="en-US" sz="1200" b="0" i="0" u="none" strike="noStrike">
+                        <a:solidFill>
+                          <a:srgbClr val="000000"/>
+                        </a:solidFill>
+                        <a:effectLst/>
+                        <a:latin typeface="Calibri" panose="020F0502020204030204" pitchFamily="34" charset="0"/>
+                      </a:endParaRPr>
+                    </a:p>
+                  </a:txBody>
+                  <a:tcPr marL="6051" marR="6051" marT="6051" marB="0" anchor="ctr"/>
+                </a:tc>
+                <a:extLst>
+                  <a:ext uri="{0D108BD9-81ED-4DB2-BD59-A6C34878D82A}">
+                    <a16:rowId xmlns:a16="http://schemas.microsoft.com/office/drawing/2014/main" val="606453522"/>
+                  </a:ext>
+                </a:extLst>
+              </a:tr>
+              <a:tr h="302776">
+                <a:tc>
+                  <a:txBody>
+                    <a:bodyPr/>
+                    <a:lstStyle/>
+                    <a:p>
+                      <a:pPr algn="ctr" fontAlgn="ctr"/>
+                      <a:r>
+                        <a:rPr lang="en-US" sz="1200" u="none" strike="noStrike">
+                          <a:effectLst/>
+                        </a:rPr>
+                        <a:t>PRJNA701141</a:t>
+                      </a:r>
+                      <a:endParaRPr lang="en-US" sz="1200" b="0" i="0" u="none" strike="noStrike">
+                        <a:solidFill>
+                          <a:srgbClr val="000000"/>
+                        </a:solidFill>
+                        <a:effectLst/>
+                        <a:latin typeface="Calibri" panose="020F0502020204030204" pitchFamily="34" charset="0"/>
+                      </a:endParaRPr>
+                    </a:p>
+                  </a:txBody>
+                  <a:tcPr marL="6051" marR="6051" marT="6051" marB="0" anchor="ctr"/>
+                </a:tc>
+                <a:tc>
+                  <a:txBody>
+                    <a:bodyPr/>
+                    <a:lstStyle/>
+                    <a:p>
+                      <a:pPr algn="ctr" fontAlgn="ctr"/>
+                      <a:r>
+                        <a:rPr lang="en-US" sz="1200" u="none" strike="noStrike">
+                          <a:effectLst/>
+                        </a:rPr>
+                        <a:t>Osteosarcoma (OSA)</a:t>
+                      </a:r>
+                      <a:endParaRPr lang="en-US" sz="1200" b="0" i="0" u="none" strike="noStrike">
+                        <a:solidFill>
+                          <a:srgbClr val="000000"/>
+                        </a:solidFill>
+                        <a:effectLst/>
+                        <a:latin typeface="Calibri" panose="020F0502020204030204" pitchFamily="34" charset="0"/>
+                      </a:endParaRPr>
+                    </a:p>
+                  </a:txBody>
+                  <a:tcPr marL="6051" marR="6051" marT="6051" marB="0" anchor="ctr"/>
+                </a:tc>
+                <a:tc>
+                  <a:txBody>
+                    <a:bodyPr/>
+                    <a:lstStyle/>
+                    <a:p>
+                      <a:pPr algn="ctr" fontAlgn="ctr"/>
+                      <a:r>
+                        <a:rPr lang="en-US" sz="1200" u="none" strike="noStrike">
+                          <a:effectLst/>
+                        </a:rPr>
+                        <a:t>1(2)</a:t>
+                      </a:r>
+                      <a:endParaRPr lang="en-US" sz="1200" b="0" i="0" u="none" strike="noStrike">
+                        <a:solidFill>
+                          <a:srgbClr val="000000"/>
+                        </a:solidFill>
+                        <a:effectLst/>
+                        <a:latin typeface="Calibri" panose="020F0502020204030204" pitchFamily="34" charset="0"/>
+                      </a:endParaRPr>
+                    </a:p>
+                  </a:txBody>
+                  <a:tcPr marL="6051" marR="6051" marT="6051" marB="0" anchor="ctr"/>
+                </a:tc>
+                <a:tc>
+                  <a:txBody>
+                    <a:bodyPr/>
+                    <a:lstStyle/>
+                    <a:p>
+                      <a:pPr algn="ctr" fontAlgn="ctr"/>
+                      <a:r>
+                        <a:rPr lang="en-US" sz="1200" u="none" strike="noStrike">
+                          <a:effectLst/>
+                        </a:rPr>
+                        <a:t>2021</a:t>
+                      </a:r>
+                      <a:endParaRPr lang="en-US" sz="1200" b="0" i="0" u="none" strike="noStrike">
+                        <a:solidFill>
+                          <a:srgbClr val="000000"/>
+                        </a:solidFill>
+                        <a:effectLst/>
+                        <a:latin typeface="Calibri" panose="020F0502020204030204" pitchFamily="34" charset="0"/>
+                      </a:endParaRPr>
+                    </a:p>
+                  </a:txBody>
+                  <a:tcPr marL="6051" marR="6051" marT="6051" marB="0" anchor="ctr"/>
+                </a:tc>
+                <a:tc>
+                  <a:txBody>
+                    <a:bodyPr/>
+                    <a:lstStyle/>
+                    <a:p>
+                      <a:pPr algn="ctr" fontAlgn="ctr"/>
+                      <a:r>
+                        <a:rPr lang="en-US" sz="1200" u="none" strike="noStrike">
+                          <a:effectLst/>
+                        </a:rPr>
+                        <a:t>University of Padua</a:t>
+                      </a:r>
+                      <a:endParaRPr lang="en-US" sz="1200" b="0" i="0" u="none" strike="noStrike">
+                        <a:solidFill>
+                          <a:srgbClr val="000000"/>
+                        </a:solidFill>
+                        <a:effectLst/>
+                        <a:latin typeface="Calibri" panose="020F0502020204030204" pitchFamily="34" charset="0"/>
+                      </a:endParaRPr>
+                    </a:p>
+                  </a:txBody>
+                  <a:tcPr marL="6051" marR="6051" marT="6051" marB="0" anchor="ctr"/>
+                </a:tc>
+                <a:extLst>
+                  <a:ext uri="{0D108BD9-81ED-4DB2-BD59-A6C34878D82A}">
+                    <a16:rowId xmlns:a16="http://schemas.microsoft.com/office/drawing/2014/main" val="2003141311"/>
+                  </a:ext>
+                </a:extLst>
+              </a:tr>
+              <a:tr h="302776">
+                <a:tc>
+                  <a:txBody>
+                    <a:bodyPr/>
+                    <a:lstStyle/>
+                    <a:p>
+                      <a:pPr algn="ctr" fontAlgn="ctr"/>
+                      <a:r>
+                        <a:rPr lang="en-US" sz="1200" u="none" strike="noStrike">
+                          <a:effectLst/>
+                        </a:rPr>
+                        <a:t>PRJNA695534</a:t>
+                      </a:r>
+                      <a:endParaRPr lang="en-US" sz="1200" b="0" i="0" u="none" strike="noStrike">
+                        <a:solidFill>
+                          <a:srgbClr val="000000"/>
+                        </a:solidFill>
+                        <a:effectLst/>
+                        <a:latin typeface="Calibri" panose="020F0502020204030204" pitchFamily="34" charset="0"/>
+                      </a:endParaRPr>
+                    </a:p>
+                  </a:txBody>
+                  <a:tcPr marL="6051" marR="6051" marT="6051" marB="0" anchor="ctr"/>
+                </a:tc>
+                <a:tc>
+                  <a:txBody>
+                    <a:bodyPr/>
+                    <a:lstStyle/>
+                    <a:p>
+                      <a:pPr algn="ctr" fontAlgn="ctr"/>
+                      <a:r>
+                        <a:rPr lang="en-US" sz="1200" u="none" strike="noStrike">
+                          <a:effectLst/>
+                        </a:rPr>
+                        <a:t>B-Cell Lymphoma (BCL)</a:t>
+                      </a:r>
+                      <a:endParaRPr lang="en-US" sz="1200" b="0" i="0" u="none" strike="noStrike">
+                        <a:solidFill>
+                          <a:srgbClr val="000000"/>
+                        </a:solidFill>
+                        <a:effectLst/>
+                        <a:latin typeface="Calibri" panose="020F0502020204030204" pitchFamily="34" charset="0"/>
+                      </a:endParaRPr>
+                    </a:p>
+                  </a:txBody>
+                  <a:tcPr marL="6051" marR="6051" marT="6051" marB="0" anchor="ctr"/>
+                </a:tc>
+                <a:tc>
+                  <a:txBody>
+                    <a:bodyPr/>
+                    <a:lstStyle/>
+                    <a:p>
+                      <a:pPr algn="ctr" fontAlgn="ctr"/>
+                      <a:r>
+                        <a:rPr lang="en-US" sz="1200" u="none" strike="noStrike">
+                          <a:effectLst/>
+                        </a:rPr>
+                        <a:t>71(142)</a:t>
+                      </a:r>
+                      <a:endParaRPr lang="en-US" sz="1200" b="0" i="0" u="none" strike="noStrike">
+                        <a:solidFill>
+                          <a:srgbClr val="000000"/>
+                        </a:solidFill>
+                        <a:effectLst/>
+                        <a:latin typeface="Calibri" panose="020F0502020204030204" pitchFamily="34" charset="0"/>
+                      </a:endParaRPr>
+                    </a:p>
+                  </a:txBody>
+                  <a:tcPr marL="6051" marR="6051" marT="6051" marB="0" anchor="ctr"/>
+                </a:tc>
+                <a:tc>
+                  <a:txBody>
+                    <a:bodyPr/>
+                    <a:lstStyle/>
+                    <a:p>
+                      <a:pPr algn="ctr" fontAlgn="ctr"/>
+                      <a:r>
+                        <a:rPr lang="en-US" sz="1200" u="none" strike="noStrike">
+                          <a:effectLst/>
+                        </a:rPr>
+                        <a:t>2021</a:t>
+                      </a:r>
+                      <a:endParaRPr lang="en-US" sz="1200" b="0" i="0" u="none" strike="noStrike">
+                        <a:solidFill>
+                          <a:srgbClr val="000000"/>
+                        </a:solidFill>
+                        <a:effectLst/>
+                        <a:latin typeface="Calibri" panose="020F0502020204030204" pitchFamily="34" charset="0"/>
+                      </a:endParaRPr>
+                    </a:p>
+                  </a:txBody>
+                  <a:tcPr marL="6051" marR="6051" marT="6051" marB="0" anchor="ctr"/>
+                </a:tc>
+                <a:tc>
+                  <a:txBody>
+                    <a:bodyPr/>
+                    <a:lstStyle/>
+                    <a:p>
+                      <a:pPr algn="ctr" fontAlgn="ctr"/>
+                      <a:r>
+                        <a:rPr lang="en-US" sz="1200" u="none" strike="noStrike">
+                          <a:effectLst/>
+                        </a:rPr>
+                        <a:t>Cornell University</a:t>
+                      </a:r>
+                      <a:endParaRPr lang="en-US" sz="1200" b="0" i="0" u="none" strike="noStrike">
+                        <a:solidFill>
+                          <a:srgbClr val="000000"/>
+                        </a:solidFill>
+                        <a:effectLst/>
+                        <a:latin typeface="Calibri" panose="020F0502020204030204" pitchFamily="34" charset="0"/>
+                      </a:endParaRPr>
+                    </a:p>
+                  </a:txBody>
+                  <a:tcPr marL="6051" marR="6051" marT="6051" marB="0" anchor="ctr"/>
+                </a:tc>
+                <a:extLst>
+                  <a:ext uri="{0D108BD9-81ED-4DB2-BD59-A6C34878D82A}">
+                    <a16:rowId xmlns:a16="http://schemas.microsoft.com/office/drawing/2014/main" val="1434832074"/>
+                  </a:ext>
+                </a:extLst>
+              </a:tr>
+              <a:tr h="302776">
+                <a:tc>
+                  <a:txBody>
+                    <a:bodyPr/>
+                    <a:lstStyle/>
+                    <a:p>
+                      <a:pPr algn="ctr" fontAlgn="ctr"/>
+                      <a:r>
+                        <a:rPr lang="en-US" sz="1200" u="none" strike="noStrike">
+                          <a:effectLst/>
+                        </a:rPr>
+                        <a:t>PRJNA680382</a:t>
+                      </a:r>
+                      <a:endParaRPr lang="en-US" sz="1200" b="0" i="0" u="none" strike="noStrike">
+                        <a:solidFill>
+                          <a:srgbClr val="000000"/>
+                        </a:solidFill>
+                        <a:effectLst/>
+                        <a:latin typeface="Calibri" panose="020F0502020204030204" pitchFamily="34" charset="0"/>
+                      </a:endParaRPr>
+                    </a:p>
+                  </a:txBody>
+                  <a:tcPr marL="6051" marR="6051" marT="6051" marB="0" anchor="ctr"/>
+                </a:tc>
+                <a:tc>
+                  <a:txBody>
+                    <a:bodyPr/>
+                    <a:lstStyle/>
+                    <a:p>
+                      <a:pPr algn="ctr" fontAlgn="ctr"/>
+                      <a:r>
+                        <a:rPr lang="en-US" sz="1200" u="none" strike="noStrike">
+                          <a:effectLst/>
+                        </a:rPr>
+                        <a:t>Osteosarcoma (OSA)</a:t>
+                      </a:r>
+                      <a:endParaRPr lang="en-US" sz="1200" b="0" i="0" u="none" strike="noStrike">
+                        <a:solidFill>
+                          <a:srgbClr val="000000"/>
+                        </a:solidFill>
+                        <a:effectLst/>
+                        <a:latin typeface="Calibri" panose="020F0502020204030204" pitchFamily="34" charset="0"/>
+                      </a:endParaRPr>
+                    </a:p>
+                  </a:txBody>
+                  <a:tcPr marL="6051" marR="6051" marT="6051" marB="0" anchor="ctr"/>
+                </a:tc>
+                <a:tc>
+                  <a:txBody>
+                    <a:bodyPr/>
+                    <a:lstStyle/>
+                    <a:p>
+                      <a:pPr algn="ctr" fontAlgn="ctr"/>
+                      <a:r>
+                        <a:rPr lang="en-US" sz="1200" u="none" strike="noStrike">
+                          <a:effectLst/>
+                        </a:rPr>
+                        <a:t>4(8)</a:t>
+                      </a:r>
+                      <a:endParaRPr lang="en-US" sz="1200" b="0" i="0" u="none" strike="noStrike">
+                        <a:solidFill>
+                          <a:srgbClr val="000000"/>
+                        </a:solidFill>
+                        <a:effectLst/>
+                        <a:latin typeface="Calibri" panose="020F0502020204030204" pitchFamily="34" charset="0"/>
+                      </a:endParaRPr>
+                    </a:p>
+                  </a:txBody>
+                  <a:tcPr marL="6051" marR="6051" marT="6051" marB="0" anchor="ctr"/>
+                </a:tc>
+                <a:tc>
+                  <a:txBody>
+                    <a:bodyPr/>
+                    <a:lstStyle/>
+                    <a:p>
+                      <a:pPr algn="ctr" fontAlgn="ctr"/>
+                      <a:r>
+                        <a:rPr lang="en-US" sz="1200" u="none" strike="noStrike">
+                          <a:effectLst/>
+                        </a:rPr>
+                        <a:t>2020</a:t>
+                      </a:r>
+                      <a:endParaRPr lang="en-US" sz="1200" b="0" i="0" u="none" strike="noStrike">
+                        <a:solidFill>
+                          <a:srgbClr val="000000"/>
+                        </a:solidFill>
+                        <a:effectLst/>
+                        <a:latin typeface="Calibri" panose="020F0502020204030204" pitchFamily="34" charset="0"/>
+                      </a:endParaRPr>
+                    </a:p>
+                  </a:txBody>
+                  <a:tcPr marL="6051" marR="6051" marT="6051" marB="0" anchor="ctr"/>
+                </a:tc>
+                <a:tc>
+                  <a:txBody>
+                    <a:bodyPr/>
+                    <a:lstStyle/>
+                    <a:p>
+                      <a:pPr algn="ctr" fontAlgn="ctr"/>
+                      <a:r>
+                        <a:rPr lang="en-US" sz="1200" u="none" strike="noStrike">
+                          <a:effectLst/>
+                        </a:rPr>
+                        <a:t>University of Missouri</a:t>
+                      </a:r>
+                      <a:endParaRPr lang="en-US" sz="1200" b="0" i="0" u="none" strike="noStrike">
+                        <a:solidFill>
+                          <a:srgbClr val="000000"/>
+                        </a:solidFill>
+                        <a:effectLst/>
+                        <a:latin typeface="Calibri" panose="020F0502020204030204" pitchFamily="34" charset="0"/>
+                      </a:endParaRPr>
+                    </a:p>
+                  </a:txBody>
+                  <a:tcPr marL="6051" marR="6051" marT="6051" marB="0" anchor="ctr"/>
+                </a:tc>
+                <a:extLst>
+                  <a:ext uri="{0D108BD9-81ED-4DB2-BD59-A6C34878D82A}">
+                    <a16:rowId xmlns:a16="http://schemas.microsoft.com/office/drawing/2014/main" val="699164773"/>
+                  </a:ext>
+                </a:extLst>
+              </a:tr>
+              <a:tr h="343097">
+                <a:tc>
+                  <a:txBody>
+                    <a:bodyPr/>
+                    <a:lstStyle/>
+                    <a:p>
+                      <a:pPr algn="ctr" fontAlgn="ctr"/>
+                      <a:r>
+                        <a:rPr lang="en-US" sz="1200" u="none" strike="noStrike">
+                          <a:effectLst/>
+                        </a:rPr>
+                        <a:t>PRJNA677995</a:t>
+                      </a:r>
+                      <a:endParaRPr lang="en-US" sz="1200" b="0" i="0" u="none" strike="noStrike">
+                        <a:solidFill>
+                          <a:srgbClr val="000000"/>
+                        </a:solidFill>
+                        <a:effectLst/>
+                        <a:latin typeface="Calibri" panose="020F0502020204030204" pitchFamily="34" charset="0"/>
+                      </a:endParaRPr>
+                    </a:p>
+                  </a:txBody>
+                  <a:tcPr marL="6051" marR="6051" marT="6051" marB="0" anchor="ctr"/>
+                </a:tc>
+                <a:tc>
+                  <a:txBody>
+                    <a:bodyPr/>
+                    <a:lstStyle/>
+                    <a:p>
+                      <a:pPr algn="ctr" fontAlgn="ctr"/>
+                      <a:r>
+                        <a:rPr lang="en-US" sz="1200" u="none" strike="noStrike">
+                          <a:effectLst/>
+                        </a:rPr>
+                        <a:t>splenic angiosarcoma (hemangiosarcoma) (HSA)</a:t>
+                      </a:r>
+                      <a:endParaRPr lang="en-US" sz="1200" b="0" i="0" u="none" strike="noStrike">
+                        <a:solidFill>
+                          <a:srgbClr val="000000"/>
+                        </a:solidFill>
+                        <a:effectLst/>
+                        <a:latin typeface="Calibri" panose="020F0502020204030204" pitchFamily="34" charset="0"/>
+                      </a:endParaRPr>
+                    </a:p>
+                  </a:txBody>
+                  <a:tcPr marL="6051" marR="6051" marT="6051" marB="0" anchor="ctr"/>
+                </a:tc>
+                <a:tc>
+                  <a:txBody>
+                    <a:bodyPr/>
+                    <a:lstStyle/>
+                    <a:p>
+                      <a:pPr algn="ctr" fontAlgn="ctr"/>
+                      <a:r>
+                        <a:rPr lang="en-US" sz="1200" u="none" strike="noStrike">
+                          <a:effectLst/>
+                        </a:rPr>
+                        <a:t>4(8)</a:t>
+                      </a:r>
+                      <a:endParaRPr lang="en-US" sz="1200" b="0" i="0" u="none" strike="noStrike">
+                        <a:solidFill>
+                          <a:srgbClr val="000000"/>
+                        </a:solidFill>
+                        <a:effectLst/>
+                        <a:latin typeface="Calibri" panose="020F0502020204030204" pitchFamily="34" charset="0"/>
+                      </a:endParaRPr>
+                    </a:p>
+                  </a:txBody>
+                  <a:tcPr marL="6051" marR="6051" marT="6051" marB="0" anchor="ctr"/>
+                </a:tc>
+                <a:tc>
+                  <a:txBody>
+                    <a:bodyPr/>
+                    <a:lstStyle/>
+                    <a:p>
+                      <a:pPr algn="ctr" fontAlgn="ctr"/>
+                      <a:r>
+                        <a:rPr lang="en-US" sz="1200" u="none" strike="noStrike">
+                          <a:effectLst/>
+                        </a:rPr>
+                        <a:t>2020</a:t>
+                      </a:r>
+                      <a:endParaRPr lang="en-US" sz="1200" b="0" i="0" u="none" strike="noStrike">
+                        <a:solidFill>
+                          <a:srgbClr val="000000"/>
+                        </a:solidFill>
+                        <a:effectLst/>
+                        <a:latin typeface="Calibri" panose="020F0502020204030204" pitchFamily="34" charset="0"/>
+                      </a:endParaRPr>
+                    </a:p>
+                  </a:txBody>
+                  <a:tcPr marL="6051" marR="6051" marT="6051" marB="0" anchor="ctr"/>
+                </a:tc>
+                <a:tc>
+                  <a:txBody>
+                    <a:bodyPr/>
+                    <a:lstStyle/>
+                    <a:p>
+                      <a:pPr algn="ctr" fontAlgn="ctr"/>
+                      <a:r>
+                        <a:rPr lang="en-US" sz="1200" u="none" strike="noStrike">
+                          <a:effectLst/>
+                        </a:rPr>
+                        <a:t>Translational Genomics Research Institute</a:t>
+                      </a:r>
+                      <a:endParaRPr lang="en-US" sz="1200" b="0" i="0" u="none" strike="noStrike">
+                        <a:solidFill>
+                          <a:srgbClr val="000000"/>
+                        </a:solidFill>
+                        <a:effectLst/>
+                        <a:latin typeface="Calibri" panose="020F0502020204030204" pitchFamily="34" charset="0"/>
+                      </a:endParaRPr>
+                    </a:p>
+                  </a:txBody>
+                  <a:tcPr marL="6051" marR="6051" marT="6051" marB="0" anchor="ctr"/>
+                </a:tc>
+                <a:extLst>
+                  <a:ext uri="{0D108BD9-81ED-4DB2-BD59-A6C34878D82A}">
+                    <a16:rowId xmlns:a16="http://schemas.microsoft.com/office/drawing/2014/main" val="3665570435"/>
+                  </a:ext>
+                </a:extLst>
+              </a:tr>
+              <a:tr h="343097">
+                <a:tc>
+                  <a:txBody>
+                    <a:bodyPr/>
+                    <a:lstStyle/>
+                    <a:p>
+                      <a:pPr algn="ctr" fontAlgn="ctr"/>
+                      <a:r>
+                        <a:rPr lang="en-US" sz="1200" u="none" strike="noStrike">
+                          <a:effectLst/>
+                        </a:rPr>
+                        <a:t>PRJDB16014</a:t>
+                      </a:r>
+                      <a:endParaRPr lang="en-US" sz="1200" b="0" i="0" u="none" strike="noStrike">
+                        <a:solidFill>
+                          <a:srgbClr val="000000"/>
+                        </a:solidFill>
+                        <a:effectLst/>
+                        <a:latin typeface="Calibri" panose="020F0502020204030204" pitchFamily="34" charset="0"/>
+                      </a:endParaRPr>
+                    </a:p>
+                  </a:txBody>
+                  <a:tcPr marL="6051" marR="6051" marT="6051" marB="0" anchor="ctr"/>
+                </a:tc>
+                <a:tc>
+                  <a:txBody>
+                    <a:bodyPr/>
+                    <a:lstStyle/>
+                    <a:p>
+                      <a:pPr algn="ctr" fontAlgn="ctr"/>
+                      <a:r>
+                        <a:rPr lang="en-US" sz="1200" u="none" strike="noStrike">
+                          <a:effectLst/>
+                        </a:rPr>
+                        <a:t>inflammatory colorectal polyp</a:t>
+                      </a:r>
+                      <a:endParaRPr lang="en-US" sz="1200" b="0" i="0" u="none" strike="noStrike">
+                        <a:solidFill>
+                          <a:srgbClr val="000000"/>
+                        </a:solidFill>
+                        <a:effectLst/>
+                        <a:latin typeface="Calibri" panose="020F0502020204030204" pitchFamily="34" charset="0"/>
+                      </a:endParaRPr>
+                    </a:p>
+                  </a:txBody>
+                  <a:tcPr marL="6051" marR="6051" marT="6051" marB="0" anchor="ctr"/>
+                </a:tc>
+                <a:tc>
+                  <a:txBody>
+                    <a:bodyPr/>
+                    <a:lstStyle/>
+                    <a:p>
+                      <a:pPr algn="ctr" fontAlgn="ctr"/>
+                      <a:r>
+                        <a:rPr lang="en-US" sz="1200" u="none" strike="noStrike">
+                          <a:effectLst/>
+                        </a:rPr>
+                        <a:t>4 unpaired</a:t>
+                      </a:r>
+                      <a:endParaRPr lang="en-US" sz="1200" b="0" i="0" u="none" strike="noStrike">
+                        <a:solidFill>
+                          <a:srgbClr val="000000"/>
+                        </a:solidFill>
+                        <a:effectLst/>
+                        <a:latin typeface="Calibri" panose="020F0502020204030204" pitchFamily="34" charset="0"/>
+                      </a:endParaRPr>
+                    </a:p>
+                  </a:txBody>
+                  <a:tcPr marL="6051" marR="6051" marT="6051" marB="0" anchor="ctr"/>
+                </a:tc>
+                <a:tc>
+                  <a:txBody>
+                    <a:bodyPr/>
+                    <a:lstStyle/>
+                    <a:p>
+                      <a:pPr algn="ctr" fontAlgn="ctr"/>
+                      <a:r>
+                        <a:rPr lang="en-US" sz="1200" u="none" strike="noStrike">
+                          <a:effectLst/>
+                        </a:rPr>
+                        <a:t>2023</a:t>
+                      </a:r>
+                      <a:endParaRPr lang="en-US" sz="1200" b="0" i="0" u="none" strike="noStrike">
+                        <a:solidFill>
+                          <a:srgbClr val="000000"/>
+                        </a:solidFill>
+                        <a:effectLst/>
+                        <a:latin typeface="Calibri" panose="020F0502020204030204" pitchFamily="34" charset="0"/>
+                      </a:endParaRPr>
+                    </a:p>
+                  </a:txBody>
+                  <a:tcPr marL="6051" marR="6051" marT="6051" marB="0" anchor="ctr"/>
+                </a:tc>
+                <a:tc>
+                  <a:txBody>
+                    <a:bodyPr/>
+                    <a:lstStyle/>
+                    <a:p>
+                      <a:pPr algn="ctr" fontAlgn="ctr"/>
+                      <a:r>
+                        <a:rPr lang="en-US" sz="1200" u="none" strike="noStrike">
+                          <a:effectLst/>
+                        </a:rPr>
+                        <a:t>National Institute for Physiological Sciences</a:t>
+                      </a:r>
+                      <a:endParaRPr lang="en-US" sz="1200" b="0" i="0" u="none" strike="noStrike">
+                        <a:solidFill>
+                          <a:srgbClr val="000000"/>
+                        </a:solidFill>
+                        <a:effectLst/>
+                        <a:latin typeface="Calibri" panose="020F0502020204030204" pitchFamily="34" charset="0"/>
+                      </a:endParaRPr>
+                    </a:p>
+                  </a:txBody>
+                  <a:tcPr marL="6051" marR="6051" marT="6051" marB="0" anchor="ctr"/>
+                </a:tc>
+                <a:extLst>
+                  <a:ext uri="{0D108BD9-81ED-4DB2-BD59-A6C34878D82A}">
+                    <a16:rowId xmlns:a16="http://schemas.microsoft.com/office/drawing/2014/main" val="3853521791"/>
+                  </a:ext>
+                </a:extLst>
+              </a:tr>
+              <a:tr h="302776">
+                <a:tc>
+                  <a:txBody>
+                    <a:bodyPr/>
+                    <a:lstStyle/>
+                    <a:p>
+                      <a:pPr algn="ctr" fontAlgn="ctr"/>
+                      <a:r>
+                        <a:rPr lang="en-US" sz="1200" u="none" strike="noStrike">
+                          <a:effectLst/>
+                        </a:rPr>
+                        <a:t>PRJNA891496</a:t>
+                      </a:r>
+                      <a:endParaRPr lang="en-US" sz="1200" b="0" i="0" u="none" strike="noStrike">
+                        <a:solidFill>
+                          <a:srgbClr val="000000"/>
+                        </a:solidFill>
+                        <a:effectLst/>
+                        <a:latin typeface="Calibri" panose="020F0502020204030204" pitchFamily="34" charset="0"/>
+                      </a:endParaRPr>
+                    </a:p>
+                  </a:txBody>
+                  <a:tcPr marL="6051" marR="6051" marT="6051" marB="0" anchor="ctr"/>
+                </a:tc>
+                <a:tc>
+                  <a:txBody>
+                    <a:bodyPr/>
+                    <a:lstStyle/>
+                    <a:p>
+                      <a:pPr algn="ctr" fontAlgn="ctr"/>
+                      <a:r>
+                        <a:rPr lang="en-US" sz="1200" u="none" strike="noStrike">
+                          <a:effectLst/>
+                        </a:rPr>
+                        <a:t>Multiple non-tumor diseases</a:t>
+                      </a:r>
+                      <a:endParaRPr lang="en-US" sz="1200" b="0" i="0" u="none" strike="noStrike">
+                        <a:solidFill>
+                          <a:srgbClr val="000000"/>
+                        </a:solidFill>
+                        <a:effectLst/>
+                        <a:latin typeface="Calibri" panose="020F0502020204030204" pitchFamily="34" charset="0"/>
+                      </a:endParaRPr>
+                    </a:p>
+                  </a:txBody>
+                  <a:tcPr marL="6051" marR="6051" marT="6051" marB="0" anchor="ctr"/>
+                </a:tc>
+                <a:tc>
+                  <a:txBody>
+                    <a:bodyPr/>
+                    <a:lstStyle/>
+                    <a:p>
+                      <a:pPr algn="ctr" fontAlgn="ctr"/>
+                      <a:r>
+                        <a:rPr lang="en-US" sz="1200" u="none" strike="noStrike">
+                          <a:effectLst/>
+                        </a:rPr>
+                        <a:t>49 unpaired</a:t>
+                      </a:r>
+                      <a:endParaRPr lang="en-US" sz="1200" b="0" i="0" u="none" strike="noStrike">
+                        <a:solidFill>
+                          <a:srgbClr val="000000"/>
+                        </a:solidFill>
+                        <a:effectLst/>
+                        <a:latin typeface="Calibri" panose="020F0502020204030204" pitchFamily="34" charset="0"/>
+                      </a:endParaRPr>
+                    </a:p>
+                  </a:txBody>
+                  <a:tcPr marL="6051" marR="6051" marT="6051" marB="0" anchor="ctr"/>
+                </a:tc>
+                <a:tc>
+                  <a:txBody>
+                    <a:bodyPr/>
+                    <a:lstStyle/>
+                    <a:p>
+                      <a:pPr algn="ctr" fontAlgn="ctr"/>
+                      <a:r>
+                        <a:rPr lang="en-US" sz="1200" u="none" strike="noStrike">
+                          <a:effectLst/>
+                        </a:rPr>
+                        <a:t>2022</a:t>
+                      </a:r>
+                      <a:endParaRPr lang="en-US" sz="1200" b="0" i="0" u="none" strike="noStrike">
+                        <a:solidFill>
+                          <a:srgbClr val="000000"/>
+                        </a:solidFill>
+                        <a:effectLst/>
+                        <a:latin typeface="Calibri" panose="020F0502020204030204" pitchFamily="34" charset="0"/>
+                      </a:endParaRPr>
+                    </a:p>
+                  </a:txBody>
+                  <a:tcPr marL="6051" marR="6051" marT="6051" marB="0" anchor="ctr"/>
+                </a:tc>
+                <a:tc>
+                  <a:txBody>
+                    <a:bodyPr/>
+                    <a:lstStyle/>
+                    <a:p>
+                      <a:pPr algn="ctr" fontAlgn="ctr"/>
+                      <a:r>
+                        <a:rPr lang="en-US" sz="1200" u="none" strike="noStrike">
+                          <a:effectLst/>
+                        </a:rPr>
+                        <a:t>Ghent University</a:t>
+                      </a:r>
+                      <a:endParaRPr lang="en-US" sz="1200" b="0" i="0" u="none" strike="noStrike">
+                        <a:solidFill>
+                          <a:srgbClr val="000000"/>
+                        </a:solidFill>
+                        <a:effectLst/>
+                        <a:latin typeface="Calibri" panose="020F0502020204030204" pitchFamily="34" charset="0"/>
+                      </a:endParaRPr>
+                    </a:p>
+                  </a:txBody>
+                  <a:tcPr marL="6051" marR="6051" marT="6051" marB="0" anchor="ctr"/>
+                </a:tc>
+                <a:extLst>
+                  <a:ext uri="{0D108BD9-81ED-4DB2-BD59-A6C34878D82A}">
+                    <a16:rowId xmlns:a16="http://schemas.microsoft.com/office/drawing/2014/main" val="2513784657"/>
+                  </a:ext>
+                </a:extLst>
+              </a:tr>
+              <a:tr h="302776">
+                <a:tc>
+                  <a:txBody>
+                    <a:bodyPr/>
+                    <a:lstStyle/>
+                    <a:p>
+                      <a:pPr algn="ctr" fontAlgn="ctr"/>
+                      <a:r>
+                        <a:rPr lang="en-US" sz="1200" u="none" strike="noStrike">
+                          <a:effectLst/>
+                        </a:rPr>
+                        <a:t>PRJNA630029</a:t>
+                      </a:r>
+                      <a:endParaRPr lang="en-US" sz="1200" b="0" i="0" u="none" strike="noStrike">
+                        <a:solidFill>
+                          <a:srgbClr val="000000"/>
+                        </a:solidFill>
+                        <a:effectLst/>
+                        <a:latin typeface="Calibri" panose="020F0502020204030204" pitchFamily="34" charset="0"/>
+                      </a:endParaRPr>
+                    </a:p>
+                  </a:txBody>
+                  <a:tcPr marL="6051" marR="6051" marT="6051" marB="0" anchor="ctr"/>
+                </a:tc>
+                <a:tc>
+                  <a:txBody>
+                    <a:bodyPr/>
+                    <a:lstStyle/>
+                    <a:p>
+                      <a:pPr algn="ctr" fontAlgn="ctr"/>
+                      <a:r>
+                        <a:rPr lang="en-US" sz="1200" u="none" strike="noStrike" dirty="0">
+                          <a:effectLst/>
+                        </a:rPr>
+                        <a:t>fearfulness</a:t>
+                      </a:r>
+                      <a:endParaRPr lang="en-US" sz="1200" b="0" i="0" u="none" strike="noStrike" dirty="0">
+                        <a:solidFill>
+                          <a:srgbClr val="000000"/>
+                        </a:solidFill>
+                        <a:effectLst/>
+                        <a:latin typeface="Calibri" panose="020F0502020204030204" pitchFamily="34" charset="0"/>
+                      </a:endParaRPr>
+                    </a:p>
+                  </a:txBody>
+                  <a:tcPr marL="6051" marR="6051" marT="6051" marB="0" anchor="ctr"/>
+                </a:tc>
+                <a:tc>
+                  <a:txBody>
+                    <a:bodyPr/>
+                    <a:lstStyle/>
+                    <a:p>
+                      <a:pPr algn="ctr" fontAlgn="ctr"/>
+                      <a:r>
+                        <a:rPr lang="en-US" sz="1200" u="none" strike="noStrike">
+                          <a:effectLst/>
+                        </a:rPr>
+                        <a:t>16 unpaired</a:t>
+                      </a:r>
+                      <a:endParaRPr lang="en-US" sz="1200" b="0" i="0" u="none" strike="noStrike">
+                        <a:solidFill>
+                          <a:srgbClr val="000000"/>
+                        </a:solidFill>
+                        <a:effectLst/>
+                        <a:latin typeface="Calibri" panose="020F0502020204030204" pitchFamily="34" charset="0"/>
+                      </a:endParaRPr>
+                    </a:p>
+                  </a:txBody>
+                  <a:tcPr marL="6051" marR="6051" marT="6051" marB="0" anchor="ctr"/>
+                </a:tc>
+                <a:tc>
+                  <a:txBody>
+                    <a:bodyPr/>
+                    <a:lstStyle/>
+                    <a:p>
+                      <a:pPr algn="ctr" fontAlgn="ctr"/>
+                      <a:r>
+                        <a:rPr lang="en-US" sz="1200" u="none" strike="noStrike">
+                          <a:effectLst/>
+                        </a:rPr>
+                        <a:t>2020</a:t>
+                      </a:r>
+                      <a:endParaRPr lang="en-US" sz="1200" b="0" i="0" u="none" strike="noStrike">
+                        <a:solidFill>
+                          <a:srgbClr val="000000"/>
+                        </a:solidFill>
+                        <a:effectLst/>
+                        <a:latin typeface="Calibri" panose="020F0502020204030204" pitchFamily="34" charset="0"/>
+                      </a:endParaRPr>
+                    </a:p>
+                  </a:txBody>
+                  <a:tcPr marL="6051" marR="6051" marT="6051" marB="0" anchor="ctr"/>
+                </a:tc>
+                <a:tc>
+                  <a:txBody>
+                    <a:bodyPr/>
+                    <a:lstStyle/>
+                    <a:p>
+                      <a:pPr algn="ctr" fontAlgn="ctr"/>
+                      <a:r>
+                        <a:rPr lang="en-US" sz="1200" u="none" strike="noStrike">
+                          <a:effectLst/>
+                        </a:rPr>
+                        <a:t>University of Helsinki</a:t>
+                      </a:r>
+                      <a:endParaRPr lang="en-US" sz="1200" b="0" i="0" u="none" strike="noStrike">
+                        <a:solidFill>
+                          <a:srgbClr val="000000"/>
+                        </a:solidFill>
+                        <a:effectLst/>
+                        <a:latin typeface="Calibri" panose="020F0502020204030204" pitchFamily="34" charset="0"/>
+                      </a:endParaRPr>
+                    </a:p>
+                  </a:txBody>
+                  <a:tcPr marL="6051" marR="6051" marT="6051" marB="0" anchor="ctr"/>
+                </a:tc>
+                <a:extLst>
+                  <a:ext uri="{0D108BD9-81ED-4DB2-BD59-A6C34878D82A}">
+                    <a16:rowId xmlns:a16="http://schemas.microsoft.com/office/drawing/2014/main" val="3314832525"/>
+                  </a:ext>
+                </a:extLst>
+              </a:tr>
+              <a:tr h="302776">
+                <a:tc>
+                  <a:txBody>
+                    <a:bodyPr/>
+                    <a:lstStyle/>
+                    <a:p>
+                      <a:pPr algn="ctr" fontAlgn="ctr"/>
+                      <a:r>
+                        <a:rPr lang="en-US" sz="1200" u="none" strike="noStrike">
+                          <a:effectLst/>
+                        </a:rPr>
+                        <a:t>PRJNA616374</a:t>
+                      </a:r>
+                      <a:endParaRPr lang="en-US" sz="1200" b="0" i="0" u="none" strike="noStrike">
+                        <a:solidFill>
+                          <a:srgbClr val="000000"/>
+                        </a:solidFill>
+                        <a:effectLst/>
+                        <a:latin typeface="Calibri" panose="020F0502020204030204" pitchFamily="34" charset="0"/>
+                      </a:endParaRPr>
+                    </a:p>
+                  </a:txBody>
+                  <a:tcPr marL="6051" marR="6051" marT="6051" marB="0" anchor="ctr"/>
+                </a:tc>
+                <a:tc>
+                  <a:txBody>
+                    <a:bodyPr/>
+                    <a:lstStyle/>
+                    <a:p>
+                      <a:pPr algn="ctr" fontAlgn="ctr"/>
+                      <a:r>
+                        <a:rPr lang="en-US" sz="1200" u="none" strike="noStrike">
+                          <a:effectLst/>
+                        </a:rPr>
+                        <a:t>Primary bladder tumor</a:t>
+                      </a:r>
+                      <a:endParaRPr lang="en-US" sz="1200" b="0" i="0" u="none" strike="noStrike">
+                        <a:solidFill>
+                          <a:srgbClr val="000000"/>
+                        </a:solidFill>
+                        <a:effectLst/>
+                        <a:latin typeface="Calibri" panose="020F0502020204030204" pitchFamily="34" charset="0"/>
+                      </a:endParaRPr>
+                    </a:p>
+                  </a:txBody>
+                  <a:tcPr marL="6051" marR="6051" marT="6051" marB="0" anchor="ctr"/>
+                </a:tc>
+                <a:tc>
+                  <a:txBody>
+                    <a:bodyPr/>
+                    <a:lstStyle/>
+                    <a:p>
+                      <a:pPr algn="ctr" fontAlgn="ctr"/>
+                      <a:r>
+                        <a:rPr lang="en-US" sz="1200" u="none" strike="noStrike">
+                          <a:effectLst/>
+                        </a:rPr>
+                        <a:t>11 unpaired</a:t>
+                      </a:r>
+                      <a:endParaRPr lang="en-US" sz="1200" b="0" i="0" u="none" strike="noStrike">
+                        <a:solidFill>
+                          <a:srgbClr val="000000"/>
+                        </a:solidFill>
+                        <a:effectLst/>
+                        <a:latin typeface="Calibri" panose="020F0502020204030204" pitchFamily="34" charset="0"/>
+                      </a:endParaRPr>
+                    </a:p>
+                  </a:txBody>
+                  <a:tcPr marL="6051" marR="6051" marT="6051" marB="0" anchor="ctr"/>
+                </a:tc>
+                <a:tc>
+                  <a:txBody>
+                    <a:bodyPr/>
+                    <a:lstStyle/>
+                    <a:p>
+                      <a:pPr algn="ctr" fontAlgn="ctr"/>
+                      <a:r>
+                        <a:rPr lang="en-US" sz="1200" u="none" strike="noStrike">
+                          <a:effectLst/>
+                        </a:rPr>
+                        <a:t>2020</a:t>
+                      </a:r>
+                      <a:endParaRPr lang="en-US" sz="1200" b="0" i="0" u="none" strike="noStrike">
+                        <a:solidFill>
+                          <a:srgbClr val="000000"/>
+                        </a:solidFill>
+                        <a:effectLst/>
+                        <a:latin typeface="Calibri" panose="020F0502020204030204" pitchFamily="34" charset="0"/>
+                      </a:endParaRPr>
+                    </a:p>
+                  </a:txBody>
+                  <a:tcPr marL="6051" marR="6051" marT="6051" marB="0" anchor="ctr"/>
+                </a:tc>
+                <a:tc>
+                  <a:txBody>
+                    <a:bodyPr/>
+                    <a:lstStyle/>
+                    <a:p>
+                      <a:pPr algn="ctr" fontAlgn="ctr"/>
+                      <a:r>
+                        <a:rPr lang="en-US" sz="1200" u="none" strike="noStrike">
+                          <a:effectLst/>
+                        </a:rPr>
+                        <a:t>Colorado State University</a:t>
+                      </a:r>
+                      <a:endParaRPr lang="en-US" sz="1200" b="0" i="0" u="none" strike="noStrike">
+                        <a:solidFill>
+                          <a:srgbClr val="000000"/>
+                        </a:solidFill>
+                        <a:effectLst/>
+                        <a:latin typeface="Calibri" panose="020F0502020204030204" pitchFamily="34" charset="0"/>
+                      </a:endParaRPr>
+                    </a:p>
+                  </a:txBody>
+                  <a:tcPr marL="6051" marR="6051" marT="6051" marB="0" anchor="ctr"/>
+                </a:tc>
+                <a:extLst>
+                  <a:ext uri="{0D108BD9-81ED-4DB2-BD59-A6C34878D82A}">
+                    <a16:rowId xmlns:a16="http://schemas.microsoft.com/office/drawing/2014/main" val="3829918654"/>
+                  </a:ext>
+                </a:extLst>
+              </a:tr>
+              <a:tr h="302776">
+                <a:tc>
+                  <a:txBody>
+                    <a:bodyPr/>
+                    <a:lstStyle/>
+                    <a:p>
+                      <a:pPr algn="ctr" fontAlgn="ctr"/>
+                      <a:r>
+                        <a:rPr lang="en-US" sz="1200" u="none" strike="noStrike">
+                          <a:effectLst/>
+                        </a:rPr>
+                        <a:t>PRJNA613479</a:t>
+                      </a:r>
+                      <a:endParaRPr lang="en-US" sz="1200" b="0" i="0" u="none" strike="noStrike">
+                        <a:solidFill>
+                          <a:srgbClr val="000000"/>
+                        </a:solidFill>
+                        <a:effectLst/>
+                        <a:latin typeface="Calibri" panose="020F0502020204030204" pitchFamily="34" charset="0"/>
+                      </a:endParaRPr>
+                    </a:p>
+                  </a:txBody>
+                  <a:tcPr marL="6051" marR="6051" marT="6051" marB="0" anchor="ctr"/>
+                </a:tc>
+                <a:tc>
+                  <a:txBody>
+                    <a:bodyPr/>
+                    <a:lstStyle/>
+                    <a:p>
+                      <a:pPr algn="ctr" fontAlgn="ctr"/>
+                      <a:r>
+                        <a:rPr lang="en-US" sz="1200" u="none" strike="noStrike">
+                          <a:effectLst/>
+                        </a:rPr>
+                        <a:t>Osteosarcoma (OSA)</a:t>
+                      </a:r>
+                      <a:endParaRPr lang="en-US" sz="1200" b="0" i="0" u="none" strike="noStrike">
+                        <a:solidFill>
+                          <a:srgbClr val="000000"/>
+                        </a:solidFill>
+                        <a:effectLst/>
+                        <a:latin typeface="Calibri" panose="020F0502020204030204" pitchFamily="34" charset="0"/>
+                      </a:endParaRPr>
+                    </a:p>
+                  </a:txBody>
+                  <a:tcPr marL="6051" marR="6051" marT="6051" marB="0" anchor="ctr"/>
+                </a:tc>
+                <a:tc>
+                  <a:txBody>
+                    <a:bodyPr/>
+                    <a:lstStyle/>
+                    <a:p>
+                      <a:pPr algn="ctr" fontAlgn="ctr"/>
+                      <a:r>
+                        <a:rPr lang="en-US" sz="1200" u="none" strike="noStrike">
+                          <a:effectLst/>
+                        </a:rPr>
+                        <a:t>27 unpaired</a:t>
+                      </a:r>
+                      <a:endParaRPr lang="en-US" sz="1200" b="0" i="0" u="none" strike="noStrike">
+                        <a:solidFill>
+                          <a:srgbClr val="000000"/>
+                        </a:solidFill>
+                        <a:effectLst/>
+                        <a:latin typeface="Calibri" panose="020F0502020204030204" pitchFamily="34" charset="0"/>
+                      </a:endParaRPr>
+                    </a:p>
+                  </a:txBody>
+                  <a:tcPr marL="6051" marR="6051" marT="6051" marB="0" anchor="ctr"/>
+                </a:tc>
+                <a:tc>
+                  <a:txBody>
+                    <a:bodyPr/>
+                    <a:lstStyle/>
+                    <a:p>
+                      <a:pPr algn="ctr" fontAlgn="ctr"/>
+                      <a:r>
+                        <a:rPr lang="en-US" sz="1200" u="none" strike="noStrike">
+                          <a:effectLst/>
+                        </a:rPr>
+                        <a:t>2020</a:t>
+                      </a:r>
+                      <a:endParaRPr lang="en-US" sz="1200" b="0" i="0" u="none" strike="noStrike">
+                        <a:solidFill>
+                          <a:srgbClr val="000000"/>
+                        </a:solidFill>
+                        <a:effectLst/>
+                        <a:latin typeface="Calibri" panose="020F0502020204030204" pitchFamily="34" charset="0"/>
+                      </a:endParaRPr>
+                    </a:p>
+                  </a:txBody>
+                  <a:tcPr marL="6051" marR="6051" marT="6051" marB="0" anchor="ctr"/>
+                </a:tc>
+                <a:tc>
+                  <a:txBody>
+                    <a:bodyPr/>
+                    <a:lstStyle/>
+                    <a:p>
+                      <a:pPr algn="ctr" fontAlgn="ctr"/>
+                      <a:r>
+                        <a:rPr lang="en-US" sz="1200" u="none" strike="noStrike">
+                          <a:effectLst/>
+                        </a:rPr>
+                        <a:t>Colorado State University</a:t>
+                      </a:r>
+                      <a:endParaRPr lang="en-US" sz="1200" b="0" i="0" u="none" strike="noStrike">
+                        <a:solidFill>
+                          <a:srgbClr val="000000"/>
+                        </a:solidFill>
+                        <a:effectLst/>
+                        <a:latin typeface="Calibri" panose="020F0502020204030204" pitchFamily="34" charset="0"/>
+                      </a:endParaRPr>
+                    </a:p>
+                  </a:txBody>
+                  <a:tcPr marL="6051" marR="6051" marT="6051" marB="0" anchor="ctr"/>
+                </a:tc>
+                <a:extLst>
+                  <a:ext uri="{0D108BD9-81ED-4DB2-BD59-A6C34878D82A}">
+                    <a16:rowId xmlns:a16="http://schemas.microsoft.com/office/drawing/2014/main" val="851699490"/>
+                  </a:ext>
+                </a:extLst>
+              </a:tr>
+              <a:tr h="302776">
+                <a:tc>
+                  <a:txBody>
+                    <a:bodyPr/>
+                    <a:lstStyle/>
+                    <a:p>
+                      <a:pPr algn="ctr" fontAlgn="ctr"/>
+                      <a:r>
+                        <a:rPr lang="en-US" sz="1200" u="none" strike="noStrike">
+                          <a:effectLst/>
+                        </a:rPr>
+                        <a:t>PRJEB57227</a:t>
+                      </a:r>
+                      <a:endParaRPr lang="en-US" sz="1200" b="0" i="0" u="none" strike="noStrike">
+                        <a:solidFill>
+                          <a:srgbClr val="000000"/>
+                        </a:solidFill>
+                        <a:effectLst/>
+                        <a:latin typeface="Calibri" panose="020F0502020204030204" pitchFamily="34" charset="0"/>
+                      </a:endParaRPr>
+                    </a:p>
+                  </a:txBody>
+                  <a:tcPr marL="6051" marR="6051" marT="6051" marB="0" anchor="ctr"/>
+                </a:tc>
+                <a:tc>
+                  <a:txBody>
+                    <a:bodyPr/>
+                    <a:lstStyle/>
+                    <a:p>
+                      <a:pPr algn="ctr" fontAlgn="ctr"/>
+                      <a:r>
+                        <a:rPr lang="en-US" sz="1200" u="none" strike="noStrike">
+                          <a:effectLst/>
+                        </a:rPr>
+                        <a:t>Urothelial carcinoma (UC)</a:t>
+                      </a:r>
+                      <a:endParaRPr lang="en-US" sz="1200" b="0" i="0" u="none" strike="noStrike">
+                        <a:solidFill>
+                          <a:srgbClr val="000000"/>
+                        </a:solidFill>
+                        <a:effectLst/>
+                        <a:latin typeface="Calibri" panose="020F0502020204030204" pitchFamily="34" charset="0"/>
+                      </a:endParaRPr>
+                    </a:p>
+                  </a:txBody>
+                  <a:tcPr marL="6051" marR="6051" marT="6051" marB="0" anchor="ctr"/>
+                </a:tc>
+                <a:tc>
+                  <a:txBody>
+                    <a:bodyPr/>
+                    <a:lstStyle/>
+                    <a:p>
+                      <a:pPr algn="ctr" fontAlgn="ctr"/>
+                      <a:r>
+                        <a:rPr lang="en-US" sz="1200" u="none" strike="noStrike" dirty="0">
+                          <a:effectLst/>
+                        </a:rPr>
+                        <a:t>87(174)</a:t>
+                      </a:r>
+                      <a:endParaRPr lang="en-US" sz="1200" b="0" i="0" u="none" strike="noStrike" dirty="0">
+                        <a:solidFill>
+                          <a:srgbClr val="000000"/>
+                        </a:solidFill>
+                        <a:effectLst/>
+                        <a:latin typeface="Calibri" panose="020F0502020204030204" pitchFamily="34" charset="0"/>
+                      </a:endParaRPr>
+                    </a:p>
+                  </a:txBody>
+                  <a:tcPr marL="6051" marR="6051" marT="6051" marB="0" anchor="ctr"/>
+                </a:tc>
+                <a:tc>
+                  <a:txBody>
+                    <a:bodyPr/>
+                    <a:lstStyle/>
+                    <a:p>
+                      <a:pPr algn="ctr" fontAlgn="ctr"/>
+                      <a:r>
+                        <a:rPr lang="en-US" sz="1200" u="none" strike="noStrike" dirty="0">
+                          <a:effectLst/>
+                        </a:rPr>
+                        <a:t>2022</a:t>
+                      </a:r>
+                      <a:endParaRPr lang="en-US" sz="1200" b="0" i="0" u="none" strike="noStrike" dirty="0">
+                        <a:solidFill>
+                          <a:srgbClr val="000000"/>
+                        </a:solidFill>
+                        <a:effectLst/>
+                        <a:latin typeface="Calibri" panose="020F0502020204030204" pitchFamily="34" charset="0"/>
+                      </a:endParaRPr>
+                    </a:p>
+                  </a:txBody>
+                  <a:tcPr marL="6051" marR="6051" marT="6051" marB="0" anchor="ctr"/>
+                </a:tc>
+                <a:tc>
+                  <a:txBody>
+                    <a:bodyPr/>
+                    <a:lstStyle/>
+                    <a:p>
+                      <a:pPr algn="ctr" fontAlgn="ctr"/>
+                      <a:r>
+                        <a:rPr lang="en-US" sz="1200" u="none" strike="noStrike" dirty="0" err="1">
+                          <a:effectLst/>
+                        </a:rPr>
+                        <a:t>Wellcome</a:t>
+                      </a:r>
+                      <a:r>
+                        <a:rPr lang="en-US" sz="1200" u="none" strike="noStrike" dirty="0">
+                          <a:effectLst/>
+                        </a:rPr>
+                        <a:t> Sanger Institute</a:t>
+                      </a:r>
+                      <a:endParaRPr lang="en-US" sz="1200" b="0" i="0" u="none" strike="noStrike" dirty="0">
+                        <a:solidFill>
+                          <a:srgbClr val="000000"/>
+                        </a:solidFill>
+                        <a:effectLst/>
+                        <a:latin typeface="Calibri" panose="020F0502020204030204" pitchFamily="34" charset="0"/>
+                      </a:endParaRPr>
+                    </a:p>
+                  </a:txBody>
+                  <a:tcPr marL="6051" marR="6051" marT="6051" marB="0" anchor="ctr"/>
+                </a:tc>
+                <a:extLst>
+                  <a:ext uri="{0D108BD9-81ED-4DB2-BD59-A6C34878D82A}">
+                    <a16:rowId xmlns:a16="http://schemas.microsoft.com/office/drawing/2014/main" val="4088729879"/>
+                  </a:ext>
+                </a:extLst>
+              </a:tr>
+            </a:tbl>
+          </a:graphicData>
+        </a:graphic>
+      </p:graphicFrame>
+    </p:spTree>
+    <p:extLst>
+      <p:ext uri="{BB962C8B-B14F-4D97-AF65-F5344CB8AC3E}">
+        <p14:creationId xmlns:p14="http://schemas.microsoft.com/office/powerpoint/2010/main" val="3336136603"/>
+      </p:ext>
+    </p:extLst>
+  </p:cSld>
+  <p:clrMapOvr>
+    <a:masterClrMapping/>
+  </p:clrMapOvr>
+</p:sld>
+</file>
+
+<file path=ppt/slides/slide7.xml><?xml version="1.0" encoding="utf-8"?>
 <p:sld xmlns:a="http://schemas.openxmlformats.org/drawingml/2006/main" xmlns:r="http://schemas.openxmlformats.org/officeDocument/2006/relationships" xmlns:p="http://schemas.openxmlformats.org/presentationml/2006/main">
   <p:cSld>
     <p:bg>
@@ -5908,10 +8135,10 @@
       </p:grpSpPr>
       <p:grpSp>
         <p:nvGrpSpPr>
-          <p:cNvPr id="41" name="Group 40">
-            <a:extLst>
-              <a:ext uri="{FF2B5EF4-FFF2-40B4-BE49-F238E27FC236}">
-                <a16:creationId xmlns:a16="http://schemas.microsoft.com/office/drawing/2014/main" id="{C7702BCA-75CE-C90C-AE51-49E6B946C9EC}"/>
+          <p:cNvPr id="4" name="Group 3">
+            <a:extLst>
+              <a:ext uri="{FF2B5EF4-FFF2-40B4-BE49-F238E27FC236}">
+                <a16:creationId xmlns:a16="http://schemas.microsoft.com/office/drawing/2014/main" id="{8F149C0F-EDDE-0C87-FBC0-F24B21E35BE7}"/>
               </a:ext>
             </a:extLst>
           </p:cNvPr>
@@ -5921,17 +8148,17 @@
         <p:grpSpPr>
           <a:xfrm>
             <a:off x="1166648" y="780496"/>
-            <a:ext cx="9651371" cy="6206432"/>
-            <a:chOff x="635262" y="-2804"/>
-            <a:chExt cx="10918481" cy="7021263"/>
+            <a:ext cx="9651371" cy="6183028"/>
+            <a:chOff x="1166648" y="780496"/>
+            <a:chExt cx="9651371" cy="6183028"/>
           </a:xfrm>
         </p:grpSpPr>
         <p:pic>
           <p:nvPicPr>
-            <p:cNvPr id="17" name="Picture 16">
+            <p:cNvPr id="3" name="Picture 2">
               <a:extLst>
                 <a:ext uri="{FF2B5EF4-FFF2-40B4-BE49-F238E27FC236}">
-                  <a16:creationId xmlns:a16="http://schemas.microsoft.com/office/drawing/2014/main" id="{5006424D-F304-1CC1-49D6-999849633469}"/>
+                  <a16:creationId xmlns:a16="http://schemas.microsoft.com/office/drawing/2014/main" id="{ED02697F-9C06-5634-DD00-5D47D3C46D4C}"/>
                 </a:ext>
               </a:extLst>
             </p:cNvPr>
@@ -5948,374 +8175,395 @@
           </p:blipFill>
           <p:spPr>
             <a:xfrm>
-              <a:off x="4285290" y="-1"/>
-              <a:ext cx="3594944" cy="3594944"/>
+              <a:off x="1232501" y="3818888"/>
+              <a:ext cx="3144636" cy="3144636"/>
             </a:xfrm>
             <a:prstGeom prst="rect">
               <a:avLst/>
             </a:prstGeom>
           </p:spPr>
         </p:pic>
-        <p:pic>
-          <p:nvPicPr>
-            <p:cNvPr id="19" name="Picture 18">
+        <p:grpSp>
+          <p:nvGrpSpPr>
+            <p:cNvPr id="41" name="Group 40">
               <a:extLst>
                 <a:ext uri="{FF2B5EF4-FFF2-40B4-BE49-F238E27FC236}">
-                  <a16:creationId xmlns:a16="http://schemas.microsoft.com/office/drawing/2014/main" id="{046ED0DE-2ABC-7255-43F0-402F1A4AEF36}"/>
+                  <a16:creationId xmlns:a16="http://schemas.microsoft.com/office/drawing/2014/main" id="{C7702BCA-75CE-C90C-AE51-49E6B946C9EC}"/>
                 </a:ext>
               </a:extLst>
             </p:cNvPr>
-            <p:cNvPicPr>
-              <a:picLocks noChangeAspect="1"/>
-            </p:cNvPicPr>
+            <p:cNvGrpSpPr/>
             <p:nvPr/>
-          </p:nvPicPr>
-          <p:blipFill>
-            <a:blip r:embed="rId3"/>
-            <a:stretch>
-              <a:fillRect/>
-            </a:stretch>
-          </p:blipFill>
-          <p:spPr>
+          </p:nvGrpSpPr>
+          <p:grpSpPr>
             <a:xfrm>
-              <a:off x="7919515" y="-4"/>
-              <a:ext cx="3594947" cy="3594947"/>
+              <a:off x="1166648" y="780496"/>
+              <a:ext cx="9651371" cy="6183028"/>
+              <a:chOff x="635262" y="-2804"/>
+              <a:chExt cx="10918481" cy="6994786"/>
             </a:xfrm>
-            <a:prstGeom prst="rect">
-              <a:avLst/>
-            </a:prstGeom>
-          </p:spPr>
-        </p:pic>
-        <p:pic>
-          <p:nvPicPr>
-            <p:cNvPr id="13" name="Picture 12">
-              <a:extLst>
-                <a:ext uri="{FF2B5EF4-FFF2-40B4-BE49-F238E27FC236}">
-                  <a16:creationId xmlns:a16="http://schemas.microsoft.com/office/drawing/2014/main" id="{B869AC20-CD7F-634D-9BB3-1AB2C1E3E0EE}"/>
-                </a:ext>
-              </a:extLst>
-            </p:cNvPr>
-            <p:cNvPicPr>
-              <a:picLocks noChangeAspect="1"/>
-            </p:cNvPicPr>
-            <p:nvPr/>
-          </p:nvPicPr>
-          <p:blipFill>
-            <a:blip r:embed="rId4"/>
-            <a:stretch>
-              <a:fillRect/>
-            </a:stretch>
-          </p:blipFill>
-          <p:spPr>
-            <a:xfrm>
-              <a:off x="651752" y="0"/>
-              <a:ext cx="3621419" cy="3621419"/>
-            </a:xfrm>
-            <a:prstGeom prst="rect">
-              <a:avLst/>
-            </a:prstGeom>
-          </p:spPr>
-        </p:pic>
-        <p:pic>
-          <p:nvPicPr>
-            <p:cNvPr id="23" name="Picture 22">
-              <a:extLst>
-                <a:ext uri="{FF2B5EF4-FFF2-40B4-BE49-F238E27FC236}">
-                  <a16:creationId xmlns:a16="http://schemas.microsoft.com/office/drawing/2014/main" id="{7FB249A4-F429-48DB-35A7-8790183A0E96}"/>
-                </a:ext>
-              </a:extLst>
-            </p:cNvPr>
-            <p:cNvPicPr>
-              <a:picLocks noChangeAspect="1"/>
-            </p:cNvPicPr>
-            <p:nvPr/>
-          </p:nvPicPr>
-          <p:blipFill>
-            <a:blip r:embed="rId5"/>
-            <a:stretch>
-              <a:fillRect/>
-            </a:stretch>
-          </p:blipFill>
-          <p:spPr>
-            <a:xfrm>
-              <a:off x="7958800" y="3347140"/>
-              <a:ext cx="3594943" cy="3594943"/>
-            </a:xfrm>
-            <a:prstGeom prst="rect">
-              <a:avLst/>
-            </a:prstGeom>
-          </p:spPr>
-        </p:pic>
-        <p:pic>
-          <p:nvPicPr>
-            <p:cNvPr id="15" name="Picture 14">
-              <a:extLst>
-                <a:ext uri="{FF2B5EF4-FFF2-40B4-BE49-F238E27FC236}">
-                  <a16:creationId xmlns:a16="http://schemas.microsoft.com/office/drawing/2014/main" id="{8A644AC2-7E82-2FEA-EABD-868206DC94B3}"/>
-                </a:ext>
-              </a:extLst>
-            </p:cNvPr>
-            <p:cNvPicPr>
-              <a:picLocks noChangeAspect="1"/>
-            </p:cNvPicPr>
-            <p:nvPr/>
-          </p:nvPicPr>
-          <p:blipFill>
-            <a:blip r:embed="rId6"/>
-            <a:stretch>
-              <a:fillRect/>
-            </a:stretch>
-          </p:blipFill>
-          <p:spPr>
-            <a:xfrm>
-              <a:off x="4440263" y="3397039"/>
-              <a:ext cx="3594943" cy="3594943"/>
-            </a:xfrm>
-            <a:prstGeom prst="rect">
-              <a:avLst/>
-            </a:prstGeom>
-          </p:spPr>
-        </p:pic>
-        <p:pic>
-          <p:nvPicPr>
-            <p:cNvPr id="21" name="Picture 20">
-              <a:extLst>
-                <a:ext uri="{FF2B5EF4-FFF2-40B4-BE49-F238E27FC236}">
-                  <a16:creationId xmlns:a16="http://schemas.microsoft.com/office/drawing/2014/main" id="{F356C611-C8A2-FC3A-0217-03C5B6B6A847}"/>
-                </a:ext>
-              </a:extLst>
-            </p:cNvPr>
-            <p:cNvPicPr>
-              <a:picLocks noChangeAspect="1"/>
-            </p:cNvPicPr>
-            <p:nvPr/>
-          </p:nvPicPr>
-          <p:blipFill>
-            <a:blip r:embed="rId7"/>
-            <a:stretch>
-              <a:fillRect/>
-            </a:stretch>
-          </p:blipFill>
-          <p:spPr>
-            <a:xfrm>
-              <a:off x="850530" y="3397039"/>
-              <a:ext cx="3621420" cy="3621420"/>
-            </a:xfrm>
-            <a:prstGeom prst="rect">
-              <a:avLst/>
-            </a:prstGeom>
-          </p:spPr>
-        </p:pic>
-        <p:sp>
-          <p:nvSpPr>
-            <p:cNvPr id="24" name="TextBox 23">
-              <a:extLst>
-                <a:ext uri="{FF2B5EF4-FFF2-40B4-BE49-F238E27FC236}">
-                  <a16:creationId xmlns:a16="http://schemas.microsoft.com/office/drawing/2014/main" id="{99E35AD5-FAEA-3493-5FDA-C8C0B3FFD0A5}"/>
-                </a:ext>
-              </a:extLst>
-            </p:cNvPr>
-            <p:cNvSpPr txBox="1"/>
-            <p:nvPr/>
-          </p:nvSpPr>
-          <p:spPr>
-            <a:xfrm>
-              <a:off x="639633" y="26476"/>
-              <a:ext cx="536028" cy="369332"/>
-            </a:xfrm>
-            <a:prstGeom prst="rect">
-              <a:avLst/>
-            </a:prstGeom>
-            <a:noFill/>
-          </p:spPr>
-          <p:txBody>
-            <a:bodyPr wrap="square" rtlCol="0">
-              <a:spAutoFit/>
-            </a:bodyPr>
-            <a:lstStyle/>
-            <a:p>
-              <a:r>
-                <a:rPr lang="en-US" dirty="0"/>
-                <a:t>A</a:t>
-              </a:r>
-            </a:p>
-          </p:txBody>
-        </p:sp>
-        <p:sp>
-          <p:nvSpPr>
-            <p:cNvPr id="25" name="TextBox 24">
-              <a:extLst>
-                <a:ext uri="{FF2B5EF4-FFF2-40B4-BE49-F238E27FC236}">
-                  <a16:creationId xmlns:a16="http://schemas.microsoft.com/office/drawing/2014/main" id="{74EF10F6-A3C3-94BB-A1D9-042EA4E46F97}"/>
-                </a:ext>
-              </a:extLst>
-            </p:cNvPr>
-            <p:cNvSpPr txBox="1"/>
-            <p:nvPr/>
-          </p:nvSpPr>
-          <p:spPr>
-            <a:xfrm>
-              <a:off x="4273171" y="27411"/>
-              <a:ext cx="536028" cy="369332"/>
-            </a:xfrm>
-            <a:prstGeom prst="rect">
-              <a:avLst/>
-            </a:prstGeom>
-            <a:noFill/>
-          </p:spPr>
-          <p:txBody>
-            <a:bodyPr wrap="square" rtlCol="0">
-              <a:spAutoFit/>
-            </a:bodyPr>
-            <a:lstStyle/>
-            <a:p>
-              <a:r>
-                <a:rPr lang="en-US" dirty="0"/>
-                <a:t>B</a:t>
-              </a:r>
-            </a:p>
-          </p:txBody>
-        </p:sp>
-        <p:sp>
-          <p:nvSpPr>
-            <p:cNvPr id="26" name="TextBox 25">
-              <a:extLst>
-                <a:ext uri="{FF2B5EF4-FFF2-40B4-BE49-F238E27FC236}">
-                  <a16:creationId xmlns:a16="http://schemas.microsoft.com/office/drawing/2014/main" id="{9C0F646F-0670-2429-D08B-B4498D5DE262}"/>
-                </a:ext>
-              </a:extLst>
-            </p:cNvPr>
-            <p:cNvSpPr txBox="1"/>
-            <p:nvPr/>
-          </p:nvSpPr>
-          <p:spPr>
-            <a:xfrm>
-              <a:off x="7894590" y="-2804"/>
-              <a:ext cx="536028" cy="369332"/>
-            </a:xfrm>
-            <a:prstGeom prst="rect">
-              <a:avLst/>
-            </a:prstGeom>
-            <a:noFill/>
-          </p:spPr>
-          <p:txBody>
-            <a:bodyPr wrap="square" rtlCol="0">
-              <a:spAutoFit/>
-            </a:bodyPr>
-            <a:lstStyle/>
-            <a:p>
-              <a:r>
-                <a:rPr lang="en-US" dirty="0"/>
-                <a:t>C</a:t>
-              </a:r>
-            </a:p>
-          </p:txBody>
-        </p:sp>
-        <p:sp>
-          <p:nvSpPr>
-            <p:cNvPr id="27" name="TextBox 26">
-              <a:extLst>
-                <a:ext uri="{FF2B5EF4-FFF2-40B4-BE49-F238E27FC236}">
-                  <a16:creationId xmlns:a16="http://schemas.microsoft.com/office/drawing/2014/main" id="{E588D753-3332-DBF9-454A-03E9E0366F71}"/>
-                </a:ext>
-              </a:extLst>
-            </p:cNvPr>
-            <p:cNvSpPr txBox="1"/>
-            <p:nvPr/>
-          </p:nvSpPr>
-          <p:spPr>
-            <a:xfrm>
-              <a:off x="635262" y="3471948"/>
-              <a:ext cx="536028" cy="369332"/>
-            </a:xfrm>
-            <a:prstGeom prst="rect">
-              <a:avLst/>
-            </a:prstGeom>
-            <a:noFill/>
-          </p:spPr>
-          <p:txBody>
-            <a:bodyPr wrap="square" rtlCol="0">
-              <a:spAutoFit/>
-            </a:bodyPr>
-            <a:lstStyle/>
-            <a:p>
-              <a:r>
-                <a:rPr lang="en-US" dirty="0"/>
-                <a:t>D</a:t>
-              </a:r>
-            </a:p>
-          </p:txBody>
-        </p:sp>
-        <p:sp>
-          <p:nvSpPr>
-            <p:cNvPr id="29" name="TextBox 28">
-              <a:extLst>
-                <a:ext uri="{FF2B5EF4-FFF2-40B4-BE49-F238E27FC236}">
-                  <a16:creationId xmlns:a16="http://schemas.microsoft.com/office/drawing/2014/main" id="{4BA043D5-711E-8F35-E464-66E5E1B9A438}"/>
-                </a:ext>
-              </a:extLst>
-            </p:cNvPr>
-            <p:cNvSpPr txBox="1"/>
-            <p:nvPr/>
-          </p:nvSpPr>
-          <p:spPr>
-            <a:xfrm>
-              <a:off x="4281606" y="3379606"/>
-              <a:ext cx="536028" cy="369332"/>
-            </a:xfrm>
-            <a:prstGeom prst="rect">
-              <a:avLst/>
-            </a:prstGeom>
-            <a:noFill/>
-          </p:spPr>
-          <p:txBody>
-            <a:bodyPr wrap="square" rtlCol="0">
-              <a:spAutoFit/>
-            </a:bodyPr>
-            <a:lstStyle/>
-            <a:p>
-              <a:r>
-                <a:rPr lang="en-US" dirty="0"/>
-                <a:t>E</a:t>
-              </a:r>
-            </a:p>
-          </p:txBody>
-        </p:sp>
-        <p:sp>
-          <p:nvSpPr>
-            <p:cNvPr id="31" name="TextBox 30">
-              <a:extLst>
-                <a:ext uri="{FF2B5EF4-FFF2-40B4-BE49-F238E27FC236}">
-                  <a16:creationId xmlns:a16="http://schemas.microsoft.com/office/drawing/2014/main" id="{958AC799-82F3-A573-4E4B-969FDCD7AE53}"/>
-                </a:ext>
-              </a:extLst>
-            </p:cNvPr>
-            <p:cNvSpPr txBox="1"/>
-            <p:nvPr/>
-          </p:nvSpPr>
-          <p:spPr>
-            <a:xfrm>
-              <a:off x="7994476" y="3347140"/>
-              <a:ext cx="536028" cy="369332"/>
-            </a:xfrm>
-            <a:prstGeom prst="rect">
-              <a:avLst/>
-            </a:prstGeom>
-            <a:noFill/>
-          </p:spPr>
-          <p:txBody>
-            <a:bodyPr wrap="square" rtlCol="0">
-              <a:spAutoFit/>
-            </a:bodyPr>
-            <a:lstStyle/>
-            <a:p>
-              <a:r>
-                <a:rPr lang="en-US" dirty="0"/>
-                <a:t>F</a:t>
-              </a:r>
-            </a:p>
-          </p:txBody>
-        </p:sp>
+          </p:grpSpPr>
+          <p:pic>
+            <p:nvPicPr>
+              <p:cNvPr id="17" name="Picture 16">
+                <a:extLst>
+                  <a:ext uri="{FF2B5EF4-FFF2-40B4-BE49-F238E27FC236}">
+                    <a16:creationId xmlns:a16="http://schemas.microsoft.com/office/drawing/2014/main" id="{5006424D-F304-1CC1-49D6-999849633469}"/>
+                  </a:ext>
+                </a:extLst>
+              </p:cNvPr>
+              <p:cNvPicPr>
+                <a:picLocks noChangeAspect="1"/>
+              </p:cNvPicPr>
+              <p:nvPr/>
+            </p:nvPicPr>
+            <p:blipFill>
+              <a:blip r:embed="rId3"/>
+              <a:stretch>
+                <a:fillRect/>
+              </a:stretch>
+            </p:blipFill>
+            <p:spPr>
+              <a:xfrm>
+                <a:off x="4285290" y="-1"/>
+                <a:ext cx="3594944" cy="3594944"/>
+              </a:xfrm>
+              <a:prstGeom prst="rect">
+                <a:avLst/>
+              </a:prstGeom>
+            </p:spPr>
+          </p:pic>
+          <p:pic>
+            <p:nvPicPr>
+              <p:cNvPr id="19" name="Picture 18">
+                <a:extLst>
+                  <a:ext uri="{FF2B5EF4-FFF2-40B4-BE49-F238E27FC236}">
+                    <a16:creationId xmlns:a16="http://schemas.microsoft.com/office/drawing/2014/main" id="{046ED0DE-2ABC-7255-43F0-402F1A4AEF36}"/>
+                  </a:ext>
+                </a:extLst>
+              </p:cNvPr>
+              <p:cNvPicPr>
+                <a:picLocks noChangeAspect="1"/>
+              </p:cNvPicPr>
+              <p:nvPr/>
+            </p:nvPicPr>
+            <p:blipFill>
+              <a:blip r:embed="rId4"/>
+              <a:stretch>
+                <a:fillRect/>
+              </a:stretch>
+            </p:blipFill>
+            <p:spPr>
+              <a:xfrm>
+                <a:off x="7919515" y="-4"/>
+                <a:ext cx="3594947" cy="3594947"/>
+              </a:xfrm>
+              <a:prstGeom prst="rect">
+                <a:avLst/>
+              </a:prstGeom>
+            </p:spPr>
+          </p:pic>
+          <p:pic>
+            <p:nvPicPr>
+              <p:cNvPr id="13" name="Picture 12">
+                <a:extLst>
+                  <a:ext uri="{FF2B5EF4-FFF2-40B4-BE49-F238E27FC236}">
+                    <a16:creationId xmlns:a16="http://schemas.microsoft.com/office/drawing/2014/main" id="{B869AC20-CD7F-634D-9BB3-1AB2C1E3E0EE}"/>
+                  </a:ext>
+                </a:extLst>
+              </p:cNvPr>
+              <p:cNvPicPr>
+                <a:picLocks noChangeAspect="1"/>
+              </p:cNvPicPr>
+              <p:nvPr/>
+            </p:nvPicPr>
+            <p:blipFill>
+              <a:blip r:embed="rId5"/>
+              <a:stretch>
+                <a:fillRect/>
+              </a:stretch>
+            </p:blipFill>
+            <p:spPr>
+              <a:xfrm>
+                <a:off x="651752" y="0"/>
+                <a:ext cx="3621419" cy="3621419"/>
+              </a:xfrm>
+              <a:prstGeom prst="rect">
+                <a:avLst/>
+              </a:prstGeom>
+            </p:spPr>
+          </p:pic>
+          <p:pic>
+            <p:nvPicPr>
+              <p:cNvPr id="23" name="Picture 22">
+                <a:extLst>
+                  <a:ext uri="{FF2B5EF4-FFF2-40B4-BE49-F238E27FC236}">
+                    <a16:creationId xmlns:a16="http://schemas.microsoft.com/office/drawing/2014/main" id="{7FB249A4-F429-48DB-35A7-8790183A0E96}"/>
+                  </a:ext>
+                </a:extLst>
+              </p:cNvPr>
+              <p:cNvPicPr>
+                <a:picLocks noChangeAspect="1"/>
+              </p:cNvPicPr>
+              <p:nvPr/>
+            </p:nvPicPr>
+            <p:blipFill>
+              <a:blip r:embed="rId6"/>
+              <a:stretch>
+                <a:fillRect/>
+              </a:stretch>
+            </p:blipFill>
+            <p:spPr>
+              <a:xfrm>
+                <a:off x="7958800" y="3347140"/>
+                <a:ext cx="3594943" cy="3594943"/>
+              </a:xfrm>
+              <a:prstGeom prst="rect">
+                <a:avLst/>
+              </a:prstGeom>
+            </p:spPr>
+          </p:pic>
+          <p:pic>
+            <p:nvPicPr>
+              <p:cNvPr id="15" name="Picture 14">
+                <a:extLst>
+                  <a:ext uri="{FF2B5EF4-FFF2-40B4-BE49-F238E27FC236}">
+                    <a16:creationId xmlns:a16="http://schemas.microsoft.com/office/drawing/2014/main" id="{8A644AC2-7E82-2FEA-EABD-868206DC94B3}"/>
+                  </a:ext>
+                </a:extLst>
+              </p:cNvPr>
+              <p:cNvPicPr>
+                <a:picLocks noChangeAspect="1"/>
+              </p:cNvPicPr>
+              <p:nvPr/>
+            </p:nvPicPr>
+            <p:blipFill>
+              <a:blip r:embed="rId7"/>
+              <a:stretch>
+                <a:fillRect/>
+              </a:stretch>
+            </p:blipFill>
+            <p:spPr>
+              <a:xfrm>
+                <a:off x="4440263" y="3397039"/>
+                <a:ext cx="3594943" cy="3594943"/>
+              </a:xfrm>
+              <a:prstGeom prst="rect">
+                <a:avLst/>
+              </a:prstGeom>
+            </p:spPr>
+          </p:pic>
+          <p:sp>
+            <p:nvSpPr>
+              <p:cNvPr id="24" name="TextBox 23">
+                <a:extLst>
+                  <a:ext uri="{FF2B5EF4-FFF2-40B4-BE49-F238E27FC236}">
+                    <a16:creationId xmlns:a16="http://schemas.microsoft.com/office/drawing/2014/main" id="{99E35AD5-FAEA-3493-5FDA-C8C0B3FFD0A5}"/>
+                  </a:ext>
+                </a:extLst>
+              </p:cNvPr>
+              <p:cNvSpPr txBox="1"/>
+              <p:nvPr/>
+            </p:nvSpPr>
+            <p:spPr>
+              <a:xfrm>
+                <a:off x="639633" y="26476"/>
+                <a:ext cx="536028" cy="369332"/>
+              </a:xfrm>
+              <a:prstGeom prst="rect">
+                <a:avLst/>
+              </a:prstGeom>
+              <a:noFill/>
+            </p:spPr>
+            <p:txBody>
+              <a:bodyPr wrap="square" rtlCol="0">
+                <a:spAutoFit/>
+              </a:bodyPr>
+              <a:lstStyle/>
+              <a:p>
+                <a:r>
+                  <a:rPr lang="en-US" dirty="0"/>
+                  <a:t>A</a:t>
+                </a:r>
+              </a:p>
+            </p:txBody>
+          </p:sp>
+          <p:sp>
+            <p:nvSpPr>
+              <p:cNvPr id="25" name="TextBox 24">
+                <a:extLst>
+                  <a:ext uri="{FF2B5EF4-FFF2-40B4-BE49-F238E27FC236}">
+                    <a16:creationId xmlns:a16="http://schemas.microsoft.com/office/drawing/2014/main" id="{74EF10F6-A3C3-94BB-A1D9-042EA4E46F97}"/>
+                  </a:ext>
+                </a:extLst>
+              </p:cNvPr>
+              <p:cNvSpPr txBox="1"/>
+              <p:nvPr/>
+            </p:nvSpPr>
+            <p:spPr>
+              <a:xfrm>
+                <a:off x="4273171" y="27411"/>
+                <a:ext cx="536028" cy="369332"/>
+              </a:xfrm>
+              <a:prstGeom prst="rect">
+                <a:avLst/>
+              </a:prstGeom>
+              <a:noFill/>
+            </p:spPr>
+            <p:txBody>
+              <a:bodyPr wrap="square" rtlCol="0">
+                <a:spAutoFit/>
+              </a:bodyPr>
+              <a:lstStyle/>
+              <a:p>
+                <a:r>
+                  <a:rPr lang="en-US" dirty="0"/>
+                  <a:t>B</a:t>
+                </a:r>
+              </a:p>
+            </p:txBody>
+          </p:sp>
+          <p:sp>
+            <p:nvSpPr>
+              <p:cNvPr id="26" name="TextBox 25">
+                <a:extLst>
+                  <a:ext uri="{FF2B5EF4-FFF2-40B4-BE49-F238E27FC236}">
+                    <a16:creationId xmlns:a16="http://schemas.microsoft.com/office/drawing/2014/main" id="{9C0F646F-0670-2429-D08B-B4498D5DE262}"/>
+                  </a:ext>
+                </a:extLst>
+              </p:cNvPr>
+              <p:cNvSpPr txBox="1"/>
+              <p:nvPr/>
+            </p:nvSpPr>
+            <p:spPr>
+              <a:xfrm>
+                <a:off x="7894590" y="-2804"/>
+                <a:ext cx="536028" cy="369332"/>
+              </a:xfrm>
+              <a:prstGeom prst="rect">
+                <a:avLst/>
+              </a:prstGeom>
+              <a:noFill/>
+            </p:spPr>
+            <p:txBody>
+              <a:bodyPr wrap="square" rtlCol="0">
+                <a:spAutoFit/>
+              </a:bodyPr>
+              <a:lstStyle/>
+              <a:p>
+                <a:r>
+                  <a:rPr lang="en-US" dirty="0"/>
+                  <a:t>C</a:t>
+                </a:r>
+              </a:p>
+            </p:txBody>
+          </p:sp>
+          <p:sp>
+            <p:nvSpPr>
+              <p:cNvPr id="27" name="TextBox 26">
+                <a:extLst>
+                  <a:ext uri="{FF2B5EF4-FFF2-40B4-BE49-F238E27FC236}">
+                    <a16:creationId xmlns:a16="http://schemas.microsoft.com/office/drawing/2014/main" id="{E588D753-3332-DBF9-454A-03E9E0366F71}"/>
+                  </a:ext>
+                </a:extLst>
+              </p:cNvPr>
+              <p:cNvSpPr txBox="1"/>
+              <p:nvPr/>
+            </p:nvSpPr>
+            <p:spPr>
+              <a:xfrm>
+                <a:off x="635262" y="3471948"/>
+                <a:ext cx="536028" cy="369332"/>
+              </a:xfrm>
+              <a:prstGeom prst="rect">
+                <a:avLst/>
+              </a:prstGeom>
+              <a:noFill/>
+            </p:spPr>
+            <p:txBody>
+              <a:bodyPr wrap="square" rtlCol="0">
+                <a:spAutoFit/>
+              </a:bodyPr>
+              <a:lstStyle/>
+              <a:p>
+                <a:r>
+                  <a:rPr lang="en-US" dirty="0"/>
+                  <a:t>D</a:t>
+                </a:r>
+              </a:p>
+            </p:txBody>
+          </p:sp>
+          <p:sp>
+            <p:nvSpPr>
+              <p:cNvPr id="29" name="TextBox 28">
+                <a:extLst>
+                  <a:ext uri="{FF2B5EF4-FFF2-40B4-BE49-F238E27FC236}">
+                    <a16:creationId xmlns:a16="http://schemas.microsoft.com/office/drawing/2014/main" id="{4BA043D5-711E-8F35-E464-66E5E1B9A438}"/>
+                  </a:ext>
+                </a:extLst>
+              </p:cNvPr>
+              <p:cNvSpPr txBox="1"/>
+              <p:nvPr/>
+            </p:nvSpPr>
+            <p:spPr>
+              <a:xfrm>
+                <a:off x="4281606" y="3379606"/>
+                <a:ext cx="536028" cy="369332"/>
+              </a:xfrm>
+              <a:prstGeom prst="rect">
+                <a:avLst/>
+              </a:prstGeom>
+              <a:noFill/>
+            </p:spPr>
+            <p:txBody>
+              <a:bodyPr wrap="square" rtlCol="0">
+                <a:spAutoFit/>
+              </a:bodyPr>
+              <a:lstStyle/>
+              <a:p>
+                <a:r>
+                  <a:rPr lang="en-US" dirty="0"/>
+                  <a:t>E</a:t>
+                </a:r>
+              </a:p>
+            </p:txBody>
+          </p:sp>
+          <p:sp>
+            <p:nvSpPr>
+              <p:cNvPr id="31" name="TextBox 30">
+                <a:extLst>
+                  <a:ext uri="{FF2B5EF4-FFF2-40B4-BE49-F238E27FC236}">
+                    <a16:creationId xmlns:a16="http://schemas.microsoft.com/office/drawing/2014/main" id="{958AC799-82F3-A573-4E4B-969FDCD7AE53}"/>
+                  </a:ext>
+                </a:extLst>
+              </p:cNvPr>
+              <p:cNvSpPr txBox="1"/>
+              <p:nvPr/>
+            </p:nvSpPr>
+            <p:spPr>
+              <a:xfrm>
+                <a:off x="7994476" y="3347140"/>
+                <a:ext cx="536028" cy="369332"/>
+              </a:xfrm>
+              <a:prstGeom prst="rect">
+                <a:avLst/>
+              </a:prstGeom>
+              <a:noFill/>
+            </p:spPr>
+            <p:txBody>
+              <a:bodyPr wrap="square" rtlCol="0">
+                <a:spAutoFit/>
+              </a:bodyPr>
+              <a:lstStyle/>
+              <a:p>
+                <a:r>
+                  <a:rPr lang="en-US" dirty="0"/>
+                  <a:t>F</a:t>
+                </a:r>
+              </a:p>
+            </p:txBody>
+          </p:sp>
+        </p:grpSp>
       </p:grpSp>
       <p:sp>
         <p:nvSpPr>
@@ -6365,7 +8613,7 @@
 </p:sld>
 </file>
 
-<file path=ppt/slides/slide7.xml><?xml version="1.0" encoding="utf-8"?>
+<file path=ppt/slides/slide8.xml><?xml version="1.0" encoding="utf-8"?>
 <p:sld xmlns:a="http://schemas.openxmlformats.org/drawingml/2006/main" xmlns:r="http://schemas.openxmlformats.org/officeDocument/2006/relationships" xmlns:p="http://schemas.openxmlformats.org/presentationml/2006/main">
   <p:cSld>
     <p:spTree>
@@ -6568,7 +8816,7 @@
 </p:sld>
 </file>
 
-<file path=ppt/slides/slide8.xml><?xml version="1.0" encoding="utf-8"?>
+<file path=ppt/slides/slide9.xml><?xml version="1.0" encoding="utf-8"?>
 <p:sld xmlns:a="http://schemas.openxmlformats.org/drawingml/2006/main" xmlns:r="http://schemas.openxmlformats.org/officeDocument/2006/relationships" xmlns:p="http://schemas.openxmlformats.org/presentationml/2006/main">
   <p:cSld>
     <p:spTree>
@@ -6923,117 +9171,22 @@
           </a:p>
         </p:txBody>
       </p:sp>
-    </p:spTree>
-    <p:extLst>
-      <p:ext uri="{BB962C8B-B14F-4D97-AF65-F5344CB8AC3E}">
-        <p14:creationId xmlns:p14="http://schemas.microsoft.com/office/powerpoint/2010/main" val="2677462433"/>
-      </p:ext>
-    </p:extLst>
-  </p:cSld>
-  <p:clrMapOvr>
-    <a:masterClrMapping/>
-  </p:clrMapOvr>
-</p:sld>
-</file>
-
-<file path=ppt/slides/slide9.xml><?xml version="1.0" encoding="utf-8"?>
-<p:sld xmlns:a="http://schemas.openxmlformats.org/drawingml/2006/main" xmlns:r="http://schemas.openxmlformats.org/officeDocument/2006/relationships" xmlns:p="http://schemas.openxmlformats.org/presentationml/2006/main">
-  <p:cSld>
-    <p:spTree>
-      <p:nvGrpSpPr>
-        <p:cNvPr id="1" name=""/>
-        <p:cNvGrpSpPr/>
-        <p:nvPr/>
-      </p:nvGrpSpPr>
-      <p:grpSpPr>
-        <a:xfrm>
-          <a:off x="0" y="0"/>
-          <a:ext cx="0" cy="0"/>
-          <a:chOff x="0" y="0"/>
-          <a:chExt cx="0" cy="0"/>
-        </a:xfrm>
-      </p:grpSpPr>
-      <p:pic>
-        <p:nvPicPr>
-          <p:cNvPr id="6" name="Picture 5">
-            <a:extLst>
-              <a:ext uri="{FF2B5EF4-FFF2-40B4-BE49-F238E27FC236}">
-                <a16:creationId xmlns:a16="http://schemas.microsoft.com/office/drawing/2014/main" id="{BF9036ED-EDF5-8F64-9FFF-D8186487D003}"/>
-              </a:ext>
-            </a:extLst>
-          </p:cNvPr>
-          <p:cNvPicPr>
-            <a:picLocks noChangeAspect="1"/>
-          </p:cNvPicPr>
+      <p:sp>
+        <p:nvSpPr>
+          <p:cNvPr id="3" name="TextBox 2">
+            <a:extLst>
+              <a:ext uri="{FF2B5EF4-FFF2-40B4-BE49-F238E27FC236}">
+                <a16:creationId xmlns:a16="http://schemas.microsoft.com/office/drawing/2014/main" id="{1E50DB33-F86B-A6F1-55A6-B188B29A88C9}"/>
+              </a:ext>
+            </a:extLst>
+          </p:cNvPr>
+          <p:cNvSpPr txBox="1"/>
           <p:nvPr/>
-        </p:nvPicPr>
-        <p:blipFill>
-          <a:blip r:embed="rId2"/>
-          <a:stretch>
-            <a:fillRect/>
-          </a:stretch>
-        </p:blipFill>
+        </p:nvSpPr>
         <p:spPr>
           <a:xfrm>
-            <a:off x="5334000" y="0"/>
-            <a:ext cx="6858000" cy="6858000"/>
-          </a:xfrm>
-          <a:prstGeom prst="rect">
-            <a:avLst/>
-          </a:prstGeom>
-        </p:spPr>
-      </p:pic>
-      <p:sp>
-        <p:nvSpPr>
-          <p:cNvPr id="7" name="Title 1">
-            <a:extLst>
-              <a:ext uri="{FF2B5EF4-FFF2-40B4-BE49-F238E27FC236}">
-                <a16:creationId xmlns:a16="http://schemas.microsoft.com/office/drawing/2014/main" id="{AAF3AA68-1F1F-6E33-C9F7-BB6962B298AF}"/>
-              </a:ext>
-            </a:extLst>
-          </p:cNvPr>
-          <p:cNvSpPr>
-            <a:spLocks noGrp="1"/>
-          </p:cNvSpPr>
-          <p:nvPr>
-            <p:ph type="title"/>
-          </p:nvPr>
-        </p:nvSpPr>
-        <p:spPr>
-          <a:xfrm>
-            <a:off x="248270" y="-12526"/>
-            <a:ext cx="6068447" cy="1325563"/>
-          </a:xfrm>
-        </p:spPr>
-        <p:txBody>
-          <a:bodyPr>
-            <a:normAutofit/>
-          </a:bodyPr>
-          <a:lstStyle/>
-          <a:p>
-            <a:r>
-              <a:rPr lang="en-US" sz="3200" dirty="0"/>
-              <a:t>Clustering of all variants in CDS region</a:t>
-            </a:r>
-          </a:p>
-        </p:txBody>
-      </p:sp>
-      <p:sp>
-        <p:nvSpPr>
-          <p:cNvPr id="8" name="TextBox 7">
-            <a:extLst>
-              <a:ext uri="{FF2B5EF4-FFF2-40B4-BE49-F238E27FC236}">
-                <a16:creationId xmlns:a16="http://schemas.microsoft.com/office/drawing/2014/main" id="{3342146F-46FA-065A-F292-408BDA348A46}"/>
-              </a:ext>
-            </a:extLst>
-          </p:cNvPr>
-          <p:cNvSpPr txBox="1"/>
-          <p:nvPr/>
-        </p:nvSpPr>
-        <p:spPr>
-          <a:xfrm>
-            <a:off x="463463" y="1427967"/>
-            <a:ext cx="4672208" cy="2246769"/>
+            <a:off x="8397446" y="2923233"/>
+            <a:ext cx="2476678" cy="369332"/>
           </a:xfrm>
           <a:prstGeom prst="rect">
             <a:avLst/>
@@ -7046,43 +9199,13 @@
           </a:bodyPr>
           <a:lstStyle/>
           <a:p>
-            <a:pPr marL="285750" indent="-285750">
-              <a:buFont typeface="Arial" panose="020B0604020202020204" pitchFamily="34" charset="0"/>
-              <a:buChar char="•"/>
-            </a:pPr>
-            <a:r>
-              <a:rPr lang="en-US" sz="2000" dirty="0"/>
-              <a:t>Samples for 12 breeds.</a:t>
-            </a:r>
-          </a:p>
-          <a:p>
-            <a:pPr marL="285750" indent="-285750">
-              <a:buFont typeface="Arial" panose="020B0604020202020204" pitchFamily="34" charset="0"/>
-              <a:buChar char="•"/>
-            </a:pPr>
-            <a:r>
-              <a:rPr lang="en-US" sz="2000" dirty="0"/>
-              <a:t>Rooted with Shih Tzu.</a:t>
-            </a:r>
-          </a:p>
-          <a:p>
-            <a:pPr marL="285750" indent="-285750">
-              <a:buFont typeface="Arial" panose="020B0604020202020204" pitchFamily="34" charset="0"/>
-              <a:buChar char="•"/>
-            </a:pPr>
-            <a:r>
-              <a:rPr lang="en-US" sz="2000" dirty="0"/>
-              <a:t>Essentially all 12 breeds cluster as expected, except for Poodle.</a:t>
-            </a:r>
-          </a:p>
-          <a:p>
-            <a:pPr marL="285750" indent="-285750">
-              <a:buFont typeface="Arial" panose="020B0604020202020204" pitchFamily="34" charset="0"/>
-              <a:buChar char="•"/>
-            </a:pPr>
-            <a:r>
-              <a:rPr lang="en-US" sz="2000" dirty="0"/>
-              <a:t>“Doodle”: An extremely long branch of several “Poodle” and “Golden Retriever” dogs.</a:t>
+            <a:r>
+              <a:rPr lang="en-US" dirty="0">
+                <a:solidFill>
+                  <a:srgbClr val="C00000"/>
+                </a:solidFill>
+              </a:rPr>
+              <a:t>* Only Normal samples</a:t>
             </a:r>
           </a:p>
         </p:txBody>
@@ -7090,7 +9213,7 @@
     </p:spTree>
     <p:extLst>
       <p:ext uri="{BB962C8B-B14F-4D97-AF65-F5344CB8AC3E}">
-        <p14:creationId xmlns:p14="http://schemas.microsoft.com/office/powerpoint/2010/main" val="86365851"/>
+        <p14:creationId xmlns:p14="http://schemas.microsoft.com/office/powerpoint/2010/main" val="2677462433"/>
       </p:ext>
     </p:extLst>
   </p:cSld>
